--- a/source/pages/assets/images/source/DEQM Resource Diagram - COL.pptx
+++ b/source/pages/assets/images/source/DEQM Resource Diagram - COL.pptx
@@ -6,10 +6,16 @@
   </p:sldMasterIdLst>
   <p:sldIdLst>
     <p:sldId id="256" r:id="rId2"/>
-    <p:sldId id="257" r:id="rId3"/>
-    <p:sldId id="258" r:id="rId4"/>
-    <p:sldId id="259" r:id="rId5"/>
-    <p:sldId id="260" r:id="rId6"/>
+    <p:sldId id="261" r:id="rId3"/>
+    <p:sldId id="262" r:id="rId4"/>
+    <p:sldId id="257" r:id="rId5"/>
+    <p:sldId id="263" r:id="rId6"/>
+    <p:sldId id="264" r:id="rId7"/>
+    <p:sldId id="265" r:id="rId8"/>
+    <p:sldId id="267" r:id="rId9"/>
+    <p:sldId id="266" r:id="rId10"/>
+    <p:sldId id="268" r:id="rId11"/>
+    <p:sldId id="260" r:id="rId12"/>
   </p:sldIdLst>
   <p:sldSz cx="9144000" cy="6858000" type="screen4x3"/>
   <p:notesSz cx="6858000" cy="9144000"/>
@@ -3116,7 +3122,7 @@
           <a:p>
             <a:r>
               <a:rPr lang="en-US" dirty="0" smtClean="0"/>
-              <a:t>COL Resource Interactions</a:t>
+              <a:t>COL Resource Diagram</a:t>
             </a:r>
             <a:endParaRPr lang="en-US" dirty="0"/>
           </a:p>
@@ -3145,6 +3151,1399 @@
     <p:extLst>
       <p:ext uri="{BB962C8B-B14F-4D97-AF65-F5344CB8AC3E}">
         <p14:creationId xmlns:p14="http://schemas.microsoft.com/office/powerpoint/2010/main" val="780111972"/>
+      </p:ext>
+    </p:extLst>
+  </p:cSld>
+  <p:clrMapOvr>
+    <a:masterClrMapping/>
+  </p:clrMapOvr>
+</p:sld>
+</file>
+
+<file path=ppt/slides/slide10.xml><?xml version="1.0" encoding="utf-8"?>
+<p:sld xmlns:a="http://schemas.openxmlformats.org/drawingml/2006/main" xmlns:r="http://schemas.openxmlformats.org/officeDocument/2006/relationships" xmlns:p="http://schemas.openxmlformats.org/presentationml/2006/main">
+  <p:cSld>
+    <p:spTree>
+      <p:nvGrpSpPr>
+        <p:cNvPr id="1" name=""/>
+        <p:cNvGrpSpPr/>
+        <p:nvPr/>
+      </p:nvGrpSpPr>
+      <p:grpSpPr>
+        <a:xfrm>
+          <a:off x="0" y="0"/>
+          <a:ext cx="0" cy="0"/>
+          <a:chOff x="0" y="0"/>
+          <a:chExt cx="0" cy="0"/>
+        </a:xfrm>
+      </p:grpSpPr>
+      <p:sp>
+        <p:nvSpPr>
+          <p:cNvPr id="2" name="Title 1"/>
+          <p:cNvSpPr>
+            <a:spLocks noGrp="1"/>
+          </p:cNvSpPr>
+          <p:nvPr>
+            <p:ph type="title"/>
+          </p:nvPr>
+        </p:nvSpPr>
+        <p:spPr/>
+        <p:txBody>
+          <a:bodyPr>
+            <a:normAutofit fontScale="90000"/>
+          </a:bodyPr>
+          <a:lstStyle/>
+          <a:p>
+            <a:pPr algn="l"/>
+            <a:r>
+              <a:rPr lang="en-US" dirty="0" smtClean="0"/>
+              <a:t>Option 4 – MeasureReport using Condition</a:t>
+            </a:r>
+            <a:endParaRPr lang="en-US" dirty="0"/>
+          </a:p>
+        </p:txBody>
+      </p:sp>
+      <p:sp>
+        <p:nvSpPr>
+          <p:cNvPr id="3" name="Content Placeholder 2"/>
+          <p:cNvSpPr>
+            <a:spLocks noGrp="1"/>
+          </p:cNvSpPr>
+          <p:nvPr>
+            <p:ph idx="1"/>
+          </p:nvPr>
+        </p:nvSpPr>
+        <p:spPr/>
+        <p:txBody>
+          <a:bodyPr>
+            <a:normAutofit fontScale="92500" lnSpcReduction="10000"/>
+          </a:bodyPr>
+          <a:lstStyle/>
+          <a:p>
+            <a:pPr marL="0" indent="0">
+              <a:buNone/>
+            </a:pPr>
+            <a:r>
+              <a:rPr lang="en-US" dirty="0" smtClean="0"/>
+              <a:t>An additional way you can represent exclusions in the Colorectal Cancer Screening measure is with certain conditions.  The </a:t>
+            </a:r>
+            <a:r>
+              <a:rPr lang="en-US" dirty="0" err="1" smtClean="0"/>
+              <a:t>valuesets</a:t>
+            </a:r>
+            <a:r>
+              <a:rPr lang="en-US" dirty="0" smtClean="0"/>
+              <a:t>/codes that allow for the patient not to be screened for colorectal cancer are specified in the measure.</a:t>
+            </a:r>
+          </a:p>
+          <a:p>
+            <a:pPr marL="0" indent="0">
+              <a:buNone/>
+            </a:pPr>
+            <a:endParaRPr lang="en-US" dirty="0"/>
+          </a:p>
+          <a:p>
+            <a:pPr marL="0" indent="0">
+              <a:buNone/>
+            </a:pPr>
+            <a:r>
+              <a:rPr lang="en-US" dirty="0" smtClean="0"/>
+              <a:t>The following MeasureReport diagram shows the related resources that can be used to represent when you need to send a Condition that represents an exclusion to the measure</a:t>
+            </a:r>
+            <a:endParaRPr lang="en-US" dirty="0"/>
+          </a:p>
+        </p:txBody>
+      </p:sp>
+    </p:spTree>
+    <p:extLst>
+      <p:ext uri="{BB962C8B-B14F-4D97-AF65-F5344CB8AC3E}">
+        <p14:creationId xmlns:p14="http://schemas.microsoft.com/office/powerpoint/2010/main" val="783191033"/>
+      </p:ext>
+    </p:extLst>
+  </p:cSld>
+  <p:clrMapOvr>
+    <a:masterClrMapping/>
+  </p:clrMapOvr>
+</p:sld>
+</file>
+
+<file path=ppt/slides/slide11.xml><?xml version="1.0" encoding="utf-8"?>
+<p:sld xmlns:a="http://schemas.openxmlformats.org/drawingml/2006/main" xmlns:r="http://schemas.openxmlformats.org/officeDocument/2006/relationships" xmlns:p="http://schemas.openxmlformats.org/presentationml/2006/main">
+  <p:cSld>
+    <p:spTree>
+      <p:nvGrpSpPr>
+        <p:cNvPr id="1" name=""/>
+        <p:cNvGrpSpPr/>
+        <p:nvPr/>
+      </p:nvGrpSpPr>
+      <p:grpSpPr>
+        <a:xfrm>
+          <a:off x="0" y="0"/>
+          <a:ext cx="0" cy="0"/>
+          <a:chOff x="0" y="0"/>
+          <a:chExt cx="0" cy="0"/>
+        </a:xfrm>
+      </p:grpSpPr>
+      <p:sp>
+        <p:nvSpPr>
+          <p:cNvPr id="2" name="Title 1"/>
+          <p:cNvSpPr>
+            <a:spLocks noGrp="1"/>
+          </p:cNvSpPr>
+          <p:nvPr>
+            <p:ph type="title"/>
+          </p:nvPr>
+        </p:nvSpPr>
+        <p:spPr/>
+        <p:txBody>
+          <a:bodyPr>
+            <a:normAutofit/>
+          </a:bodyPr>
+          <a:lstStyle/>
+          <a:p>
+            <a:pPr algn="l"/>
+            <a:r>
+              <a:rPr lang="en-US" dirty="0" smtClean="0"/>
+              <a:t>MeasureReport using Condition</a:t>
+            </a:r>
+            <a:endParaRPr lang="en-US" dirty="0"/>
+          </a:p>
+        </p:txBody>
+      </p:sp>
+      <p:sp>
+        <p:nvSpPr>
+          <p:cNvPr id="3" name="Content Placeholder 2"/>
+          <p:cNvSpPr>
+            <a:spLocks noGrp="1"/>
+          </p:cNvSpPr>
+          <p:nvPr>
+            <p:ph idx="1"/>
+          </p:nvPr>
+        </p:nvSpPr>
+        <p:spPr/>
+        <p:txBody>
+          <a:bodyPr/>
+          <a:lstStyle/>
+          <a:p>
+            <a:pPr marL="0" indent="0">
+              <a:buNone/>
+            </a:pPr>
+            <a:r>
+              <a:rPr lang="en-US" dirty="0" smtClean="0"/>
+              <a:t>  </a:t>
+            </a:r>
+            <a:endParaRPr lang="en-US" dirty="0"/>
+          </a:p>
+        </p:txBody>
+      </p:sp>
+      <p:sp>
+        <p:nvSpPr>
+          <p:cNvPr id="4" name="Flowchart: Alternate Process 3"/>
+          <p:cNvSpPr/>
+          <p:nvPr/>
+        </p:nvSpPr>
+        <p:spPr>
+          <a:xfrm>
+            <a:off x="762000" y="1447800"/>
+            <a:ext cx="1524000" cy="609600"/>
+          </a:xfrm>
+          <a:prstGeom prst="flowChartAlternateProcess">
+            <a:avLst/>
+          </a:prstGeom>
+          <a:ln w="12700">
+            <a:solidFill>
+              <a:schemeClr val="tx2"/>
+            </a:solidFill>
+          </a:ln>
+        </p:spPr>
+        <p:style>
+          <a:lnRef idx="2">
+            <a:schemeClr val="accent1">
+              <a:shade val="50000"/>
+            </a:schemeClr>
+          </a:lnRef>
+          <a:fillRef idx="1">
+            <a:schemeClr val="accent1"/>
+          </a:fillRef>
+          <a:effectRef idx="0">
+            <a:schemeClr val="accent1"/>
+          </a:effectRef>
+          <a:fontRef idx="minor">
+            <a:schemeClr val="lt1"/>
+          </a:fontRef>
+        </p:style>
+        <p:txBody>
+          <a:bodyPr rtlCol="0" anchor="ctr"/>
+          <a:lstStyle/>
+          <a:p>
+            <a:pPr algn="ctr"/>
+            <a:r>
+              <a:rPr lang="en-US" sz="1400" dirty="0" smtClean="0">
+                <a:solidFill>
+                  <a:schemeClr val="bg1"/>
+                </a:solidFill>
+              </a:rPr>
+              <a:t>Measure</a:t>
+            </a:r>
+            <a:endParaRPr lang="en-US" sz="1400" dirty="0">
+              <a:solidFill>
+                <a:schemeClr val="bg1"/>
+              </a:solidFill>
+            </a:endParaRPr>
+          </a:p>
+        </p:txBody>
+      </p:sp>
+      <p:sp>
+        <p:nvSpPr>
+          <p:cNvPr id="6" name="Flowchart: Alternate Process 5"/>
+          <p:cNvSpPr/>
+          <p:nvPr/>
+        </p:nvSpPr>
+        <p:spPr>
+          <a:xfrm>
+            <a:off x="762000" y="3060970"/>
+            <a:ext cx="1524000" cy="609600"/>
+          </a:xfrm>
+          <a:prstGeom prst="flowChartAlternateProcess">
+            <a:avLst/>
+          </a:prstGeom>
+          <a:ln w="12700">
+            <a:solidFill>
+              <a:schemeClr val="tx2"/>
+            </a:solidFill>
+          </a:ln>
+        </p:spPr>
+        <p:style>
+          <a:lnRef idx="2">
+            <a:schemeClr val="accent1">
+              <a:shade val="50000"/>
+            </a:schemeClr>
+          </a:lnRef>
+          <a:fillRef idx="1">
+            <a:schemeClr val="accent1"/>
+          </a:fillRef>
+          <a:effectRef idx="0">
+            <a:schemeClr val="accent1"/>
+          </a:effectRef>
+          <a:fontRef idx="minor">
+            <a:schemeClr val="lt1"/>
+          </a:fontRef>
+        </p:style>
+        <p:txBody>
+          <a:bodyPr rtlCol="0" anchor="ctr"/>
+          <a:lstStyle/>
+          <a:p>
+            <a:pPr algn="ctr"/>
+            <a:r>
+              <a:rPr lang="en-US" sz="1400" dirty="0" smtClean="0">
+                <a:solidFill>
+                  <a:schemeClr val="bg1"/>
+                </a:solidFill>
+              </a:rPr>
+              <a:t>MeasureReport</a:t>
+            </a:r>
+            <a:endParaRPr lang="en-US" sz="1400" dirty="0">
+              <a:solidFill>
+                <a:schemeClr val="bg1"/>
+              </a:solidFill>
+            </a:endParaRPr>
+          </a:p>
+        </p:txBody>
+      </p:sp>
+      <p:sp>
+        <p:nvSpPr>
+          <p:cNvPr id="10" name="Flowchart: Alternate Process 9"/>
+          <p:cNvSpPr/>
+          <p:nvPr/>
+        </p:nvSpPr>
+        <p:spPr>
+          <a:xfrm>
+            <a:off x="762000" y="4572000"/>
+            <a:ext cx="1524000" cy="609600"/>
+          </a:xfrm>
+          <a:prstGeom prst="flowChartAlternateProcess">
+            <a:avLst/>
+          </a:prstGeom>
+          <a:ln w="12700">
+            <a:solidFill>
+              <a:schemeClr val="tx2"/>
+            </a:solidFill>
+          </a:ln>
+        </p:spPr>
+        <p:style>
+          <a:lnRef idx="2">
+            <a:schemeClr val="accent1">
+              <a:shade val="50000"/>
+            </a:schemeClr>
+          </a:lnRef>
+          <a:fillRef idx="1">
+            <a:schemeClr val="accent1"/>
+          </a:fillRef>
+          <a:effectRef idx="0">
+            <a:schemeClr val="accent1"/>
+          </a:effectRef>
+          <a:fontRef idx="minor">
+            <a:schemeClr val="lt1"/>
+          </a:fontRef>
+        </p:style>
+        <p:txBody>
+          <a:bodyPr rtlCol="0" anchor="ctr"/>
+          <a:lstStyle/>
+          <a:p>
+            <a:pPr algn="ctr"/>
+            <a:r>
+              <a:rPr lang="en-US" sz="1400" dirty="0" smtClean="0">
+                <a:solidFill>
+                  <a:schemeClr val="bg1"/>
+                </a:solidFill>
+              </a:rPr>
+              <a:t>Condition</a:t>
+            </a:r>
+            <a:endParaRPr lang="en-US" sz="1400" dirty="0">
+              <a:solidFill>
+                <a:schemeClr val="bg1"/>
+              </a:solidFill>
+            </a:endParaRPr>
+          </a:p>
+        </p:txBody>
+      </p:sp>
+      <p:sp>
+        <p:nvSpPr>
+          <p:cNvPr id="14" name="Flowchart: Alternate Process 13"/>
+          <p:cNvSpPr/>
+          <p:nvPr/>
+        </p:nvSpPr>
+        <p:spPr>
+          <a:xfrm>
+            <a:off x="4724400" y="1981200"/>
+            <a:ext cx="1524000" cy="609600"/>
+          </a:xfrm>
+          <a:prstGeom prst="flowChartAlternateProcess">
+            <a:avLst/>
+          </a:prstGeom>
+          <a:ln w="12700">
+            <a:solidFill>
+              <a:schemeClr val="tx2"/>
+            </a:solidFill>
+          </a:ln>
+        </p:spPr>
+        <p:style>
+          <a:lnRef idx="2">
+            <a:schemeClr val="accent1">
+              <a:shade val="50000"/>
+            </a:schemeClr>
+          </a:lnRef>
+          <a:fillRef idx="1">
+            <a:schemeClr val="accent1"/>
+          </a:fillRef>
+          <a:effectRef idx="0">
+            <a:schemeClr val="accent1"/>
+          </a:effectRef>
+          <a:fontRef idx="minor">
+            <a:schemeClr val="lt1"/>
+          </a:fontRef>
+        </p:style>
+        <p:txBody>
+          <a:bodyPr rtlCol="0" anchor="ctr"/>
+          <a:lstStyle/>
+          <a:p>
+            <a:pPr algn="ctr"/>
+            <a:r>
+              <a:rPr lang="en-US" sz="1400" dirty="0" smtClean="0">
+                <a:solidFill>
+                  <a:schemeClr val="bg1"/>
+                </a:solidFill>
+              </a:rPr>
+              <a:t>Organization</a:t>
+            </a:r>
+            <a:endParaRPr lang="en-US" sz="1400" dirty="0">
+              <a:solidFill>
+                <a:schemeClr val="bg1"/>
+              </a:solidFill>
+            </a:endParaRPr>
+          </a:p>
+        </p:txBody>
+      </p:sp>
+      <p:sp>
+        <p:nvSpPr>
+          <p:cNvPr id="15" name="Flowchart: Alternate Process 14"/>
+          <p:cNvSpPr/>
+          <p:nvPr/>
+        </p:nvSpPr>
+        <p:spPr>
+          <a:xfrm>
+            <a:off x="4732506" y="3859634"/>
+            <a:ext cx="1524000" cy="609600"/>
+          </a:xfrm>
+          <a:prstGeom prst="flowChartAlternateProcess">
+            <a:avLst/>
+          </a:prstGeom>
+          <a:ln w="12700">
+            <a:solidFill>
+              <a:schemeClr val="tx2"/>
+            </a:solidFill>
+          </a:ln>
+        </p:spPr>
+        <p:style>
+          <a:lnRef idx="2">
+            <a:schemeClr val="accent1">
+              <a:shade val="50000"/>
+            </a:schemeClr>
+          </a:lnRef>
+          <a:fillRef idx="1">
+            <a:schemeClr val="accent1"/>
+          </a:fillRef>
+          <a:effectRef idx="0">
+            <a:schemeClr val="accent1"/>
+          </a:effectRef>
+          <a:fontRef idx="minor">
+            <a:schemeClr val="lt1"/>
+          </a:fontRef>
+        </p:style>
+        <p:txBody>
+          <a:bodyPr rtlCol="0" anchor="ctr"/>
+          <a:lstStyle/>
+          <a:p>
+            <a:pPr algn="ctr"/>
+            <a:r>
+              <a:rPr lang="en-US" sz="1400" dirty="0" smtClean="0">
+                <a:solidFill>
+                  <a:schemeClr val="bg1"/>
+                </a:solidFill>
+              </a:rPr>
+              <a:t>Patient</a:t>
+            </a:r>
+            <a:endParaRPr lang="en-US" sz="1400" dirty="0">
+              <a:solidFill>
+                <a:schemeClr val="bg1"/>
+              </a:solidFill>
+            </a:endParaRPr>
+          </a:p>
+        </p:txBody>
+      </p:sp>
+      <p:cxnSp>
+        <p:nvCxnSpPr>
+          <p:cNvPr id="17" name="Straight Arrow Connector 16"/>
+          <p:cNvCxnSpPr>
+            <a:stCxn id="6" idx="0"/>
+            <a:endCxn id="4" idx="2"/>
+          </p:cNvCxnSpPr>
+          <p:nvPr/>
+        </p:nvCxnSpPr>
+        <p:spPr>
+          <a:xfrm flipV="1">
+            <a:off x="1524000" y="2057400"/>
+            <a:ext cx="0" cy="1003570"/>
+          </a:xfrm>
+          <a:prstGeom prst="straightConnector1">
+            <a:avLst/>
+          </a:prstGeom>
+          <a:ln w="28575">
+            <a:solidFill>
+              <a:schemeClr val="tx1"/>
+            </a:solidFill>
+            <a:tailEnd type="arrow"/>
+          </a:ln>
+        </p:spPr>
+        <p:style>
+          <a:lnRef idx="1">
+            <a:schemeClr val="accent1"/>
+          </a:lnRef>
+          <a:fillRef idx="0">
+            <a:schemeClr val="accent1"/>
+          </a:fillRef>
+          <a:effectRef idx="0">
+            <a:schemeClr val="accent1"/>
+          </a:effectRef>
+          <a:fontRef idx="minor">
+            <a:schemeClr val="tx1"/>
+          </a:fontRef>
+        </p:style>
+      </p:cxnSp>
+      <p:cxnSp>
+        <p:nvCxnSpPr>
+          <p:cNvPr id="19" name="Straight Arrow Connector 18"/>
+          <p:cNvCxnSpPr/>
+          <p:nvPr/>
+        </p:nvCxnSpPr>
+        <p:spPr>
+          <a:xfrm>
+            <a:off x="1540213" y="3578157"/>
+            <a:ext cx="0" cy="993843"/>
+          </a:xfrm>
+          <a:prstGeom prst="straightConnector1">
+            <a:avLst/>
+          </a:prstGeom>
+          <a:ln w="28575">
+            <a:solidFill>
+              <a:schemeClr val="tx1"/>
+            </a:solidFill>
+            <a:tailEnd type="arrow"/>
+          </a:ln>
+        </p:spPr>
+        <p:style>
+          <a:lnRef idx="1">
+            <a:schemeClr val="accent1"/>
+          </a:lnRef>
+          <a:fillRef idx="0">
+            <a:schemeClr val="accent1"/>
+          </a:fillRef>
+          <a:effectRef idx="0">
+            <a:schemeClr val="accent1"/>
+          </a:effectRef>
+          <a:fontRef idx="minor">
+            <a:schemeClr val="tx1"/>
+          </a:fontRef>
+        </p:style>
+      </p:cxnSp>
+      <p:sp>
+        <p:nvSpPr>
+          <p:cNvPr id="23" name="TextBox 22"/>
+          <p:cNvSpPr txBox="1"/>
+          <p:nvPr/>
+        </p:nvSpPr>
+        <p:spPr>
+          <a:xfrm>
+            <a:off x="990600" y="2590800"/>
+            <a:ext cx="1143000" cy="261610"/>
+          </a:xfrm>
+          <a:prstGeom prst="rect">
+            <a:avLst/>
+          </a:prstGeom>
+          <a:solidFill>
+            <a:schemeClr val="bg1"/>
+          </a:solidFill>
+        </p:spPr>
+        <p:txBody>
+          <a:bodyPr wrap="square" rtlCol="0">
+            <a:spAutoFit/>
+          </a:bodyPr>
+          <a:lstStyle/>
+          <a:p>
+            <a:pPr algn="ctr"/>
+            <a:r>
+              <a:rPr lang="en-US" sz="1100" b="1" dirty="0"/>
+              <a:t>m</a:t>
+            </a:r>
+            <a:r>
+              <a:rPr lang="en-US" sz="1100" b="1" dirty="0" smtClean="0"/>
+              <a:t>easure</a:t>
+            </a:r>
+            <a:endParaRPr lang="en-US" sz="1100" b="1" dirty="0"/>
+          </a:p>
+        </p:txBody>
+      </p:sp>
+      <p:cxnSp>
+        <p:nvCxnSpPr>
+          <p:cNvPr id="26" name="Straight Arrow Connector 25"/>
+          <p:cNvCxnSpPr>
+            <a:stCxn id="6" idx="3"/>
+            <a:endCxn id="14" idx="1"/>
+          </p:cNvCxnSpPr>
+          <p:nvPr/>
+        </p:nvCxnSpPr>
+        <p:spPr>
+          <a:xfrm flipV="1">
+            <a:off x="2286000" y="2286000"/>
+            <a:ext cx="2438400" cy="1079770"/>
+          </a:xfrm>
+          <a:prstGeom prst="straightConnector1">
+            <a:avLst/>
+          </a:prstGeom>
+          <a:ln w="28575">
+            <a:solidFill>
+              <a:schemeClr val="tx1"/>
+            </a:solidFill>
+            <a:tailEnd type="arrow"/>
+          </a:ln>
+        </p:spPr>
+        <p:style>
+          <a:lnRef idx="1">
+            <a:schemeClr val="accent1"/>
+          </a:lnRef>
+          <a:fillRef idx="0">
+            <a:schemeClr val="accent1"/>
+          </a:fillRef>
+          <a:effectRef idx="0">
+            <a:schemeClr val="accent1"/>
+          </a:effectRef>
+          <a:fontRef idx="minor">
+            <a:schemeClr val="tx1"/>
+          </a:fontRef>
+        </p:style>
+      </p:cxnSp>
+      <p:cxnSp>
+        <p:nvCxnSpPr>
+          <p:cNvPr id="30" name="Straight Arrow Connector 29"/>
+          <p:cNvCxnSpPr>
+            <a:stCxn id="6" idx="3"/>
+            <a:endCxn id="15" idx="1"/>
+          </p:cNvCxnSpPr>
+          <p:nvPr/>
+        </p:nvCxnSpPr>
+        <p:spPr>
+          <a:xfrm>
+            <a:off x="2286000" y="3365770"/>
+            <a:ext cx="2446506" cy="798664"/>
+          </a:xfrm>
+          <a:prstGeom prst="straightConnector1">
+            <a:avLst/>
+          </a:prstGeom>
+          <a:ln w="28575">
+            <a:solidFill>
+              <a:schemeClr val="tx1"/>
+            </a:solidFill>
+            <a:tailEnd type="arrow"/>
+          </a:ln>
+        </p:spPr>
+        <p:style>
+          <a:lnRef idx="1">
+            <a:schemeClr val="accent1"/>
+          </a:lnRef>
+          <a:fillRef idx="0">
+            <a:schemeClr val="accent1"/>
+          </a:fillRef>
+          <a:effectRef idx="0">
+            <a:schemeClr val="accent1"/>
+          </a:effectRef>
+          <a:fontRef idx="minor">
+            <a:schemeClr val="tx1"/>
+          </a:fontRef>
+        </p:style>
+      </p:cxnSp>
+      <p:sp>
+        <p:nvSpPr>
+          <p:cNvPr id="32" name="TextBox 31"/>
+          <p:cNvSpPr txBox="1"/>
+          <p:nvPr/>
+        </p:nvSpPr>
+        <p:spPr>
+          <a:xfrm>
+            <a:off x="3124200" y="2559185"/>
+            <a:ext cx="1676400" cy="261610"/>
+          </a:xfrm>
+          <a:prstGeom prst="rect">
+            <a:avLst/>
+          </a:prstGeom>
+          <a:solidFill>
+            <a:schemeClr val="bg1"/>
+          </a:solidFill>
+        </p:spPr>
+        <p:txBody>
+          <a:bodyPr wrap="square" rtlCol="0">
+            <a:spAutoFit/>
+          </a:bodyPr>
+          <a:lstStyle/>
+          <a:p>
+            <a:pPr algn="ctr"/>
+            <a:r>
+              <a:rPr lang="en-US" sz="1100" b="1" dirty="0" smtClean="0"/>
+              <a:t>supportingOrganization</a:t>
+            </a:r>
+            <a:endParaRPr lang="en-US" sz="1100" b="1" dirty="0"/>
+          </a:p>
+        </p:txBody>
+      </p:sp>
+      <p:sp>
+        <p:nvSpPr>
+          <p:cNvPr id="34" name="TextBox 33"/>
+          <p:cNvSpPr txBox="1"/>
+          <p:nvPr/>
+        </p:nvSpPr>
+        <p:spPr>
+          <a:xfrm>
+            <a:off x="721063" y="3944273"/>
+            <a:ext cx="1638300" cy="261610"/>
+          </a:xfrm>
+          <a:prstGeom prst="rect">
+            <a:avLst/>
+          </a:prstGeom>
+          <a:solidFill>
+            <a:schemeClr val="bg1"/>
+          </a:solidFill>
+        </p:spPr>
+        <p:txBody>
+          <a:bodyPr wrap="square" rtlCol="0">
+            <a:spAutoFit/>
+          </a:bodyPr>
+          <a:lstStyle/>
+          <a:p>
+            <a:pPr algn="ctr"/>
+            <a:r>
+              <a:rPr lang="en-US" sz="1100" b="1" dirty="0" smtClean="0"/>
+              <a:t>evaluatedResources</a:t>
+            </a:r>
+            <a:endParaRPr lang="en-US" sz="1100" b="1" dirty="0"/>
+          </a:p>
+        </p:txBody>
+      </p:sp>
+      <p:sp>
+        <p:nvSpPr>
+          <p:cNvPr id="35" name="TextBox 34"/>
+          <p:cNvSpPr txBox="1"/>
+          <p:nvPr/>
+        </p:nvSpPr>
+        <p:spPr>
+          <a:xfrm>
+            <a:off x="2729822" y="3588794"/>
+            <a:ext cx="1143000" cy="261610"/>
+          </a:xfrm>
+          <a:prstGeom prst="rect">
+            <a:avLst/>
+          </a:prstGeom>
+          <a:solidFill>
+            <a:schemeClr val="bg1"/>
+          </a:solidFill>
+        </p:spPr>
+        <p:txBody>
+          <a:bodyPr wrap="square" rtlCol="0">
+            <a:spAutoFit/>
+          </a:bodyPr>
+          <a:lstStyle/>
+          <a:p>
+            <a:pPr algn="ctr"/>
+            <a:r>
+              <a:rPr lang="en-US" sz="1100" b="1" dirty="0"/>
+              <a:t>p</a:t>
+            </a:r>
+            <a:r>
+              <a:rPr lang="en-US" sz="1100" b="1" dirty="0" smtClean="0"/>
+              <a:t>atient</a:t>
+            </a:r>
+            <a:endParaRPr lang="en-US" sz="1100" b="1" dirty="0"/>
+          </a:p>
+        </p:txBody>
+      </p:sp>
+      <p:cxnSp>
+        <p:nvCxnSpPr>
+          <p:cNvPr id="40" name="Straight Arrow Connector 39"/>
+          <p:cNvCxnSpPr>
+            <a:stCxn id="10" idx="3"/>
+            <a:endCxn id="15" idx="1"/>
+          </p:cNvCxnSpPr>
+          <p:nvPr/>
+        </p:nvCxnSpPr>
+        <p:spPr>
+          <a:xfrm flipV="1">
+            <a:off x="2286000" y="4164434"/>
+            <a:ext cx="2446506" cy="712366"/>
+          </a:xfrm>
+          <a:prstGeom prst="straightConnector1">
+            <a:avLst/>
+          </a:prstGeom>
+          <a:ln w="28575">
+            <a:solidFill>
+              <a:schemeClr val="tx1"/>
+            </a:solidFill>
+            <a:tailEnd type="arrow"/>
+          </a:ln>
+        </p:spPr>
+        <p:style>
+          <a:lnRef idx="1">
+            <a:schemeClr val="accent1"/>
+          </a:lnRef>
+          <a:fillRef idx="0">
+            <a:schemeClr val="accent1"/>
+          </a:fillRef>
+          <a:effectRef idx="0">
+            <a:schemeClr val="accent1"/>
+          </a:effectRef>
+          <a:fontRef idx="minor">
+            <a:schemeClr val="tx1"/>
+          </a:fontRef>
+        </p:style>
+      </p:cxnSp>
+      <p:sp>
+        <p:nvSpPr>
+          <p:cNvPr id="38" name="TextBox 37"/>
+          <p:cNvSpPr txBox="1"/>
+          <p:nvPr/>
+        </p:nvSpPr>
+        <p:spPr>
+          <a:xfrm>
+            <a:off x="3191887" y="4338429"/>
+            <a:ext cx="1143000" cy="261610"/>
+          </a:xfrm>
+          <a:prstGeom prst="rect">
+            <a:avLst/>
+          </a:prstGeom>
+          <a:solidFill>
+            <a:schemeClr val="bg1"/>
+          </a:solidFill>
+        </p:spPr>
+        <p:txBody>
+          <a:bodyPr wrap="square" rtlCol="0">
+            <a:spAutoFit/>
+          </a:bodyPr>
+          <a:lstStyle/>
+          <a:p>
+            <a:pPr algn="ctr"/>
+            <a:r>
+              <a:rPr lang="en-US" sz="1100" b="1" dirty="0" smtClean="0"/>
+              <a:t>subject</a:t>
+            </a:r>
+            <a:endParaRPr lang="en-US" sz="1100" b="1" dirty="0"/>
+          </a:p>
+        </p:txBody>
+      </p:sp>
+      <p:sp>
+        <p:nvSpPr>
+          <p:cNvPr id="41" name="TextBox 40"/>
+          <p:cNvSpPr txBox="1"/>
+          <p:nvPr/>
+        </p:nvSpPr>
+        <p:spPr>
+          <a:xfrm>
+            <a:off x="457200" y="6293636"/>
+            <a:ext cx="7772400" cy="646331"/>
+          </a:xfrm>
+          <a:prstGeom prst="rect">
+            <a:avLst/>
+          </a:prstGeom>
+          <a:noFill/>
+        </p:spPr>
+        <p:txBody>
+          <a:bodyPr wrap="square" rtlCol="0">
+            <a:spAutoFit/>
+          </a:bodyPr>
+          <a:lstStyle/>
+          <a:p>
+            <a:r>
+              <a:rPr lang="en-US" dirty="0" smtClean="0"/>
+              <a:t>Used for Colorectal Cancer which is an exclusion for Colorectal Cancer Screening	</a:t>
+            </a:r>
+            <a:endParaRPr lang="en-US" dirty="0"/>
+          </a:p>
+        </p:txBody>
+      </p:sp>
+      <p:sp>
+        <p:nvSpPr>
+          <p:cNvPr id="20" name="Flowchart: Alternate Process 19"/>
+          <p:cNvSpPr/>
+          <p:nvPr/>
+        </p:nvSpPr>
+        <p:spPr>
+          <a:xfrm>
+            <a:off x="4732506" y="5671810"/>
+            <a:ext cx="1524000" cy="609600"/>
+          </a:xfrm>
+          <a:prstGeom prst="flowChartAlternateProcess">
+            <a:avLst/>
+          </a:prstGeom>
+          <a:ln w="12700">
+            <a:solidFill>
+              <a:schemeClr val="tx2"/>
+            </a:solidFill>
+          </a:ln>
+        </p:spPr>
+        <p:style>
+          <a:lnRef idx="2">
+            <a:schemeClr val="accent1">
+              <a:shade val="50000"/>
+            </a:schemeClr>
+          </a:lnRef>
+          <a:fillRef idx="1">
+            <a:schemeClr val="accent1"/>
+          </a:fillRef>
+          <a:effectRef idx="0">
+            <a:schemeClr val="accent1"/>
+          </a:effectRef>
+          <a:fontRef idx="minor">
+            <a:schemeClr val="lt1"/>
+          </a:fontRef>
+        </p:style>
+        <p:txBody>
+          <a:bodyPr rtlCol="0" anchor="ctr"/>
+          <a:lstStyle/>
+          <a:p>
+            <a:pPr algn="ctr"/>
+            <a:r>
+              <a:rPr lang="en-US" sz="1400" dirty="0" smtClean="0">
+                <a:solidFill>
+                  <a:schemeClr val="bg1"/>
+                </a:solidFill>
+              </a:rPr>
+              <a:t>Practitioner</a:t>
+            </a:r>
+            <a:endParaRPr lang="en-US" sz="1400" dirty="0">
+              <a:solidFill>
+                <a:schemeClr val="bg1"/>
+              </a:solidFill>
+            </a:endParaRPr>
+          </a:p>
+        </p:txBody>
+      </p:sp>
+      <p:sp>
+        <p:nvSpPr>
+          <p:cNvPr id="21" name="Flowchart: Alternate Process 20"/>
+          <p:cNvSpPr/>
+          <p:nvPr/>
+        </p:nvSpPr>
+        <p:spPr>
+          <a:xfrm>
+            <a:off x="4753583" y="4725978"/>
+            <a:ext cx="1524000" cy="609600"/>
+          </a:xfrm>
+          <a:prstGeom prst="flowChartAlternateProcess">
+            <a:avLst/>
+          </a:prstGeom>
+          <a:ln w="12700">
+            <a:solidFill>
+              <a:schemeClr val="tx2"/>
+            </a:solidFill>
+          </a:ln>
+        </p:spPr>
+        <p:style>
+          <a:lnRef idx="2">
+            <a:schemeClr val="accent1">
+              <a:shade val="50000"/>
+            </a:schemeClr>
+          </a:lnRef>
+          <a:fillRef idx="1">
+            <a:schemeClr val="accent1"/>
+          </a:fillRef>
+          <a:effectRef idx="0">
+            <a:schemeClr val="accent1"/>
+          </a:effectRef>
+          <a:fontRef idx="minor">
+            <a:schemeClr val="lt1"/>
+          </a:fontRef>
+        </p:style>
+        <p:txBody>
+          <a:bodyPr rtlCol="0" anchor="ctr"/>
+          <a:lstStyle/>
+          <a:p>
+            <a:pPr algn="ctr"/>
+            <a:r>
+              <a:rPr lang="en-US" sz="1400" dirty="0" smtClean="0">
+                <a:solidFill>
+                  <a:schemeClr val="bg1"/>
+                </a:solidFill>
+              </a:rPr>
+              <a:t>Encounter</a:t>
+            </a:r>
+            <a:endParaRPr lang="en-US" sz="1400" dirty="0">
+              <a:solidFill>
+                <a:schemeClr val="bg1"/>
+              </a:solidFill>
+            </a:endParaRPr>
+          </a:p>
+        </p:txBody>
+      </p:sp>
+      <p:cxnSp>
+        <p:nvCxnSpPr>
+          <p:cNvPr id="7" name="Straight Arrow Connector 6"/>
+          <p:cNvCxnSpPr>
+            <a:stCxn id="10" idx="3"/>
+            <a:endCxn id="21" idx="1"/>
+          </p:cNvCxnSpPr>
+          <p:nvPr/>
+        </p:nvCxnSpPr>
+        <p:spPr>
+          <a:xfrm>
+            <a:off x="2286000" y="4876800"/>
+            <a:ext cx="2467583" cy="153978"/>
+          </a:xfrm>
+          <a:prstGeom prst="straightConnector1">
+            <a:avLst/>
+          </a:prstGeom>
+          <a:ln w="28575">
+            <a:solidFill>
+              <a:schemeClr val="tx1"/>
+            </a:solidFill>
+            <a:prstDash val="dash"/>
+            <a:tailEnd type="arrow"/>
+          </a:ln>
+        </p:spPr>
+        <p:style>
+          <a:lnRef idx="1">
+            <a:schemeClr val="accent1"/>
+          </a:lnRef>
+          <a:fillRef idx="0">
+            <a:schemeClr val="accent1"/>
+          </a:fillRef>
+          <a:effectRef idx="0">
+            <a:schemeClr val="accent1"/>
+          </a:effectRef>
+          <a:fontRef idx="minor">
+            <a:schemeClr val="tx1"/>
+          </a:fontRef>
+        </p:style>
+      </p:cxnSp>
+      <p:cxnSp>
+        <p:nvCxnSpPr>
+          <p:cNvPr id="9" name="Straight Arrow Connector 8"/>
+          <p:cNvCxnSpPr>
+            <a:stCxn id="10" idx="3"/>
+            <a:endCxn id="20" idx="1"/>
+          </p:cNvCxnSpPr>
+          <p:nvPr/>
+        </p:nvCxnSpPr>
+        <p:spPr>
+          <a:xfrm>
+            <a:off x="2286000" y="4876800"/>
+            <a:ext cx="2446506" cy="1099810"/>
+          </a:xfrm>
+          <a:prstGeom prst="straightConnector1">
+            <a:avLst/>
+          </a:prstGeom>
+          <a:ln w="28575">
+            <a:solidFill>
+              <a:schemeClr val="tx1"/>
+            </a:solidFill>
+            <a:prstDash val="dash"/>
+            <a:tailEnd type="arrow"/>
+          </a:ln>
+        </p:spPr>
+        <p:style>
+          <a:lnRef idx="1">
+            <a:schemeClr val="accent1"/>
+          </a:lnRef>
+          <a:fillRef idx="0">
+            <a:schemeClr val="accent1"/>
+          </a:fillRef>
+          <a:effectRef idx="0">
+            <a:schemeClr val="accent1"/>
+          </a:effectRef>
+          <a:fontRef idx="minor">
+            <a:schemeClr val="tx1"/>
+          </a:fontRef>
+        </p:style>
+      </p:cxnSp>
+      <p:sp>
+        <p:nvSpPr>
+          <p:cNvPr id="27" name="TextBox 26"/>
+          <p:cNvSpPr txBox="1"/>
+          <p:nvPr/>
+        </p:nvSpPr>
+        <p:spPr>
+          <a:xfrm>
+            <a:off x="3219449" y="5410200"/>
+            <a:ext cx="1143000" cy="261610"/>
+          </a:xfrm>
+          <a:prstGeom prst="rect">
+            <a:avLst/>
+          </a:prstGeom>
+          <a:solidFill>
+            <a:schemeClr val="bg1"/>
+          </a:solidFill>
+        </p:spPr>
+        <p:txBody>
+          <a:bodyPr wrap="square" rtlCol="0">
+            <a:spAutoFit/>
+          </a:bodyPr>
+          <a:lstStyle/>
+          <a:p>
+            <a:pPr algn="ctr"/>
+            <a:r>
+              <a:rPr lang="en-US" sz="1100" b="1" dirty="0" smtClean="0"/>
+              <a:t>asserter</a:t>
+            </a:r>
+            <a:endParaRPr lang="en-US" sz="1100" b="1" dirty="0"/>
+          </a:p>
+        </p:txBody>
+      </p:sp>
+      <p:sp>
+        <p:nvSpPr>
+          <p:cNvPr id="28" name="TextBox 27"/>
+          <p:cNvSpPr txBox="1"/>
+          <p:nvPr/>
+        </p:nvSpPr>
+        <p:spPr>
+          <a:xfrm>
+            <a:off x="3352799" y="4870315"/>
+            <a:ext cx="876301" cy="261610"/>
+          </a:xfrm>
+          <a:prstGeom prst="rect">
+            <a:avLst/>
+          </a:prstGeom>
+          <a:solidFill>
+            <a:schemeClr val="bg1"/>
+          </a:solidFill>
+        </p:spPr>
+        <p:txBody>
+          <a:bodyPr wrap="square" rtlCol="0">
+            <a:spAutoFit/>
+          </a:bodyPr>
+          <a:lstStyle/>
+          <a:p>
+            <a:pPr algn="ctr"/>
+            <a:r>
+              <a:rPr lang="en-US" sz="1100" b="1" dirty="0" smtClean="0"/>
+              <a:t>context</a:t>
+            </a:r>
+            <a:endParaRPr lang="en-US" sz="1100" b="1" dirty="0"/>
+          </a:p>
+        </p:txBody>
+      </p:sp>
+      <p:sp>
+        <p:nvSpPr>
+          <p:cNvPr id="29" name="Flowchart: Alternate Process 28"/>
+          <p:cNvSpPr/>
+          <p:nvPr/>
+        </p:nvSpPr>
+        <p:spPr>
+          <a:xfrm>
+            <a:off x="7543800" y="4725978"/>
+            <a:ext cx="1524000" cy="609600"/>
+          </a:xfrm>
+          <a:prstGeom prst="flowChartAlternateProcess">
+            <a:avLst/>
+          </a:prstGeom>
+          <a:ln w="12700">
+            <a:solidFill>
+              <a:schemeClr val="tx2"/>
+            </a:solidFill>
+          </a:ln>
+        </p:spPr>
+        <p:style>
+          <a:lnRef idx="2">
+            <a:schemeClr val="accent1">
+              <a:shade val="50000"/>
+            </a:schemeClr>
+          </a:lnRef>
+          <a:fillRef idx="1">
+            <a:schemeClr val="accent1"/>
+          </a:fillRef>
+          <a:effectRef idx="0">
+            <a:schemeClr val="accent1"/>
+          </a:effectRef>
+          <a:fontRef idx="minor">
+            <a:schemeClr val="lt1"/>
+          </a:fontRef>
+        </p:style>
+        <p:txBody>
+          <a:bodyPr rtlCol="0" anchor="ctr"/>
+          <a:lstStyle/>
+          <a:p>
+            <a:pPr algn="ctr"/>
+            <a:r>
+              <a:rPr lang="en-US" sz="1400" dirty="0" smtClean="0">
+                <a:solidFill>
+                  <a:schemeClr val="bg1"/>
+                </a:solidFill>
+              </a:rPr>
+              <a:t>Location</a:t>
+            </a:r>
+            <a:endParaRPr lang="en-US" sz="1400" dirty="0">
+              <a:solidFill>
+                <a:schemeClr val="bg1"/>
+              </a:solidFill>
+            </a:endParaRPr>
+          </a:p>
+        </p:txBody>
+      </p:sp>
+      <p:sp>
+        <p:nvSpPr>
+          <p:cNvPr id="31" name="TextBox 30"/>
+          <p:cNvSpPr txBox="1"/>
+          <p:nvPr/>
+        </p:nvSpPr>
+        <p:spPr>
+          <a:xfrm>
+            <a:off x="6489563" y="4795715"/>
+            <a:ext cx="796047" cy="430887"/>
+          </a:xfrm>
+          <a:prstGeom prst="rect">
+            <a:avLst/>
+          </a:prstGeom>
+          <a:solidFill>
+            <a:schemeClr val="bg1"/>
+          </a:solidFill>
+        </p:spPr>
+        <p:txBody>
+          <a:bodyPr wrap="square" rtlCol="0">
+            <a:spAutoFit/>
+          </a:bodyPr>
+          <a:lstStyle/>
+          <a:p>
+            <a:pPr algn="ctr"/>
+            <a:r>
+              <a:rPr lang="en-US" sz="1100" b="1" dirty="0" smtClean="0"/>
+              <a:t>location&gt;</a:t>
+            </a:r>
+          </a:p>
+          <a:p>
+            <a:pPr algn="ctr"/>
+            <a:r>
+              <a:rPr lang="en-US" sz="1100" b="1" dirty="0" smtClean="0"/>
+              <a:t>location</a:t>
+            </a:r>
+            <a:endParaRPr lang="en-US" sz="1100" b="1" dirty="0"/>
+          </a:p>
+        </p:txBody>
+      </p:sp>
+      <p:cxnSp>
+        <p:nvCxnSpPr>
+          <p:cNvPr id="16" name="Straight Arrow Connector 15"/>
+          <p:cNvCxnSpPr/>
+          <p:nvPr/>
+        </p:nvCxnSpPr>
+        <p:spPr>
+          <a:xfrm>
+            <a:off x="6231375" y="5013982"/>
+            <a:ext cx="1312425" cy="0"/>
+          </a:xfrm>
+          <a:prstGeom prst="straightConnector1">
+            <a:avLst/>
+          </a:prstGeom>
+          <a:ln w="28575">
+            <a:solidFill>
+              <a:schemeClr val="tx1"/>
+            </a:solidFill>
+            <a:prstDash val="dash"/>
+            <a:tailEnd type="arrow"/>
+          </a:ln>
+        </p:spPr>
+        <p:style>
+          <a:lnRef idx="1">
+            <a:schemeClr val="accent1"/>
+          </a:lnRef>
+          <a:fillRef idx="0">
+            <a:schemeClr val="accent1"/>
+          </a:fillRef>
+          <a:effectRef idx="0">
+            <a:schemeClr val="accent1"/>
+          </a:effectRef>
+          <a:fontRef idx="minor">
+            <a:schemeClr val="tx1"/>
+          </a:fontRef>
+        </p:style>
+      </p:cxnSp>
+      <p:sp>
+        <p:nvSpPr>
+          <p:cNvPr id="48" name="Flowchart: Alternate Process 47"/>
+          <p:cNvSpPr/>
+          <p:nvPr/>
+        </p:nvSpPr>
+        <p:spPr>
+          <a:xfrm>
+            <a:off x="7543800" y="3334673"/>
+            <a:ext cx="1524000" cy="609600"/>
+          </a:xfrm>
+          <a:prstGeom prst="flowChartAlternateProcess">
+            <a:avLst/>
+          </a:prstGeom>
+          <a:ln w="12700">
+            <a:solidFill>
+              <a:schemeClr val="tx2"/>
+            </a:solidFill>
+          </a:ln>
+        </p:spPr>
+        <p:style>
+          <a:lnRef idx="2">
+            <a:schemeClr val="accent1">
+              <a:shade val="50000"/>
+            </a:schemeClr>
+          </a:lnRef>
+          <a:fillRef idx="1">
+            <a:schemeClr val="accent1"/>
+          </a:fillRef>
+          <a:effectRef idx="0">
+            <a:schemeClr val="accent1"/>
+          </a:effectRef>
+          <a:fontRef idx="minor">
+            <a:schemeClr val="lt1"/>
+          </a:fontRef>
+        </p:style>
+        <p:txBody>
+          <a:bodyPr rtlCol="0" anchor="ctr"/>
+          <a:lstStyle/>
+          <a:p>
+            <a:pPr algn="ctr"/>
+            <a:r>
+              <a:rPr lang="en-US" sz="1400" dirty="0" smtClean="0">
+                <a:solidFill>
+                  <a:schemeClr val="bg1"/>
+                </a:solidFill>
+              </a:rPr>
+              <a:t>Coverage</a:t>
+            </a:r>
+            <a:endParaRPr lang="en-US" sz="1400" dirty="0">
+              <a:solidFill>
+                <a:schemeClr val="bg1"/>
+              </a:solidFill>
+            </a:endParaRPr>
+          </a:p>
+        </p:txBody>
+      </p:sp>
+      <p:cxnSp>
+        <p:nvCxnSpPr>
+          <p:cNvPr id="50" name="Straight Arrow Connector 49"/>
+          <p:cNvCxnSpPr>
+            <a:stCxn id="48" idx="1"/>
+            <a:endCxn id="15" idx="3"/>
+          </p:cNvCxnSpPr>
+          <p:nvPr/>
+        </p:nvCxnSpPr>
+        <p:spPr>
+          <a:xfrm flipH="1">
+            <a:off x="6256506" y="3639473"/>
+            <a:ext cx="1287294" cy="524961"/>
+          </a:xfrm>
+          <a:prstGeom prst="straightConnector1">
+            <a:avLst/>
+          </a:prstGeom>
+          <a:ln w="28575">
+            <a:solidFill>
+              <a:schemeClr val="tx1"/>
+            </a:solidFill>
+            <a:prstDash val="dash"/>
+            <a:tailEnd type="arrow"/>
+          </a:ln>
+        </p:spPr>
+        <p:style>
+          <a:lnRef idx="1">
+            <a:schemeClr val="accent1"/>
+          </a:lnRef>
+          <a:fillRef idx="0">
+            <a:schemeClr val="accent1"/>
+          </a:fillRef>
+          <a:effectRef idx="0">
+            <a:schemeClr val="accent1"/>
+          </a:effectRef>
+          <a:fontRef idx="minor">
+            <a:schemeClr val="tx1"/>
+          </a:fontRef>
+        </p:style>
+      </p:cxnSp>
+      <p:sp>
+        <p:nvSpPr>
+          <p:cNvPr id="51" name="TextBox 50"/>
+          <p:cNvSpPr txBox="1"/>
+          <p:nvPr/>
+        </p:nvSpPr>
+        <p:spPr>
+          <a:xfrm>
+            <a:off x="6484495" y="3752025"/>
+            <a:ext cx="901837" cy="261610"/>
+          </a:xfrm>
+          <a:prstGeom prst="rect">
+            <a:avLst/>
+          </a:prstGeom>
+          <a:solidFill>
+            <a:schemeClr val="bg1"/>
+          </a:solidFill>
+        </p:spPr>
+        <p:txBody>
+          <a:bodyPr wrap="square" rtlCol="0">
+            <a:spAutoFit/>
+          </a:bodyPr>
+          <a:lstStyle/>
+          <a:p>
+            <a:pPr algn="ctr"/>
+            <a:r>
+              <a:rPr lang="en-US" sz="1100" b="1" dirty="0" smtClean="0"/>
+              <a:t>beneficiary</a:t>
+            </a:r>
+            <a:endParaRPr lang="en-US" sz="1100" b="1" dirty="0"/>
+          </a:p>
+        </p:txBody>
+      </p:sp>
+    </p:spTree>
+    <p:extLst>
+      <p:ext uri="{BB962C8B-B14F-4D97-AF65-F5344CB8AC3E}">
+        <p14:creationId xmlns:p14="http://schemas.microsoft.com/office/powerpoint/2010/main" val="1669477753"/>
       </p:ext>
     </p:extLst>
   </p:cSld>
@@ -3188,7 +4587,7 @@
           <a:p>
             <a:r>
               <a:rPr lang="en-US" dirty="0" smtClean="0"/>
-              <a:t>Option 1</a:t>
+              <a:t>COL Screening Measure</a:t>
             </a:r>
             <a:endParaRPr lang="en-US" dirty="0"/>
           </a:p>
@@ -3206,7 +4605,9 @@
         </p:nvSpPr>
         <p:spPr/>
         <p:txBody>
-          <a:bodyPr/>
+          <a:bodyPr>
+            <a:normAutofit lnSpcReduction="10000"/>
+          </a:bodyPr>
           <a:lstStyle/>
           <a:p>
             <a:pPr marL="0" indent="0">
@@ -3214,686 +4615,22 @@
             </a:pPr>
             <a:r>
               <a:rPr lang="en-US" dirty="0" smtClean="0"/>
-              <a:t>  </a:t>
-            </a:r>
+              <a:t>In a screening measure, you report both what is done that meets the screening requirement as well as information that would exclude the patient from being required to meet the measure.</a:t>
+            </a:r>
+          </a:p>
+          <a:p>
+            <a:pPr marL="0" indent="0">
+              <a:buNone/>
+            </a:pPr>
             <a:endParaRPr lang="en-US" dirty="0"/>
           </a:p>
-        </p:txBody>
-      </p:sp>
-      <p:sp>
-        <p:nvSpPr>
-          <p:cNvPr id="4" name="Flowchart: Alternate Process 3"/>
-          <p:cNvSpPr/>
-          <p:nvPr/>
-        </p:nvSpPr>
-        <p:spPr>
-          <a:xfrm>
-            <a:off x="762000" y="1447800"/>
-            <a:ext cx="1524000" cy="609600"/>
-          </a:xfrm>
-          <a:prstGeom prst="flowChartAlternateProcess">
-            <a:avLst/>
-          </a:prstGeom>
-          <a:ln w="12700">
-            <a:solidFill>
-              <a:schemeClr val="tx2"/>
-            </a:solidFill>
-          </a:ln>
-        </p:spPr>
-        <p:style>
-          <a:lnRef idx="2">
-            <a:schemeClr val="accent1">
-              <a:shade val="50000"/>
-            </a:schemeClr>
-          </a:lnRef>
-          <a:fillRef idx="1">
-            <a:schemeClr val="accent1"/>
-          </a:fillRef>
-          <a:effectRef idx="0">
-            <a:schemeClr val="accent1"/>
-          </a:effectRef>
-          <a:fontRef idx="minor">
-            <a:schemeClr val="lt1"/>
-          </a:fontRef>
-        </p:style>
-        <p:txBody>
-          <a:bodyPr rtlCol="0" anchor="ctr"/>
-          <a:lstStyle/>
-          <a:p>
-            <a:pPr algn="ctr"/>
-            <a:r>
-              <a:rPr lang="en-US" sz="1400" dirty="0" smtClean="0">
-                <a:solidFill>
-                  <a:schemeClr val="bg1"/>
-                </a:solidFill>
-              </a:rPr>
-              <a:t>Measure</a:t>
-            </a:r>
-            <a:endParaRPr lang="en-US" sz="1400" dirty="0">
-              <a:solidFill>
-                <a:schemeClr val="bg1"/>
-              </a:solidFill>
-            </a:endParaRPr>
-          </a:p>
-        </p:txBody>
-      </p:sp>
-      <p:sp>
-        <p:nvSpPr>
-          <p:cNvPr id="6" name="Flowchart: Alternate Process 5"/>
-          <p:cNvSpPr/>
-          <p:nvPr/>
-        </p:nvSpPr>
-        <p:spPr>
-          <a:xfrm>
-            <a:off x="762000" y="3060970"/>
-            <a:ext cx="1524000" cy="609600"/>
-          </a:xfrm>
-          <a:prstGeom prst="flowChartAlternateProcess">
-            <a:avLst/>
-          </a:prstGeom>
-          <a:ln w="12700">
-            <a:solidFill>
-              <a:schemeClr val="tx2"/>
-            </a:solidFill>
-          </a:ln>
-        </p:spPr>
-        <p:style>
-          <a:lnRef idx="2">
-            <a:schemeClr val="accent1">
-              <a:shade val="50000"/>
-            </a:schemeClr>
-          </a:lnRef>
-          <a:fillRef idx="1">
-            <a:schemeClr val="accent1"/>
-          </a:fillRef>
-          <a:effectRef idx="0">
-            <a:schemeClr val="accent1"/>
-          </a:effectRef>
-          <a:fontRef idx="minor">
-            <a:schemeClr val="lt1"/>
-          </a:fontRef>
-        </p:style>
-        <p:txBody>
-          <a:bodyPr rtlCol="0" anchor="ctr"/>
-          <a:lstStyle/>
-          <a:p>
-            <a:pPr algn="ctr"/>
-            <a:r>
-              <a:rPr lang="en-US" sz="1400" dirty="0" smtClean="0">
-                <a:solidFill>
-                  <a:schemeClr val="bg1"/>
-                </a:solidFill>
-              </a:rPr>
-              <a:t>MeasureReport</a:t>
-            </a:r>
-            <a:endParaRPr lang="en-US" sz="1400" dirty="0">
-              <a:solidFill>
-                <a:schemeClr val="bg1"/>
-              </a:solidFill>
-            </a:endParaRPr>
-          </a:p>
-        </p:txBody>
-      </p:sp>
-      <p:sp>
-        <p:nvSpPr>
-          <p:cNvPr id="10" name="Flowchart: Alternate Process 9"/>
-          <p:cNvSpPr/>
-          <p:nvPr/>
-        </p:nvSpPr>
-        <p:spPr>
-          <a:xfrm>
-            <a:off x="762000" y="4572000"/>
-            <a:ext cx="1524000" cy="609600"/>
-          </a:xfrm>
-          <a:prstGeom prst="flowChartAlternateProcess">
-            <a:avLst/>
-          </a:prstGeom>
-          <a:ln w="12700">
-            <a:solidFill>
-              <a:schemeClr val="tx2"/>
-            </a:solidFill>
-          </a:ln>
-        </p:spPr>
-        <p:style>
-          <a:lnRef idx="2">
-            <a:schemeClr val="accent1">
-              <a:shade val="50000"/>
-            </a:schemeClr>
-          </a:lnRef>
-          <a:fillRef idx="1">
-            <a:schemeClr val="accent1"/>
-          </a:fillRef>
-          <a:effectRef idx="0">
-            <a:schemeClr val="accent1"/>
-          </a:effectRef>
-          <a:fontRef idx="minor">
-            <a:schemeClr val="lt1"/>
-          </a:fontRef>
-        </p:style>
-        <p:txBody>
-          <a:bodyPr rtlCol="0" anchor="ctr"/>
-          <a:lstStyle/>
-          <a:p>
-            <a:pPr algn="ctr"/>
-            <a:r>
-              <a:rPr lang="en-US" sz="1400" dirty="0" smtClean="0">
-                <a:solidFill>
-                  <a:schemeClr val="bg1"/>
-                </a:solidFill>
-              </a:rPr>
-              <a:t>Observation</a:t>
-            </a:r>
-            <a:endParaRPr lang="en-US" sz="1400" dirty="0">
-              <a:solidFill>
-                <a:schemeClr val="bg1"/>
-              </a:solidFill>
-            </a:endParaRPr>
-          </a:p>
-        </p:txBody>
-      </p:sp>
-      <p:sp>
-        <p:nvSpPr>
-          <p:cNvPr id="14" name="Flowchart: Alternate Process 13"/>
-          <p:cNvSpPr/>
-          <p:nvPr/>
-        </p:nvSpPr>
-        <p:spPr>
-          <a:xfrm>
-            <a:off x="5029200" y="1905000"/>
-            <a:ext cx="1524000" cy="609600"/>
-          </a:xfrm>
-          <a:prstGeom prst="flowChartAlternateProcess">
-            <a:avLst/>
-          </a:prstGeom>
-          <a:ln w="12700">
-            <a:solidFill>
-              <a:schemeClr val="tx2"/>
-            </a:solidFill>
-          </a:ln>
-        </p:spPr>
-        <p:style>
-          <a:lnRef idx="2">
-            <a:schemeClr val="accent1">
-              <a:shade val="50000"/>
-            </a:schemeClr>
-          </a:lnRef>
-          <a:fillRef idx="1">
-            <a:schemeClr val="accent1"/>
-          </a:fillRef>
-          <a:effectRef idx="0">
-            <a:schemeClr val="accent1"/>
-          </a:effectRef>
-          <a:fontRef idx="minor">
-            <a:schemeClr val="lt1"/>
-          </a:fontRef>
-        </p:style>
-        <p:txBody>
-          <a:bodyPr rtlCol="0" anchor="ctr"/>
-          <a:lstStyle/>
-          <a:p>
-            <a:pPr algn="ctr"/>
-            <a:r>
-              <a:rPr lang="en-US" sz="1400" dirty="0" smtClean="0">
-                <a:solidFill>
-                  <a:schemeClr val="bg1"/>
-                </a:solidFill>
-              </a:rPr>
-              <a:t>Organization</a:t>
-            </a:r>
-            <a:endParaRPr lang="en-US" sz="1400" dirty="0">
-              <a:solidFill>
-                <a:schemeClr val="bg1"/>
-              </a:solidFill>
-            </a:endParaRPr>
-          </a:p>
-        </p:txBody>
-      </p:sp>
-      <p:sp>
-        <p:nvSpPr>
-          <p:cNvPr id="15" name="Flowchart: Alternate Process 14"/>
-          <p:cNvSpPr/>
-          <p:nvPr/>
-        </p:nvSpPr>
-        <p:spPr>
-          <a:xfrm>
-            <a:off x="5029200" y="3859634"/>
-            <a:ext cx="1524000" cy="609600"/>
-          </a:xfrm>
-          <a:prstGeom prst="flowChartAlternateProcess">
-            <a:avLst/>
-          </a:prstGeom>
-          <a:ln w="12700">
-            <a:solidFill>
-              <a:schemeClr val="tx2"/>
-            </a:solidFill>
-          </a:ln>
-        </p:spPr>
-        <p:style>
-          <a:lnRef idx="2">
-            <a:schemeClr val="accent1">
-              <a:shade val="50000"/>
-            </a:schemeClr>
-          </a:lnRef>
-          <a:fillRef idx="1">
-            <a:schemeClr val="accent1"/>
-          </a:fillRef>
-          <a:effectRef idx="0">
-            <a:schemeClr val="accent1"/>
-          </a:effectRef>
-          <a:fontRef idx="minor">
-            <a:schemeClr val="lt1"/>
-          </a:fontRef>
-        </p:style>
-        <p:txBody>
-          <a:bodyPr rtlCol="0" anchor="ctr"/>
-          <a:lstStyle/>
-          <a:p>
-            <a:pPr algn="ctr"/>
-            <a:r>
-              <a:rPr lang="en-US" sz="1400" dirty="0" smtClean="0">
-                <a:solidFill>
-                  <a:schemeClr val="bg1"/>
-                </a:solidFill>
-              </a:rPr>
-              <a:t>Patient</a:t>
-            </a:r>
-            <a:endParaRPr lang="en-US" sz="1400" dirty="0">
-              <a:solidFill>
-                <a:schemeClr val="bg1"/>
-              </a:solidFill>
-            </a:endParaRPr>
-          </a:p>
-        </p:txBody>
-      </p:sp>
-      <p:cxnSp>
-        <p:nvCxnSpPr>
-          <p:cNvPr id="17" name="Straight Arrow Connector 16"/>
-          <p:cNvCxnSpPr>
-            <a:stCxn id="6" idx="0"/>
-            <a:endCxn id="4" idx="2"/>
-          </p:cNvCxnSpPr>
-          <p:nvPr/>
-        </p:nvCxnSpPr>
-        <p:spPr>
-          <a:xfrm flipV="1">
-            <a:off x="1524000" y="2057400"/>
-            <a:ext cx="0" cy="1003570"/>
-          </a:xfrm>
-          <a:prstGeom prst="straightConnector1">
-            <a:avLst/>
-          </a:prstGeom>
-          <a:ln w="28575">
-            <a:solidFill>
-              <a:schemeClr val="tx1"/>
-            </a:solidFill>
-            <a:tailEnd type="arrow"/>
-          </a:ln>
-        </p:spPr>
-        <p:style>
-          <a:lnRef idx="1">
-            <a:schemeClr val="accent1"/>
-          </a:lnRef>
-          <a:fillRef idx="0">
-            <a:schemeClr val="accent1"/>
-          </a:fillRef>
-          <a:effectRef idx="0">
-            <a:schemeClr val="accent1"/>
-          </a:effectRef>
-          <a:fontRef idx="minor">
-            <a:schemeClr val="tx1"/>
-          </a:fontRef>
-        </p:style>
-      </p:cxnSp>
-      <p:cxnSp>
-        <p:nvCxnSpPr>
-          <p:cNvPr id="19" name="Straight Arrow Connector 18"/>
-          <p:cNvCxnSpPr/>
-          <p:nvPr/>
-        </p:nvCxnSpPr>
-        <p:spPr>
-          <a:xfrm>
-            <a:off x="1540213" y="3578157"/>
-            <a:ext cx="0" cy="993843"/>
-          </a:xfrm>
-          <a:prstGeom prst="straightConnector1">
-            <a:avLst/>
-          </a:prstGeom>
-          <a:ln w="28575">
-            <a:solidFill>
-              <a:schemeClr val="tx1"/>
-            </a:solidFill>
-            <a:tailEnd type="arrow"/>
-          </a:ln>
-        </p:spPr>
-        <p:style>
-          <a:lnRef idx="1">
-            <a:schemeClr val="accent1"/>
-          </a:lnRef>
-          <a:fillRef idx="0">
-            <a:schemeClr val="accent1"/>
-          </a:fillRef>
-          <a:effectRef idx="0">
-            <a:schemeClr val="accent1"/>
-          </a:effectRef>
-          <a:fontRef idx="minor">
-            <a:schemeClr val="tx1"/>
-          </a:fontRef>
-        </p:style>
-      </p:cxnSp>
-      <p:sp>
-        <p:nvSpPr>
-          <p:cNvPr id="23" name="TextBox 22"/>
-          <p:cNvSpPr txBox="1"/>
-          <p:nvPr/>
-        </p:nvSpPr>
-        <p:spPr>
-          <a:xfrm>
-            <a:off x="990600" y="2590800"/>
-            <a:ext cx="1143000" cy="261610"/>
-          </a:xfrm>
-          <a:prstGeom prst="rect">
-            <a:avLst/>
-          </a:prstGeom>
-          <a:solidFill>
-            <a:schemeClr val="bg1"/>
-          </a:solidFill>
-        </p:spPr>
-        <p:txBody>
-          <a:bodyPr wrap="square" rtlCol="0">
-            <a:spAutoFit/>
-          </a:bodyPr>
-          <a:lstStyle/>
-          <a:p>
-            <a:pPr algn="ctr"/>
-            <a:r>
-              <a:rPr lang="en-US" sz="1100" b="1" dirty="0"/>
-              <a:t>m</a:t>
-            </a:r>
-            <a:r>
-              <a:rPr lang="en-US" sz="1100" b="1" dirty="0" smtClean="0"/>
-              <a:t>easure</a:t>
-            </a:r>
-            <a:endParaRPr lang="en-US" sz="1100" b="1" dirty="0"/>
-          </a:p>
-        </p:txBody>
-      </p:sp>
-      <p:cxnSp>
-        <p:nvCxnSpPr>
-          <p:cNvPr id="26" name="Straight Arrow Connector 25"/>
-          <p:cNvCxnSpPr>
-            <a:endCxn id="14" idx="1"/>
-          </p:cNvCxnSpPr>
-          <p:nvPr/>
-        </p:nvCxnSpPr>
-        <p:spPr>
-          <a:xfrm flipV="1">
-            <a:off x="2286000" y="2209800"/>
-            <a:ext cx="2743200" cy="1148448"/>
-          </a:xfrm>
-          <a:prstGeom prst="straightConnector1">
-            <a:avLst/>
-          </a:prstGeom>
-          <a:ln w="28575">
-            <a:solidFill>
-              <a:schemeClr val="tx1"/>
-            </a:solidFill>
-            <a:tailEnd type="arrow"/>
-          </a:ln>
-        </p:spPr>
-        <p:style>
-          <a:lnRef idx="1">
-            <a:schemeClr val="accent1"/>
-          </a:lnRef>
-          <a:fillRef idx="0">
-            <a:schemeClr val="accent1"/>
-          </a:fillRef>
-          <a:effectRef idx="0">
-            <a:schemeClr val="accent1"/>
-          </a:effectRef>
-          <a:fontRef idx="minor">
-            <a:schemeClr val="tx1"/>
-          </a:fontRef>
-        </p:style>
-      </p:cxnSp>
-      <p:cxnSp>
-        <p:nvCxnSpPr>
-          <p:cNvPr id="30" name="Straight Arrow Connector 29"/>
-          <p:cNvCxnSpPr>
-            <a:stCxn id="6" idx="3"/>
-            <a:endCxn id="15" idx="1"/>
-          </p:cNvCxnSpPr>
-          <p:nvPr/>
-        </p:nvCxnSpPr>
-        <p:spPr>
-          <a:xfrm>
-            <a:off x="2286000" y="3365770"/>
-            <a:ext cx="2743200" cy="798664"/>
-          </a:xfrm>
-          <a:prstGeom prst="straightConnector1">
-            <a:avLst/>
-          </a:prstGeom>
-          <a:ln w="28575">
-            <a:solidFill>
-              <a:schemeClr val="tx1"/>
-            </a:solidFill>
-            <a:tailEnd type="arrow"/>
-          </a:ln>
-        </p:spPr>
-        <p:style>
-          <a:lnRef idx="1">
-            <a:schemeClr val="accent1"/>
-          </a:lnRef>
-          <a:fillRef idx="0">
-            <a:schemeClr val="accent1"/>
-          </a:fillRef>
-          <a:effectRef idx="0">
-            <a:schemeClr val="accent1"/>
-          </a:effectRef>
-          <a:fontRef idx="minor">
-            <a:schemeClr val="tx1"/>
-          </a:fontRef>
-        </p:style>
-      </p:cxnSp>
-      <p:sp>
-        <p:nvSpPr>
-          <p:cNvPr id="32" name="TextBox 31"/>
-          <p:cNvSpPr txBox="1"/>
-          <p:nvPr/>
-        </p:nvSpPr>
-        <p:spPr>
-          <a:xfrm>
-            <a:off x="3124200" y="2559185"/>
-            <a:ext cx="1676400" cy="261610"/>
-          </a:xfrm>
-          <a:prstGeom prst="rect">
-            <a:avLst/>
-          </a:prstGeom>
-          <a:solidFill>
-            <a:schemeClr val="bg1"/>
-          </a:solidFill>
-        </p:spPr>
-        <p:txBody>
-          <a:bodyPr wrap="square" rtlCol="0">
-            <a:spAutoFit/>
-          </a:bodyPr>
-          <a:lstStyle/>
-          <a:p>
-            <a:pPr algn="ctr"/>
-            <a:r>
-              <a:rPr lang="en-US" sz="1100" b="1" dirty="0" smtClean="0"/>
-              <a:t>supportingOrganization</a:t>
-            </a:r>
-            <a:endParaRPr lang="en-US" sz="1100" b="1" dirty="0"/>
-          </a:p>
-        </p:txBody>
-      </p:sp>
-      <p:sp>
-        <p:nvSpPr>
-          <p:cNvPr id="34" name="TextBox 33"/>
-          <p:cNvSpPr txBox="1"/>
-          <p:nvPr/>
-        </p:nvSpPr>
-        <p:spPr>
-          <a:xfrm>
-            <a:off x="721063" y="3944273"/>
-            <a:ext cx="1638300" cy="261610"/>
-          </a:xfrm>
-          <a:prstGeom prst="rect">
-            <a:avLst/>
-          </a:prstGeom>
-          <a:solidFill>
-            <a:schemeClr val="bg1"/>
-          </a:solidFill>
-        </p:spPr>
-        <p:txBody>
-          <a:bodyPr wrap="square" rtlCol="0">
-            <a:spAutoFit/>
-          </a:bodyPr>
-          <a:lstStyle/>
-          <a:p>
-            <a:pPr algn="ctr"/>
-            <a:r>
-              <a:rPr lang="en-US" sz="1100" b="1" dirty="0" smtClean="0"/>
-              <a:t>evaluatedResources</a:t>
-            </a:r>
-            <a:endParaRPr lang="en-US" sz="1100" b="1" dirty="0"/>
-          </a:p>
-        </p:txBody>
-      </p:sp>
-      <p:sp>
-        <p:nvSpPr>
-          <p:cNvPr id="35" name="TextBox 34"/>
-          <p:cNvSpPr txBox="1"/>
-          <p:nvPr/>
-        </p:nvSpPr>
-        <p:spPr>
-          <a:xfrm>
-            <a:off x="3186619" y="3651612"/>
-            <a:ext cx="1143000" cy="261610"/>
-          </a:xfrm>
-          <a:prstGeom prst="rect">
-            <a:avLst/>
-          </a:prstGeom>
-          <a:solidFill>
-            <a:schemeClr val="bg1"/>
-          </a:solidFill>
-        </p:spPr>
-        <p:txBody>
-          <a:bodyPr wrap="square" rtlCol="0">
-            <a:spAutoFit/>
-          </a:bodyPr>
-          <a:lstStyle/>
-          <a:p>
-            <a:pPr algn="ctr"/>
-            <a:r>
-              <a:rPr lang="en-US" sz="1100" b="1" dirty="0"/>
-              <a:t>p</a:t>
-            </a:r>
-            <a:r>
-              <a:rPr lang="en-US" sz="1100" b="1" dirty="0" smtClean="0"/>
-              <a:t>atient</a:t>
-            </a:r>
-            <a:endParaRPr lang="en-US" sz="1100" b="1" dirty="0"/>
-          </a:p>
-        </p:txBody>
-      </p:sp>
-      <p:cxnSp>
-        <p:nvCxnSpPr>
-          <p:cNvPr id="40" name="Straight Arrow Connector 39"/>
-          <p:cNvCxnSpPr>
-            <a:stCxn id="10" idx="3"/>
-            <a:endCxn id="15" idx="1"/>
-          </p:cNvCxnSpPr>
-          <p:nvPr/>
-        </p:nvCxnSpPr>
-        <p:spPr>
-          <a:xfrm flipV="1">
-            <a:off x="2286000" y="4164434"/>
-            <a:ext cx="2743200" cy="712366"/>
-          </a:xfrm>
-          <a:prstGeom prst="straightConnector1">
-            <a:avLst/>
-          </a:prstGeom>
-          <a:ln w="28575">
-            <a:solidFill>
-              <a:schemeClr val="tx1"/>
-            </a:solidFill>
-            <a:tailEnd type="arrow"/>
-          </a:ln>
-        </p:spPr>
-        <p:style>
-          <a:lnRef idx="1">
-            <a:schemeClr val="accent1"/>
-          </a:lnRef>
-          <a:fillRef idx="0">
-            <a:schemeClr val="accent1"/>
-          </a:fillRef>
-          <a:effectRef idx="0">
-            <a:schemeClr val="accent1"/>
-          </a:effectRef>
-          <a:fontRef idx="minor">
-            <a:schemeClr val="tx1"/>
-          </a:fontRef>
-        </p:style>
-      </p:cxnSp>
-      <p:sp>
-        <p:nvSpPr>
-          <p:cNvPr id="38" name="TextBox 37"/>
-          <p:cNvSpPr txBox="1"/>
-          <p:nvPr/>
-        </p:nvSpPr>
-        <p:spPr>
-          <a:xfrm>
-            <a:off x="3086100" y="4431964"/>
-            <a:ext cx="1143000" cy="261610"/>
-          </a:xfrm>
-          <a:prstGeom prst="rect">
-            <a:avLst/>
-          </a:prstGeom>
-          <a:solidFill>
-            <a:schemeClr val="bg1"/>
-          </a:solidFill>
-        </p:spPr>
-        <p:txBody>
-          <a:bodyPr wrap="square" rtlCol="0">
-            <a:spAutoFit/>
-          </a:bodyPr>
-          <a:lstStyle/>
-          <a:p>
-            <a:pPr algn="ctr"/>
-            <a:r>
-              <a:rPr lang="en-US" sz="1100" b="1" dirty="0" smtClean="0"/>
-              <a:t>subject</a:t>
-            </a:r>
-            <a:endParaRPr lang="en-US" sz="1100" b="1" dirty="0"/>
-          </a:p>
-        </p:txBody>
-      </p:sp>
-      <p:sp>
-        <p:nvSpPr>
-          <p:cNvPr id="41" name="TextBox 40"/>
-          <p:cNvSpPr txBox="1"/>
-          <p:nvPr/>
-        </p:nvSpPr>
-        <p:spPr>
-          <a:xfrm>
-            <a:off x="990600" y="5638800"/>
-            <a:ext cx="7620000" cy="369332"/>
-          </a:xfrm>
-          <a:prstGeom prst="rect">
-            <a:avLst/>
-          </a:prstGeom>
-          <a:noFill/>
-        </p:spPr>
-        <p:txBody>
-          <a:bodyPr wrap="square" rtlCol="0">
-            <a:spAutoFit/>
-          </a:bodyPr>
-          <a:lstStyle/>
-          <a:p>
+          <a:p>
+            <a:pPr marL="0" indent="0">
+              <a:buNone/>
+            </a:pPr>
             <a:r>
               <a:rPr lang="en-US" dirty="0" smtClean="0"/>
-              <a:t>Used for Fecal Occult Blood (FOBT) and FITDNA</a:t>
+              <a:t>Below are listed the resource diagrams that meet each situation in the COL screening measure.</a:t>
             </a:r>
             <a:endParaRPr lang="en-US" dirty="0"/>
           </a:p>
@@ -3902,7 +4639,7 @@
     </p:spTree>
     <p:extLst>
       <p:ext uri="{BB962C8B-B14F-4D97-AF65-F5344CB8AC3E}">
-        <p14:creationId xmlns:p14="http://schemas.microsoft.com/office/powerpoint/2010/main" val="1021895600"/>
+        <p14:creationId xmlns:p14="http://schemas.microsoft.com/office/powerpoint/2010/main" val="2210816463"/>
       </p:ext>
     </p:extLst>
   </p:cSld>
@@ -3941,12 +4678,22 @@
         </p:nvSpPr>
         <p:spPr/>
         <p:txBody>
-          <a:bodyPr/>
-          <a:lstStyle/>
-          <a:p>
+          <a:bodyPr>
+            <a:normAutofit fontScale="90000"/>
+          </a:bodyPr>
+          <a:lstStyle/>
+          <a:p>
+            <a:pPr algn="l"/>
             <a:r>
               <a:rPr lang="en-US" dirty="0" smtClean="0"/>
-              <a:t>Option 2</a:t>
+              <a:t>Option 1</a:t>
+            </a:r>
+            <a:br>
+              <a:rPr lang="en-US" dirty="0" smtClean="0"/>
+            </a:br>
+            <a:r>
+              <a:rPr lang="en-US" dirty="0" smtClean="0"/>
+              <a:t>Measure Report Using Observation</a:t>
             </a:r>
             <a:endParaRPr lang="en-US" dirty="0"/>
           </a:p>
@@ -3972,686 +4719,15 @@
             </a:pPr>
             <a:r>
               <a:rPr lang="en-US" dirty="0" smtClean="0"/>
-              <a:t>  </a:t>
-            </a:r>
-            <a:endParaRPr lang="en-US" dirty="0"/>
-          </a:p>
-        </p:txBody>
-      </p:sp>
-      <p:sp>
-        <p:nvSpPr>
-          <p:cNvPr id="4" name="Flowchart: Alternate Process 3"/>
-          <p:cNvSpPr/>
-          <p:nvPr/>
-        </p:nvSpPr>
-        <p:spPr>
-          <a:xfrm>
-            <a:off x="762000" y="1447800"/>
-            <a:ext cx="1524000" cy="609600"/>
-          </a:xfrm>
-          <a:prstGeom prst="flowChartAlternateProcess">
-            <a:avLst/>
-          </a:prstGeom>
-          <a:ln w="12700">
-            <a:solidFill>
-              <a:schemeClr val="tx2"/>
-            </a:solidFill>
-          </a:ln>
-        </p:spPr>
-        <p:style>
-          <a:lnRef idx="2">
-            <a:schemeClr val="accent1">
-              <a:shade val="50000"/>
-            </a:schemeClr>
-          </a:lnRef>
-          <a:fillRef idx="1">
-            <a:schemeClr val="accent1"/>
-          </a:fillRef>
-          <a:effectRef idx="0">
-            <a:schemeClr val="accent1"/>
-          </a:effectRef>
-          <a:fontRef idx="minor">
-            <a:schemeClr val="lt1"/>
-          </a:fontRef>
-        </p:style>
-        <p:txBody>
-          <a:bodyPr rtlCol="0" anchor="ctr"/>
-          <a:lstStyle/>
-          <a:p>
-            <a:pPr algn="ctr"/>
-            <a:r>
-              <a:rPr lang="en-US" sz="1400" dirty="0" smtClean="0">
-                <a:solidFill>
-                  <a:schemeClr val="bg1"/>
-                </a:solidFill>
-              </a:rPr>
-              <a:t>Measure</a:t>
-            </a:r>
-            <a:endParaRPr lang="en-US" sz="1400" dirty="0">
-              <a:solidFill>
-                <a:schemeClr val="bg1"/>
-              </a:solidFill>
-            </a:endParaRPr>
-          </a:p>
-        </p:txBody>
-      </p:sp>
-      <p:sp>
-        <p:nvSpPr>
-          <p:cNvPr id="6" name="Flowchart: Alternate Process 5"/>
-          <p:cNvSpPr/>
-          <p:nvPr/>
-        </p:nvSpPr>
-        <p:spPr>
-          <a:xfrm>
-            <a:off x="762000" y="3060970"/>
-            <a:ext cx="1524000" cy="609600"/>
-          </a:xfrm>
-          <a:prstGeom prst="flowChartAlternateProcess">
-            <a:avLst/>
-          </a:prstGeom>
-          <a:ln w="12700">
-            <a:solidFill>
-              <a:schemeClr val="tx2"/>
-            </a:solidFill>
-          </a:ln>
-        </p:spPr>
-        <p:style>
-          <a:lnRef idx="2">
-            <a:schemeClr val="accent1">
-              <a:shade val="50000"/>
-            </a:schemeClr>
-          </a:lnRef>
-          <a:fillRef idx="1">
-            <a:schemeClr val="accent1"/>
-          </a:fillRef>
-          <a:effectRef idx="0">
-            <a:schemeClr val="accent1"/>
-          </a:effectRef>
-          <a:fontRef idx="minor">
-            <a:schemeClr val="lt1"/>
-          </a:fontRef>
-        </p:style>
-        <p:txBody>
-          <a:bodyPr rtlCol="0" anchor="ctr"/>
-          <a:lstStyle/>
-          <a:p>
-            <a:pPr algn="ctr"/>
-            <a:r>
-              <a:rPr lang="en-US" sz="1400" dirty="0" smtClean="0">
-                <a:solidFill>
-                  <a:schemeClr val="bg1"/>
-                </a:solidFill>
-              </a:rPr>
-              <a:t>MeasureReport</a:t>
-            </a:r>
-            <a:endParaRPr lang="en-US" sz="1400" dirty="0">
-              <a:solidFill>
-                <a:schemeClr val="bg1"/>
-              </a:solidFill>
-            </a:endParaRPr>
-          </a:p>
-        </p:txBody>
-      </p:sp>
-      <p:sp>
-        <p:nvSpPr>
-          <p:cNvPr id="10" name="Flowchart: Alternate Process 9"/>
-          <p:cNvSpPr/>
-          <p:nvPr/>
-        </p:nvSpPr>
-        <p:spPr>
-          <a:xfrm>
-            <a:off x="762000" y="4572000"/>
-            <a:ext cx="1524000" cy="609600"/>
-          </a:xfrm>
-          <a:prstGeom prst="flowChartAlternateProcess">
-            <a:avLst/>
-          </a:prstGeom>
-          <a:ln w="12700">
-            <a:solidFill>
-              <a:schemeClr val="tx2"/>
-            </a:solidFill>
-          </a:ln>
-        </p:spPr>
-        <p:style>
-          <a:lnRef idx="2">
-            <a:schemeClr val="accent1">
-              <a:shade val="50000"/>
-            </a:schemeClr>
-          </a:lnRef>
-          <a:fillRef idx="1">
-            <a:schemeClr val="accent1"/>
-          </a:fillRef>
-          <a:effectRef idx="0">
-            <a:schemeClr val="accent1"/>
-          </a:effectRef>
-          <a:fontRef idx="minor">
-            <a:schemeClr val="lt1"/>
-          </a:fontRef>
-        </p:style>
-        <p:txBody>
-          <a:bodyPr rtlCol="0" anchor="ctr"/>
-          <a:lstStyle/>
-          <a:p>
-            <a:pPr algn="ctr"/>
-            <a:r>
-              <a:rPr lang="en-US" sz="1400" dirty="0" err="1" smtClean="0">
-                <a:solidFill>
-                  <a:schemeClr val="bg1"/>
-                </a:solidFill>
-              </a:rPr>
-              <a:t>DiagnosticReport</a:t>
-            </a:r>
-            <a:endParaRPr lang="en-US" sz="1400" dirty="0">
-              <a:solidFill>
-                <a:schemeClr val="bg1"/>
-              </a:solidFill>
-            </a:endParaRPr>
-          </a:p>
-        </p:txBody>
-      </p:sp>
-      <p:sp>
-        <p:nvSpPr>
-          <p:cNvPr id="14" name="Flowchart: Alternate Process 13"/>
-          <p:cNvSpPr/>
-          <p:nvPr/>
-        </p:nvSpPr>
-        <p:spPr>
-          <a:xfrm>
-            <a:off x="5029200" y="1905000"/>
-            <a:ext cx="1524000" cy="609600"/>
-          </a:xfrm>
-          <a:prstGeom prst="flowChartAlternateProcess">
-            <a:avLst/>
-          </a:prstGeom>
-          <a:ln w="12700">
-            <a:solidFill>
-              <a:schemeClr val="tx2"/>
-            </a:solidFill>
-          </a:ln>
-        </p:spPr>
-        <p:style>
-          <a:lnRef idx="2">
-            <a:schemeClr val="accent1">
-              <a:shade val="50000"/>
-            </a:schemeClr>
-          </a:lnRef>
-          <a:fillRef idx="1">
-            <a:schemeClr val="accent1"/>
-          </a:fillRef>
-          <a:effectRef idx="0">
-            <a:schemeClr val="accent1"/>
-          </a:effectRef>
-          <a:fontRef idx="minor">
-            <a:schemeClr val="lt1"/>
-          </a:fontRef>
-        </p:style>
-        <p:txBody>
-          <a:bodyPr rtlCol="0" anchor="ctr"/>
-          <a:lstStyle/>
-          <a:p>
-            <a:pPr algn="ctr"/>
-            <a:r>
-              <a:rPr lang="en-US" sz="1400" dirty="0" smtClean="0">
-                <a:solidFill>
-                  <a:schemeClr val="bg1"/>
-                </a:solidFill>
-              </a:rPr>
-              <a:t>Organization</a:t>
-            </a:r>
-            <a:endParaRPr lang="en-US" sz="1400" dirty="0">
-              <a:solidFill>
-                <a:schemeClr val="bg1"/>
-              </a:solidFill>
-            </a:endParaRPr>
-          </a:p>
-        </p:txBody>
-      </p:sp>
-      <p:sp>
-        <p:nvSpPr>
-          <p:cNvPr id="15" name="Flowchart: Alternate Process 14"/>
-          <p:cNvSpPr/>
-          <p:nvPr/>
-        </p:nvSpPr>
-        <p:spPr>
-          <a:xfrm>
-            <a:off x="5029200" y="3859634"/>
-            <a:ext cx="1524000" cy="609600"/>
-          </a:xfrm>
-          <a:prstGeom prst="flowChartAlternateProcess">
-            <a:avLst/>
-          </a:prstGeom>
-          <a:ln w="12700">
-            <a:solidFill>
-              <a:schemeClr val="tx2"/>
-            </a:solidFill>
-          </a:ln>
-        </p:spPr>
-        <p:style>
-          <a:lnRef idx="2">
-            <a:schemeClr val="accent1">
-              <a:shade val="50000"/>
-            </a:schemeClr>
-          </a:lnRef>
-          <a:fillRef idx="1">
-            <a:schemeClr val="accent1"/>
-          </a:fillRef>
-          <a:effectRef idx="0">
-            <a:schemeClr val="accent1"/>
-          </a:effectRef>
-          <a:fontRef idx="minor">
-            <a:schemeClr val="lt1"/>
-          </a:fontRef>
-        </p:style>
-        <p:txBody>
-          <a:bodyPr rtlCol="0" anchor="ctr"/>
-          <a:lstStyle/>
-          <a:p>
-            <a:pPr algn="ctr"/>
-            <a:r>
-              <a:rPr lang="en-US" sz="1400" dirty="0" smtClean="0">
-                <a:solidFill>
-                  <a:schemeClr val="bg1"/>
-                </a:solidFill>
-              </a:rPr>
-              <a:t>Patient</a:t>
-            </a:r>
-            <a:endParaRPr lang="en-US" sz="1400" dirty="0">
-              <a:solidFill>
-                <a:schemeClr val="bg1"/>
-              </a:solidFill>
-            </a:endParaRPr>
-          </a:p>
-        </p:txBody>
-      </p:sp>
-      <p:cxnSp>
-        <p:nvCxnSpPr>
-          <p:cNvPr id="17" name="Straight Arrow Connector 16"/>
-          <p:cNvCxnSpPr>
-            <a:stCxn id="6" idx="0"/>
-            <a:endCxn id="4" idx="2"/>
-          </p:cNvCxnSpPr>
-          <p:nvPr/>
-        </p:nvCxnSpPr>
-        <p:spPr>
-          <a:xfrm flipV="1">
-            <a:off x="1524000" y="2057400"/>
-            <a:ext cx="0" cy="1003570"/>
-          </a:xfrm>
-          <a:prstGeom prst="straightConnector1">
-            <a:avLst/>
-          </a:prstGeom>
-          <a:ln w="28575">
-            <a:solidFill>
-              <a:schemeClr val="tx1"/>
-            </a:solidFill>
-            <a:tailEnd type="arrow"/>
-          </a:ln>
-        </p:spPr>
-        <p:style>
-          <a:lnRef idx="1">
-            <a:schemeClr val="accent1"/>
-          </a:lnRef>
-          <a:fillRef idx="0">
-            <a:schemeClr val="accent1"/>
-          </a:fillRef>
-          <a:effectRef idx="0">
-            <a:schemeClr val="accent1"/>
-          </a:effectRef>
-          <a:fontRef idx="minor">
-            <a:schemeClr val="tx1"/>
-          </a:fontRef>
-        </p:style>
-      </p:cxnSp>
-      <p:cxnSp>
-        <p:nvCxnSpPr>
-          <p:cNvPr id="19" name="Straight Arrow Connector 18"/>
-          <p:cNvCxnSpPr/>
-          <p:nvPr/>
-        </p:nvCxnSpPr>
-        <p:spPr>
-          <a:xfrm>
-            <a:off x="1540213" y="3578157"/>
-            <a:ext cx="0" cy="993843"/>
-          </a:xfrm>
-          <a:prstGeom prst="straightConnector1">
-            <a:avLst/>
-          </a:prstGeom>
-          <a:ln w="28575">
-            <a:solidFill>
-              <a:schemeClr val="tx1"/>
-            </a:solidFill>
-            <a:tailEnd type="arrow"/>
-          </a:ln>
-        </p:spPr>
-        <p:style>
-          <a:lnRef idx="1">
-            <a:schemeClr val="accent1"/>
-          </a:lnRef>
-          <a:fillRef idx="0">
-            <a:schemeClr val="accent1"/>
-          </a:fillRef>
-          <a:effectRef idx="0">
-            <a:schemeClr val="accent1"/>
-          </a:effectRef>
-          <a:fontRef idx="minor">
-            <a:schemeClr val="tx1"/>
-          </a:fontRef>
-        </p:style>
-      </p:cxnSp>
-      <p:sp>
-        <p:nvSpPr>
-          <p:cNvPr id="23" name="TextBox 22"/>
-          <p:cNvSpPr txBox="1"/>
-          <p:nvPr/>
-        </p:nvSpPr>
-        <p:spPr>
-          <a:xfrm>
-            <a:off x="990600" y="2590800"/>
-            <a:ext cx="1143000" cy="261610"/>
-          </a:xfrm>
-          <a:prstGeom prst="rect">
-            <a:avLst/>
-          </a:prstGeom>
-          <a:solidFill>
-            <a:schemeClr val="bg1"/>
-          </a:solidFill>
-        </p:spPr>
-        <p:txBody>
-          <a:bodyPr wrap="square" rtlCol="0">
-            <a:spAutoFit/>
-          </a:bodyPr>
-          <a:lstStyle/>
-          <a:p>
-            <a:pPr algn="ctr"/>
-            <a:r>
-              <a:rPr lang="en-US" sz="1100" b="1" dirty="0"/>
-              <a:t>m</a:t>
-            </a:r>
-            <a:r>
-              <a:rPr lang="en-US" sz="1100" b="1" dirty="0" smtClean="0"/>
-              <a:t>easure</a:t>
-            </a:r>
-            <a:endParaRPr lang="en-US" sz="1100" b="1" dirty="0"/>
-          </a:p>
-        </p:txBody>
-      </p:sp>
-      <p:cxnSp>
-        <p:nvCxnSpPr>
-          <p:cNvPr id="26" name="Straight Arrow Connector 25"/>
-          <p:cNvCxnSpPr>
-            <a:endCxn id="14" idx="1"/>
-          </p:cNvCxnSpPr>
-          <p:nvPr/>
-        </p:nvCxnSpPr>
-        <p:spPr>
-          <a:xfrm flipV="1">
-            <a:off x="2286000" y="2209800"/>
-            <a:ext cx="2743200" cy="1148448"/>
-          </a:xfrm>
-          <a:prstGeom prst="straightConnector1">
-            <a:avLst/>
-          </a:prstGeom>
-          <a:ln w="28575">
-            <a:solidFill>
-              <a:schemeClr val="tx1"/>
-            </a:solidFill>
-            <a:tailEnd type="arrow"/>
-          </a:ln>
-        </p:spPr>
-        <p:style>
-          <a:lnRef idx="1">
-            <a:schemeClr val="accent1"/>
-          </a:lnRef>
-          <a:fillRef idx="0">
-            <a:schemeClr val="accent1"/>
-          </a:fillRef>
-          <a:effectRef idx="0">
-            <a:schemeClr val="accent1"/>
-          </a:effectRef>
-          <a:fontRef idx="minor">
-            <a:schemeClr val="tx1"/>
-          </a:fontRef>
-        </p:style>
-      </p:cxnSp>
-      <p:cxnSp>
-        <p:nvCxnSpPr>
-          <p:cNvPr id="30" name="Straight Arrow Connector 29"/>
-          <p:cNvCxnSpPr>
-            <a:stCxn id="6" idx="3"/>
-            <a:endCxn id="15" idx="1"/>
-          </p:cNvCxnSpPr>
-          <p:nvPr/>
-        </p:nvCxnSpPr>
-        <p:spPr>
-          <a:xfrm>
-            <a:off x="2286000" y="3365770"/>
-            <a:ext cx="2743200" cy="798664"/>
-          </a:xfrm>
-          <a:prstGeom prst="straightConnector1">
-            <a:avLst/>
-          </a:prstGeom>
-          <a:ln w="28575">
-            <a:solidFill>
-              <a:schemeClr val="tx1"/>
-            </a:solidFill>
-            <a:tailEnd type="arrow"/>
-          </a:ln>
-        </p:spPr>
-        <p:style>
-          <a:lnRef idx="1">
-            <a:schemeClr val="accent1"/>
-          </a:lnRef>
-          <a:fillRef idx="0">
-            <a:schemeClr val="accent1"/>
-          </a:fillRef>
-          <a:effectRef idx="0">
-            <a:schemeClr val="accent1"/>
-          </a:effectRef>
-          <a:fontRef idx="minor">
-            <a:schemeClr val="tx1"/>
-          </a:fontRef>
-        </p:style>
-      </p:cxnSp>
-      <p:sp>
-        <p:nvSpPr>
-          <p:cNvPr id="32" name="TextBox 31"/>
-          <p:cNvSpPr txBox="1"/>
-          <p:nvPr/>
-        </p:nvSpPr>
-        <p:spPr>
-          <a:xfrm>
-            <a:off x="3124200" y="2559185"/>
-            <a:ext cx="1676400" cy="261610"/>
-          </a:xfrm>
-          <a:prstGeom prst="rect">
-            <a:avLst/>
-          </a:prstGeom>
-          <a:solidFill>
-            <a:schemeClr val="bg1"/>
-          </a:solidFill>
-        </p:spPr>
-        <p:txBody>
-          <a:bodyPr wrap="square" rtlCol="0">
-            <a:spAutoFit/>
-          </a:bodyPr>
-          <a:lstStyle/>
-          <a:p>
-            <a:pPr algn="ctr"/>
-            <a:r>
-              <a:rPr lang="en-US" sz="1100" b="1" dirty="0" smtClean="0"/>
-              <a:t>supportingOrganization</a:t>
-            </a:r>
-            <a:endParaRPr lang="en-US" sz="1100" b="1" dirty="0"/>
-          </a:p>
-        </p:txBody>
-      </p:sp>
-      <p:sp>
-        <p:nvSpPr>
-          <p:cNvPr id="34" name="TextBox 33"/>
-          <p:cNvSpPr txBox="1"/>
-          <p:nvPr/>
-        </p:nvSpPr>
-        <p:spPr>
-          <a:xfrm>
-            <a:off x="721063" y="3944273"/>
-            <a:ext cx="1638300" cy="261610"/>
-          </a:xfrm>
-          <a:prstGeom prst="rect">
-            <a:avLst/>
-          </a:prstGeom>
-          <a:solidFill>
-            <a:schemeClr val="bg1"/>
-          </a:solidFill>
-        </p:spPr>
-        <p:txBody>
-          <a:bodyPr wrap="square" rtlCol="0">
-            <a:spAutoFit/>
-          </a:bodyPr>
-          <a:lstStyle/>
-          <a:p>
-            <a:pPr algn="ctr"/>
-            <a:r>
-              <a:rPr lang="en-US" sz="1100" b="1" dirty="0" smtClean="0"/>
-              <a:t>evaluatedResources</a:t>
-            </a:r>
-            <a:endParaRPr lang="en-US" sz="1100" b="1" dirty="0"/>
-          </a:p>
-        </p:txBody>
-      </p:sp>
-      <p:sp>
-        <p:nvSpPr>
-          <p:cNvPr id="35" name="TextBox 34"/>
-          <p:cNvSpPr txBox="1"/>
-          <p:nvPr/>
-        </p:nvSpPr>
-        <p:spPr>
-          <a:xfrm>
-            <a:off x="3186619" y="3651612"/>
-            <a:ext cx="1143000" cy="261610"/>
-          </a:xfrm>
-          <a:prstGeom prst="rect">
-            <a:avLst/>
-          </a:prstGeom>
-          <a:solidFill>
-            <a:schemeClr val="bg1"/>
-          </a:solidFill>
-        </p:spPr>
-        <p:txBody>
-          <a:bodyPr wrap="square" rtlCol="0">
-            <a:spAutoFit/>
-          </a:bodyPr>
-          <a:lstStyle/>
-          <a:p>
-            <a:pPr algn="ctr"/>
-            <a:r>
-              <a:rPr lang="en-US" sz="1100" b="1" dirty="0"/>
-              <a:t>p</a:t>
-            </a:r>
-            <a:r>
-              <a:rPr lang="en-US" sz="1100" b="1" dirty="0" smtClean="0"/>
-              <a:t>atient</a:t>
-            </a:r>
-            <a:endParaRPr lang="en-US" sz="1100" b="1" dirty="0"/>
-          </a:p>
-        </p:txBody>
-      </p:sp>
-      <p:cxnSp>
-        <p:nvCxnSpPr>
-          <p:cNvPr id="40" name="Straight Arrow Connector 39"/>
-          <p:cNvCxnSpPr>
-            <a:stCxn id="10" idx="3"/>
-            <a:endCxn id="15" idx="1"/>
-          </p:cNvCxnSpPr>
-          <p:nvPr/>
-        </p:nvCxnSpPr>
-        <p:spPr>
-          <a:xfrm flipV="1">
-            <a:off x="2286000" y="4164434"/>
-            <a:ext cx="2743200" cy="712366"/>
-          </a:xfrm>
-          <a:prstGeom prst="straightConnector1">
-            <a:avLst/>
-          </a:prstGeom>
-          <a:ln w="28575">
-            <a:solidFill>
-              <a:schemeClr val="tx1"/>
-            </a:solidFill>
-            <a:tailEnd type="arrow"/>
-          </a:ln>
-        </p:spPr>
-        <p:style>
-          <a:lnRef idx="1">
-            <a:schemeClr val="accent1"/>
-          </a:lnRef>
-          <a:fillRef idx="0">
-            <a:schemeClr val="accent1"/>
-          </a:fillRef>
-          <a:effectRef idx="0">
-            <a:schemeClr val="accent1"/>
-          </a:effectRef>
-          <a:fontRef idx="minor">
-            <a:schemeClr val="tx1"/>
-          </a:fontRef>
-        </p:style>
-      </p:cxnSp>
-      <p:sp>
-        <p:nvSpPr>
-          <p:cNvPr id="38" name="TextBox 37"/>
-          <p:cNvSpPr txBox="1"/>
-          <p:nvPr/>
-        </p:nvSpPr>
-        <p:spPr>
-          <a:xfrm>
-            <a:off x="3086100" y="4431964"/>
-            <a:ext cx="1143000" cy="261610"/>
-          </a:xfrm>
-          <a:prstGeom prst="rect">
-            <a:avLst/>
-          </a:prstGeom>
-          <a:solidFill>
-            <a:schemeClr val="bg1"/>
-          </a:solidFill>
-        </p:spPr>
-        <p:txBody>
-          <a:bodyPr wrap="square" rtlCol="0">
-            <a:spAutoFit/>
-          </a:bodyPr>
-          <a:lstStyle/>
-          <a:p>
-            <a:pPr algn="ctr"/>
-            <a:r>
-              <a:rPr lang="en-US" sz="1100" b="1" dirty="0" smtClean="0"/>
-              <a:t>subject</a:t>
-            </a:r>
-            <a:endParaRPr lang="en-US" sz="1100" b="1" dirty="0"/>
-          </a:p>
-        </p:txBody>
-      </p:sp>
-      <p:sp>
-        <p:nvSpPr>
-          <p:cNvPr id="41" name="TextBox 40"/>
-          <p:cNvSpPr txBox="1"/>
-          <p:nvPr/>
-        </p:nvSpPr>
-        <p:spPr>
-          <a:xfrm>
-            <a:off x="990600" y="5638800"/>
-            <a:ext cx="7620000" cy="369332"/>
-          </a:xfrm>
-          <a:prstGeom prst="rect">
-            <a:avLst/>
-          </a:prstGeom>
-          <a:noFill/>
-        </p:spPr>
-        <p:txBody>
-          <a:bodyPr wrap="square" rtlCol="0">
-            <a:spAutoFit/>
-          </a:bodyPr>
-          <a:lstStyle/>
-          <a:p>
+              <a:t>When certain laboratory results are done in a specified time period, the patient has been screened for colorectal cancer.  The </a:t>
+            </a:r>
+            <a:r>
+              <a:rPr lang="en-US" dirty="0" err="1" smtClean="0"/>
+              <a:t>valueset</a:t>
+            </a:r>
             <a:r>
               <a:rPr lang="en-US" dirty="0" smtClean="0"/>
-              <a:t>Used for Flexible Sigmoidoscopy and Colonoscopy</a:t>
+              <a:t> of codes in the measure will inform you as to which laboratory results qualify for meeting this measure.  Below is the data structure for what would be included with a DEQM Individual Measure Report when the patient has had a laboratory test to meet the screen measure.</a:t>
             </a:r>
             <a:endParaRPr lang="en-US" dirty="0"/>
           </a:p>
@@ -4660,7 +4736,7 @@
     </p:spTree>
     <p:extLst>
       <p:ext uri="{BB962C8B-B14F-4D97-AF65-F5344CB8AC3E}">
-        <p14:creationId xmlns:p14="http://schemas.microsoft.com/office/powerpoint/2010/main" val="2897282550"/>
+        <p14:creationId xmlns:p14="http://schemas.microsoft.com/office/powerpoint/2010/main" val="1794125604"/>
       </p:ext>
     </p:extLst>
   </p:cSld>
@@ -4699,12 +4775,22 @@
         </p:nvSpPr>
         <p:spPr/>
         <p:txBody>
-          <a:bodyPr/>
-          <a:lstStyle/>
-          <a:p>
+          <a:bodyPr>
+            <a:normAutofit fontScale="90000"/>
+          </a:bodyPr>
+          <a:lstStyle/>
+          <a:p>
+            <a:pPr algn="l"/>
             <a:r>
               <a:rPr lang="en-US" dirty="0" smtClean="0"/>
-              <a:t>Option 3</a:t>
+              <a:t>Eric – this legend for </a:t>
+            </a:r>
+            <a:br>
+              <a:rPr lang="en-US" dirty="0" smtClean="0"/>
+            </a:br>
+            <a:r>
+              <a:rPr lang="en-US" dirty="0" smtClean="0"/>
+              <a:t>all the diagrams that follow</a:t>
             </a:r>
             <a:endParaRPr lang="en-US" dirty="0"/>
           </a:p>
@@ -4738,302 +4824,59 @@
       </p:sp>
       <p:sp>
         <p:nvSpPr>
-          <p:cNvPr id="4" name="Flowchart: Alternate Process 3"/>
-          <p:cNvSpPr/>
-          <p:nvPr/>
-        </p:nvSpPr>
-        <p:spPr>
-          <a:xfrm>
-            <a:off x="762000" y="1447800"/>
-            <a:ext cx="1524000" cy="609600"/>
-          </a:xfrm>
-          <a:prstGeom prst="flowChartAlternateProcess">
-            <a:avLst/>
-          </a:prstGeom>
-          <a:ln w="12700">
+          <p:cNvPr id="42" name="TextBox 41"/>
+          <p:cNvSpPr txBox="1"/>
+          <p:nvPr/>
+        </p:nvSpPr>
+        <p:spPr>
+          <a:xfrm>
+            <a:off x="5943600" y="304800"/>
+            <a:ext cx="2819400" cy="646331"/>
+          </a:xfrm>
+          <a:prstGeom prst="rect">
+            <a:avLst/>
+          </a:prstGeom>
+          <a:noFill/>
+          <a:ln w="28575">
             <a:solidFill>
-              <a:schemeClr val="tx2"/>
+              <a:schemeClr val="tx1"/>
             </a:solidFill>
           </a:ln>
         </p:spPr>
-        <p:style>
-          <a:lnRef idx="2">
-            <a:schemeClr val="accent1">
-              <a:shade val="50000"/>
-            </a:schemeClr>
-          </a:lnRef>
-          <a:fillRef idx="1">
-            <a:schemeClr val="accent1"/>
-          </a:fillRef>
-          <a:effectRef idx="0">
-            <a:schemeClr val="accent1"/>
-          </a:effectRef>
-          <a:fontRef idx="minor">
-            <a:schemeClr val="lt1"/>
-          </a:fontRef>
-        </p:style>
-        <p:txBody>
-          <a:bodyPr rtlCol="0" anchor="ctr"/>
-          <a:lstStyle/>
-          <a:p>
-            <a:pPr algn="ctr"/>
-            <a:r>
-              <a:rPr lang="en-US" sz="1400" dirty="0" smtClean="0">
-                <a:solidFill>
-                  <a:schemeClr val="bg1"/>
-                </a:solidFill>
-              </a:rPr>
-              <a:t>Measure</a:t>
-            </a:r>
-            <a:endParaRPr lang="en-US" sz="1400" dirty="0">
-              <a:solidFill>
-                <a:schemeClr val="bg1"/>
-              </a:solidFill>
-            </a:endParaRPr>
-          </a:p>
-        </p:txBody>
-      </p:sp>
-      <p:sp>
-        <p:nvSpPr>
-          <p:cNvPr id="6" name="Flowchart: Alternate Process 5"/>
-          <p:cNvSpPr/>
-          <p:nvPr/>
-        </p:nvSpPr>
-        <p:spPr>
-          <a:xfrm>
-            <a:off x="762000" y="3060970"/>
-            <a:ext cx="1524000" cy="609600"/>
-          </a:xfrm>
-          <a:prstGeom prst="flowChartAlternateProcess">
-            <a:avLst/>
-          </a:prstGeom>
-          <a:ln w="12700">
-            <a:solidFill>
-              <a:schemeClr val="tx2"/>
-            </a:solidFill>
-          </a:ln>
-        </p:spPr>
-        <p:style>
-          <a:lnRef idx="2">
-            <a:schemeClr val="accent1">
-              <a:shade val="50000"/>
-            </a:schemeClr>
-          </a:lnRef>
-          <a:fillRef idx="1">
-            <a:schemeClr val="accent1"/>
-          </a:fillRef>
-          <a:effectRef idx="0">
-            <a:schemeClr val="accent1"/>
-          </a:effectRef>
-          <a:fontRef idx="minor">
-            <a:schemeClr val="lt1"/>
-          </a:fontRef>
-        </p:style>
-        <p:txBody>
-          <a:bodyPr rtlCol="0" anchor="ctr"/>
-          <a:lstStyle/>
-          <a:p>
-            <a:pPr algn="ctr"/>
-            <a:r>
-              <a:rPr lang="en-US" sz="1400" dirty="0" smtClean="0">
-                <a:solidFill>
-                  <a:schemeClr val="bg1"/>
-                </a:solidFill>
-              </a:rPr>
-              <a:t>MeasureReport</a:t>
-            </a:r>
-            <a:endParaRPr lang="en-US" sz="1400" dirty="0">
-              <a:solidFill>
-                <a:schemeClr val="bg1"/>
-              </a:solidFill>
-            </a:endParaRPr>
-          </a:p>
-        </p:txBody>
-      </p:sp>
-      <p:sp>
-        <p:nvSpPr>
-          <p:cNvPr id="10" name="Flowchart: Alternate Process 9"/>
-          <p:cNvSpPr/>
-          <p:nvPr/>
-        </p:nvSpPr>
-        <p:spPr>
-          <a:xfrm>
-            <a:off x="762000" y="4572000"/>
-            <a:ext cx="1524000" cy="609600"/>
-          </a:xfrm>
-          <a:prstGeom prst="flowChartAlternateProcess">
-            <a:avLst/>
-          </a:prstGeom>
-          <a:ln w="12700">
-            <a:solidFill>
-              <a:schemeClr val="tx2"/>
-            </a:solidFill>
-          </a:ln>
-        </p:spPr>
-        <p:style>
-          <a:lnRef idx="2">
-            <a:schemeClr val="accent1">
-              <a:shade val="50000"/>
-            </a:schemeClr>
-          </a:lnRef>
-          <a:fillRef idx="1">
-            <a:schemeClr val="accent1"/>
-          </a:fillRef>
-          <a:effectRef idx="0">
-            <a:schemeClr val="accent1"/>
-          </a:effectRef>
-          <a:fontRef idx="minor">
-            <a:schemeClr val="lt1"/>
-          </a:fontRef>
-        </p:style>
-        <p:txBody>
-          <a:bodyPr rtlCol="0" anchor="ctr"/>
-          <a:lstStyle/>
-          <a:p>
-            <a:pPr algn="ctr"/>
-            <a:r>
-              <a:rPr lang="en-US" sz="1400" dirty="0" smtClean="0">
-                <a:solidFill>
-                  <a:schemeClr val="bg1"/>
-                </a:solidFill>
-              </a:rPr>
-              <a:t>Procedure</a:t>
-            </a:r>
-            <a:endParaRPr lang="en-US" sz="1400" dirty="0">
-              <a:solidFill>
-                <a:schemeClr val="bg1"/>
-              </a:solidFill>
-            </a:endParaRPr>
-          </a:p>
-        </p:txBody>
-      </p:sp>
-      <p:sp>
-        <p:nvSpPr>
-          <p:cNvPr id="14" name="Flowchart: Alternate Process 13"/>
-          <p:cNvSpPr/>
-          <p:nvPr/>
-        </p:nvSpPr>
-        <p:spPr>
-          <a:xfrm>
-            <a:off x="5029200" y="1905000"/>
-            <a:ext cx="1524000" cy="609600"/>
-          </a:xfrm>
-          <a:prstGeom prst="flowChartAlternateProcess">
-            <a:avLst/>
-          </a:prstGeom>
-          <a:ln w="12700">
-            <a:solidFill>
-              <a:schemeClr val="tx2"/>
-            </a:solidFill>
-          </a:ln>
-        </p:spPr>
-        <p:style>
-          <a:lnRef idx="2">
-            <a:schemeClr val="accent1">
-              <a:shade val="50000"/>
-            </a:schemeClr>
-          </a:lnRef>
-          <a:fillRef idx="1">
-            <a:schemeClr val="accent1"/>
-          </a:fillRef>
-          <a:effectRef idx="0">
-            <a:schemeClr val="accent1"/>
-          </a:effectRef>
-          <a:fontRef idx="minor">
-            <a:schemeClr val="lt1"/>
-          </a:fontRef>
-        </p:style>
-        <p:txBody>
-          <a:bodyPr rtlCol="0" anchor="ctr"/>
-          <a:lstStyle/>
-          <a:p>
-            <a:pPr algn="ctr"/>
-            <a:r>
-              <a:rPr lang="en-US" sz="1400" dirty="0" smtClean="0">
-                <a:solidFill>
-                  <a:schemeClr val="bg1"/>
-                </a:solidFill>
-              </a:rPr>
-              <a:t>Organization</a:t>
-            </a:r>
-            <a:endParaRPr lang="en-US" sz="1400" dirty="0">
-              <a:solidFill>
-                <a:schemeClr val="bg1"/>
-              </a:solidFill>
-            </a:endParaRPr>
-          </a:p>
-        </p:txBody>
-      </p:sp>
-      <p:sp>
-        <p:nvSpPr>
-          <p:cNvPr id="15" name="Flowchart: Alternate Process 14"/>
-          <p:cNvSpPr/>
-          <p:nvPr/>
-        </p:nvSpPr>
-        <p:spPr>
-          <a:xfrm>
-            <a:off x="5029200" y="3859634"/>
-            <a:ext cx="1524000" cy="609600"/>
-          </a:xfrm>
-          <a:prstGeom prst="flowChartAlternateProcess">
-            <a:avLst/>
-          </a:prstGeom>
-          <a:ln w="12700">
-            <a:solidFill>
-              <a:schemeClr val="tx2"/>
-            </a:solidFill>
-          </a:ln>
-        </p:spPr>
-        <p:style>
-          <a:lnRef idx="2">
-            <a:schemeClr val="accent1">
-              <a:shade val="50000"/>
-            </a:schemeClr>
-          </a:lnRef>
-          <a:fillRef idx="1">
-            <a:schemeClr val="accent1"/>
-          </a:fillRef>
-          <a:effectRef idx="0">
-            <a:schemeClr val="accent1"/>
-          </a:effectRef>
-          <a:fontRef idx="minor">
-            <a:schemeClr val="lt1"/>
-          </a:fontRef>
-        </p:style>
-        <p:txBody>
-          <a:bodyPr rtlCol="0" anchor="ctr"/>
-          <a:lstStyle/>
-          <a:p>
-            <a:pPr algn="ctr"/>
-            <a:r>
-              <a:rPr lang="en-US" sz="1400" dirty="0" smtClean="0">
-                <a:solidFill>
-                  <a:schemeClr val="bg1"/>
-                </a:solidFill>
-              </a:rPr>
-              <a:t>Patient</a:t>
-            </a:r>
-            <a:endParaRPr lang="en-US" sz="1400" dirty="0">
-              <a:solidFill>
-                <a:schemeClr val="bg1"/>
-              </a:solidFill>
-            </a:endParaRPr>
+        <p:txBody>
+          <a:bodyPr wrap="square" rtlCol="0">
+            <a:spAutoFit/>
+          </a:bodyPr>
+          <a:lstStyle/>
+          <a:p>
+            <a:r>
+              <a:rPr lang="en-US" dirty="0" smtClean="0"/>
+              <a:t>                Required Resource</a:t>
+            </a:r>
+          </a:p>
+          <a:p>
+            <a:r>
+              <a:rPr lang="en-US" dirty="0"/>
+              <a:t> </a:t>
+            </a:r>
+            <a:r>
+              <a:rPr lang="en-US" dirty="0" smtClean="0"/>
+              <a:t>               Optional Resource</a:t>
+            </a:r>
+            <a:endParaRPr lang="en-US" dirty="0"/>
           </a:p>
         </p:txBody>
       </p:sp>
       <p:cxnSp>
         <p:nvCxnSpPr>
-          <p:cNvPr id="17" name="Straight Arrow Connector 16"/>
-          <p:cNvCxnSpPr>
-            <a:stCxn id="6" idx="0"/>
-            <a:endCxn id="4" idx="2"/>
-          </p:cNvCxnSpPr>
+          <p:cNvPr id="44" name="Straight Arrow Connector 43"/>
+          <p:cNvCxnSpPr/>
           <p:nvPr/>
         </p:nvCxnSpPr>
         <p:spPr>
-          <a:xfrm flipV="1">
-            <a:off x="1524000" y="2057400"/>
-            <a:ext cx="0" cy="1003570"/>
+          <a:xfrm>
+            <a:off x="6096000" y="489466"/>
+            <a:ext cx="685800" cy="0"/>
           </a:xfrm>
           <a:prstGeom prst="straightConnector1">
             <a:avLst/>
@@ -5062,14 +4905,14 @@
       </p:cxnSp>
       <p:cxnSp>
         <p:nvCxnSpPr>
-          <p:cNvPr id="19" name="Straight Arrow Connector 18"/>
+          <p:cNvPr id="46" name="Straight Arrow Connector 45"/>
           <p:cNvCxnSpPr/>
           <p:nvPr/>
         </p:nvCxnSpPr>
         <p:spPr>
           <a:xfrm>
-            <a:off x="1540213" y="3578157"/>
-            <a:ext cx="0" cy="993843"/>
+            <a:off x="6096000" y="762000"/>
+            <a:ext cx="685800" cy="0"/>
           </a:xfrm>
           <a:prstGeom prst="straightConnector1">
             <a:avLst/>
@@ -5078,6 +4921,7 @@
             <a:solidFill>
               <a:schemeClr val="tx1"/>
             </a:solidFill>
+            <a:prstDash val="dash"/>
             <a:tailEnd type="arrow"/>
           </a:ln>
         </p:spPr>
@@ -5096,329 +4940,10 @@
           </a:fontRef>
         </p:style>
       </p:cxnSp>
-      <p:sp>
-        <p:nvSpPr>
-          <p:cNvPr id="23" name="TextBox 22"/>
-          <p:cNvSpPr txBox="1"/>
-          <p:nvPr/>
-        </p:nvSpPr>
-        <p:spPr>
-          <a:xfrm>
-            <a:off x="990600" y="2590800"/>
-            <a:ext cx="1143000" cy="261610"/>
-          </a:xfrm>
-          <a:prstGeom prst="rect">
-            <a:avLst/>
-          </a:prstGeom>
-          <a:solidFill>
-            <a:schemeClr val="bg1"/>
-          </a:solidFill>
-        </p:spPr>
-        <p:txBody>
-          <a:bodyPr wrap="square" rtlCol="0">
-            <a:spAutoFit/>
-          </a:bodyPr>
-          <a:lstStyle/>
-          <a:p>
-            <a:pPr algn="ctr"/>
-            <a:r>
-              <a:rPr lang="en-US" sz="1100" b="1" dirty="0"/>
-              <a:t>m</a:t>
-            </a:r>
-            <a:r>
-              <a:rPr lang="en-US" sz="1100" b="1" dirty="0" smtClean="0"/>
-              <a:t>easure</a:t>
-            </a:r>
-            <a:endParaRPr lang="en-US" sz="1100" b="1" dirty="0"/>
-          </a:p>
-        </p:txBody>
-      </p:sp>
-      <p:cxnSp>
-        <p:nvCxnSpPr>
-          <p:cNvPr id="26" name="Straight Arrow Connector 25"/>
-          <p:cNvCxnSpPr>
-            <a:endCxn id="14" idx="1"/>
-          </p:cNvCxnSpPr>
-          <p:nvPr/>
-        </p:nvCxnSpPr>
-        <p:spPr>
-          <a:xfrm flipV="1">
-            <a:off x="2286000" y="2209800"/>
-            <a:ext cx="2743200" cy="1148448"/>
-          </a:xfrm>
-          <a:prstGeom prst="straightConnector1">
-            <a:avLst/>
-          </a:prstGeom>
-          <a:ln w="28575">
-            <a:solidFill>
-              <a:schemeClr val="tx1"/>
-            </a:solidFill>
-            <a:tailEnd type="arrow"/>
-          </a:ln>
-        </p:spPr>
-        <p:style>
-          <a:lnRef idx="1">
-            <a:schemeClr val="accent1"/>
-          </a:lnRef>
-          <a:fillRef idx="0">
-            <a:schemeClr val="accent1"/>
-          </a:fillRef>
-          <a:effectRef idx="0">
-            <a:schemeClr val="accent1"/>
-          </a:effectRef>
-          <a:fontRef idx="minor">
-            <a:schemeClr val="tx1"/>
-          </a:fontRef>
-        </p:style>
-      </p:cxnSp>
-      <p:cxnSp>
-        <p:nvCxnSpPr>
-          <p:cNvPr id="30" name="Straight Arrow Connector 29"/>
-          <p:cNvCxnSpPr>
-            <a:stCxn id="6" idx="3"/>
-            <a:endCxn id="15" idx="1"/>
-          </p:cNvCxnSpPr>
-          <p:nvPr/>
-        </p:nvCxnSpPr>
-        <p:spPr>
-          <a:xfrm>
-            <a:off x="2286000" y="3365770"/>
-            <a:ext cx="2743200" cy="798664"/>
-          </a:xfrm>
-          <a:prstGeom prst="straightConnector1">
-            <a:avLst/>
-          </a:prstGeom>
-          <a:ln w="28575">
-            <a:solidFill>
-              <a:schemeClr val="tx1"/>
-            </a:solidFill>
-            <a:tailEnd type="arrow"/>
-          </a:ln>
-        </p:spPr>
-        <p:style>
-          <a:lnRef idx="1">
-            <a:schemeClr val="accent1"/>
-          </a:lnRef>
-          <a:fillRef idx="0">
-            <a:schemeClr val="accent1"/>
-          </a:fillRef>
-          <a:effectRef idx="0">
-            <a:schemeClr val="accent1"/>
-          </a:effectRef>
-          <a:fontRef idx="minor">
-            <a:schemeClr val="tx1"/>
-          </a:fontRef>
-        </p:style>
-      </p:cxnSp>
-      <p:sp>
-        <p:nvSpPr>
-          <p:cNvPr id="32" name="TextBox 31"/>
-          <p:cNvSpPr txBox="1"/>
-          <p:nvPr/>
-        </p:nvSpPr>
-        <p:spPr>
-          <a:xfrm>
-            <a:off x="3124200" y="2559185"/>
-            <a:ext cx="1676400" cy="261610"/>
-          </a:xfrm>
-          <a:prstGeom prst="rect">
-            <a:avLst/>
-          </a:prstGeom>
-          <a:solidFill>
-            <a:schemeClr val="bg1"/>
-          </a:solidFill>
-        </p:spPr>
-        <p:txBody>
-          <a:bodyPr wrap="square" rtlCol="0">
-            <a:spAutoFit/>
-          </a:bodyPr>
-          <a:lstStyle/>
-          <a:p>
-            <a:pPr algn="ctr"/>
-            <a:r>
-              <a:rPr lang="en-US" sz="1100" b="1" dirty="0" smtClean="0"/>
-              <a:t>supportingOrganization</a:t>
-            </a:r>
-            <a:endParaRPr lang="en-US" sz="1100" b="1" dirty="0"/>
-          </a:p>
-        </p:txBody>
-      </p:sp>
-      <p:sp>
-        <p:nvSpPr>
-          <p:cNvPr id="34" name="TextBox 33"/>
-          <p:cNvSpPr txBox="1"/>
-          <p:nvPr/>
-        </p:nvSpPr>
-        <p:spPr>
-          <a:xfrm>
-            <a:off x="721063" y="3944273"/>
-            <a:ext cx="1638300" cy="261610"/>
-          </a:xfrm>
-          <a:prstGeom prst="rect">
-            <a:avLst/>
-          </a:prstGeom>
-          <a:solidFill>
-            <a:schemeClr val="bg1"/>
-          </a:solidFill>
-        </p:spPr>
-        <p:txBody>
-          <a:bodyPr wrap="square" rtlCol="0">
-            <a:spAutoFit/>
-          </a:bodyPr>
-          <a:lstStyle/>
-          <a:p>
-            <a:pPr algn="ctr"/>
-            <a:r>
-              <a:rPr lang="en-US" sz="1100" b="1" dirty="0" smtClean="0"/>
-              <a:t>evaluatedResources</a:t>
-            </a:r>
-            <a:endParaRPr lang="en-US" sz="1100" b="1" dirty="0"/>
-          </a:p>
-        </p:txBody>
-      </p:sp>
-      <p:sp>
-        <p:nvSpPr>
-          <p:cNvPr id="35" name="TextBox 34"/>
-          <p:cNvSpPr txBox="1"/>
-          <p:nvPr/>
-        </p:nvSpPr>
-        <p:spPr>
-          <a:xfrm>
-            <a:off x="3186619" y="3651612"/>
-            <a:ext cx="1143000" cy="261610"/>
-          </a:xfrm>
-          <a:prstGeom prst="rect">
-            <a:avLst/>
-          </a:prstGeom>
-          <a:solidFill>
-            <a:schemeClr val="bg1"/>
-          </a:solidFill>
-        </p:spPr>
-        <p:txBody>
-          <a:bodyPr wrap="square" rtlCol="0">
-            <a:spAutoFit/>
-          </a:bodyPr>
-          <a:lstStyle/>
-          <a:p>
-            <a:pPr algn="ctr"/>
-            <a:r>
-              <a:rPr lang="en-US" sz="1100" b="1" dirty="0"/>
-              <a:t>p</a:t>
-            </a:r>
-            <a:r>
-              <a:rPr lang="en-US" sz="1100" b="1" dirty="0" smtClean="0"/>
-              <a:t>atient</a:t>
-            </a:r>
-            <a:endParaRPr lang="en-US" sz="1100" b="1" dirty="0"/>
-          </a:p>
-        </p:txBody>
-      </p:sp>
-      <p:cxnSp>
-        <p:nvCxnSpPr>
-          <p:cNvPr id="40" name="Straight Arrow Connector 39"/>
-          <p:cNvCxnSpPr>
-            <a:stCxn id="10" idx="3"/>
-            <a:endCxn id="15" idx="1"/>
-          </p:cNvCxnSpPr>
-          <p:nvPr/>
-        </p:nvCxnSpPr>
-        <p:spPr>
-          <a:xfrm flipV="1">
-            <a:off x="2286000" y="4164434"/>
-            <a:ext cx="2743200" cy="712366"/>
-          </a:xfrm>
-          <a:prstGeom prst="straightConnector1">
-            <a:avLst/>
-          </a:prstGeom>
-          <a:ln w="28575">
-            <a:solidFill>
-              <a:schemeClr val="tx1"/>
-            </a:solidFill>
-            <a:tailEnd type="arrow"/>
-          </a:ln>
-        </p:spPr>
-        <p:style>
-          <a:lnRef idx="1">
-            <a:schemeClr val="accent1"/>
-          </a:lnRef>
-          <a:fillRef idx="0">
-            <a:schemeClr val="accent1"/>
-          </a:fillRef>
-          <a:effectRef idx="0">
-            <a:schemeClr val="accent1"/>
-          </a:effectRef>
-          <a:fontRef idx="minor">
-            <a:schemeClr val="tx1"/>
-          </a:fontRef>
-        </p:style>
-      </p:cxnSp>
-      <p:sp>
-        <p:nvSpPr>
-          <p:cNvPr id="38" name="TextBox 37"/>
-          <p:cNvSpPr txBox="1"/>
-          <p:nvPr/>
-        </p:nvSpPr>
-        <p:spPr>
-          <a:xfrm>
-            <a:off x="3086100" y="4431964"/>
-            <a:ext cx="1143000" cy="261610"/>
-          </a:xfrm>
-          <a:prstGeom prst="rect">
-            <a:avLst/>
-          </a:prstGeom>
-          <a:solidFill>
-            <a:schemeClr val="bg1"/>
-          </a:solidFill>
-        </p:spPr>
-        <p:txBody>
-          <a:bodyPr wrap="square" rtlCol="0">
-            <a:spAutoFit/>
-          </a:bodyPr>
-          <a:lstStyle/>
-          <a:p>
-            <a:pPr algn="ctr"/>
-            <a:r>
-              <a:rPr lang="en-US" sz="1100" b="1" dirty="0" smtClean="0"/>
-              <a:t>subject</a:t>
-            </a:r>
-            <a:endParaRPr lang="en-US" sz="1100" b="1" dirty="0"/>
-          </a:p>
-        </p:txBody>
-      </p:sp>
-      <p:sp>
-        <p:nvSpPr>
-          <p:cNvPr id="41" name="TextBox 40"/>
-          <p:cNvSpPr txBox="1"/>
-          <p:nvPr/>
-        </p:nvSpPr>
-        <p:spPr>
-          <a:xfrm>
-            <a:off x="990600" y="5638800"/>
-            <a:ext cx="7620000" cy="369332"/>
-          </a:xfrm>
-          <a:prstGeom prst="rect">
-            <a:avLst/>
-          </a:prstGeom>
-          <a:noFill/>
-        </p:spPr>
-        <p:txBody>
-          <a:bodyPr wrap="square" rtlCol="0">
-            <a:spAutoFit/>
-          </a:bodyPr>
-          <a:lstStyle/>
-          <a:p>
-            <a:r>
-              <a:rPr lang="en-US" dirty="0" smtClean="0"/>
-              <a:t>Used for Total Colectomy which is an exclusion for the COL Measure</a:t>
-            </a:r>
-            <a:endParaRPr lang="en-US" dirty="0"/>
-          </a:p>
-        </p:txBody>
-      </p:sp>
     </p:spTree>
     <p:extLst>
       <p:ext uri="{BB962C8B-B14F-4D97-AF65-F5344CB8AC3E}">
-        <p14:creationId xmlns:p14="http://schemas.microsoft.com/office/powerpoint/2010/main" val="1669477753"/>
+        <p14:creationId xmlns:p14="http://schemas.microsoft.com/office/powerpoint/2010/main" val="1021895600"/>
       </p:ext>
     </p:extLst>
   </p:cSld>
@@ -5457,12 +4982,15 @@
         </p:nvSpPr>
         <p:spPr/>
         <p:txBody>
-          <a:bodyPr/>
-          <a:lstStyle/>
-          <a:p>
+          <a:bodyPr>
+            <a:normAutofit/>
+          </a:bodyPr>
+          <a:lstStyle/>
+          <a:p>
+            <a:pPr algn="l"/>
             <a:r>
               <a:rPr lang="en-US" dirty="0" smtClean="0"/>
-              <a:t>Option 4</a:t>
+              <a:t>MeasureReport using Observation</a:t>
             </a:r>
             <a:endParaRPr lang="en-US" dirty="0"/>
           </a:p>
@@ -5655,7 +5183,7 @@
                   <a:schemeClr val="bg1"/>
                 </a:solidFill>
               </a:rPr>
-              <a:t>Condition</a:t>
+              <a:t>Observation</a:t>
             </a:r>
             <a:endParaRPr lang="en-US" sz="1400" dirty="0">
               <a:solidFill>
@@ -5673,7 +5201,7 @@
         </p:nvSpPr>
         <p:spPr>
           <a:xfrm>
-            <a:off x="5029200" y="1905000"/>
+            <a:off x="4724400" y="1981200"/>
             <a:ext cx="1524000" cy="609600"/>
           </a:xfrm>
           <a:prstGeom prst="flowChartAlternateProcess">
@@ -5730,7 +5258,7 @@
         </p:nvSpPr>
         <p:spPr>
           <a:xfrm>
-            <a:off x="5029200" y="3859634"/>
+            <a:off x="4732506" y="3859634"/>
             <a:ext cx="1524000" cy="609600"/>
           </a:xfrm>
           <a:prstGeom prst="flowChartAlternateProcess">
@@ -5895,14 +5423,15 @@
         <p:nvCxnSpPr>
           <p:cNvPr id="26" name="Straight Arrow Connector 25"/>
           <p:cNvCxnSpPr>
+            <a:stCxn id="6" idx="3"/>
             <a:endCxn id="14" idx="1"/>
           </p:cNvCxnSpPr>
           <p:nvPr/>
         </p:nvCxnSpPr>
         <p:spPr>
           <a:xfrm flipV="1">
-            <a:off x="2286000" y="2209800"/>
-            <a:ext cx="2743200" cy="1148448"/>
+            <a:off x="2286000" y="2286000"/>
+            <a:ext cx="2438400" cy="1079770"/>
           </a:xfrm>
           <a:prstGeom prst="straightConnector1">
             <a:avLst/>
@@ -5941,7 +5470,7 @@
         <p:spPr>
           <a:xfrm>
             <a:off x="2286000" y="3365770"/>
-            <a:ext cx="2743200" cy="798664"/>
+            <a:ext cx="2446506" cy="798664"/>
           </a:xfrm>
           <a:prstGeom prst="straightConnector1">
             <a:avLst/>
@@ -6042,7 +5571,7 @@
         </p:nvSpPr>
         <p:spPr>
           <a:xfrm>
-            <a:off x="3186619" y="3651612"/>
+            <a:off x="2729822" y="3588794"/>
             <a:ext cx="1143000" cy="261610"/>
           </a:xfrm>
           <a:prstGeom prst="rect">
@@ -6083,7 +5612,7 @@
         <p:spPr>
           <a:xfrm flipV="1">
             <a:off x="2286000" y="4164434"/>
-            <a:ext cx="2743200" cy="712366"/>
+            <a:ext cx="2446506" cy="712366"/>
           </a:xfrm>
           <a:prstGeom prst="straightConnector1">
             <a:avLst/>
@@ -6118,7 +5647,7 @@
         </p:nvSpPr>
         <p:spPr>
           <a:xfrm>
-            <a:off x="3086100" y="4431964"/>
+            <a:off x="3191887" y="4338429"/>
             <a:ext cx="1143000" cy="261610"/>
           </a:xfrm>
           <a:prstGeom prst="rect">
@@ -6151,8 +5680,8 @@
         </p:nvSpPr>
         <p:spPr>
           <a:xfrm>
-            <a:off x="990600" y="5638800"/>
-            <a:ext cx="7620000" cy="369332"/>
+            <a:off x="457200" y="6096000"/>
+            <a:ext cx="3771900" cy="646331"/>
           </a:xfrm>
           <a:prstGeom prst="rect">
             <a:avLst/>
@@ -6167,16 +5696,3525 @@
           <a:p>
             <a:r>
               <a:rPr lang="en-US" dirty="0" smtClean="0"/>
-              <a:t>Used for Colorectal Cancer exclusion</a:t>
+              <a:t>Used for Fecal Occult Blood (FOBT) and FIT-DNA</a:t>
             </a:r>
             <a:endParaRPr lang="en-US" dirty="0"/>
           </a:p>
         </p:txBody>
       </p:sp>
+      <p:sp>
+        <p:nvSpPr>
+          <p:cNvPr id="20" name="Flowchart: Alternate Process 19"/>
+          <p:cNvSpPr/>
+          <p:nvPr/>
+        </p:nvSpPr>
+        <p:spPr>
+          <a:xfrm>
+            <a:off x="4732506" y="5671810"/>
+            <a:ext cx="1524000" cy="609600"/>
+          </a:xfrm>
+          <a:prstGeom prst="flowChartAlternateProcess">
+            <a:avLst/>
+          </a:prstGeom>
+          <a:ln w="12700">
+            <a:solidFill>
+              <a:schemeClr val="tx2"/>
+            </a:solidFill>
+          </a:ln>
+        </p:spPr>
+        <p:style>
+          <a:lnRef idx="2">
+            <a:schemeClr val="accent1">
+              <a:shade val="50000"/>
+            </a:schemeClr>
+          </a:lnRef>
+          <a:fillRef idx="1">
+            <a:schemeClr val="accent1"/>
+          </a:fillRef>
+          <a:effectRef idx="0">
+            <a:schemeClr val="accent1"/>
+          </a:effectRef>
+          <a:fontRef idx="minor">
+            <a:schemeClr val="lt1"/>
+          </a:fontRef>
+        </p:style>
+        <p:txBody>
+          <a:bodyPr rtlCol="0" anchor="ctr"/>
+          <a:lstStyle/>
+          <a:p>
+            <a:pPr algn="ctr"/>
+            <a:r>
+              <a:rPr lang="en-US" sz="1400" dirty="0" smtClean="0">
+                <a:solidFill>
+                  <a:schemeClr val="bg1"/>
+                </a:solidFill>
+              </a:rPr>
+              <a:t>Practitioner</a:t>
+            </a:r>
+            <a:endParaRPr lang="en-US" sz="1400" dirty="0">
+              <a:solidFill>
+                <a:schemeClr val="bg1"/>
+              </a:solidFill>
+            </a:endParaRPr>
+          </a:p>
+        </p:txBody>
+      </p:sp>
+      <p:sp>
+        <p:nvSpPr>
+          <p:cNvPr id="21" name="Flowchart: Alternate Process 20"/>
+          <p:cNvSpPr/>
+          <p:nvPr/>
+        </p:nvSpPr>
+        <p:spPr>
+          <a:xfrm>
+            <a:off x="4753583" y="4725978"/>
+            <a:ext cx="1524000" cy="609600"/>
+          </a:xfrm>
+          <a:prstGeom prst="flowChartAlternateProcess">
+            <a:avLst/>
+          </a:prstGeom>
+          <a:ln w="12700">
+            <a:solidFill>
+              <a:schemeClr val="tx2"/>
+            </a:solidFill>
+          </a:ln>
+        </p:spPr>
+        <p:style>
+          <a:lnRef idx="2">
+            <a:schemeClr val="accent1">
+              <a:shade val="50000"/>
+            </a:schemeClr>
+          </a:lnRef>
+          <a:fillRef idx="1">
+            <a:schemeClr val="accent1"/>
+          </a:fillRef>
+          <a:effectRef idx="0">
+            <a:schemeClr val="accent1"/>
+          </a:effectRef>
+          <a:fontRef idx="minor">
+            <a:schemeClr val="lt1"/>
+          </a:fontRef>
+        </p:style>
+        <p:txBody>
+          <a:bodyPr rtlCol="0" anchor="ctr"/>
+          <a:lstStyle/>
+          <a:p>
+            <a:pPr algn="ctr"/>
+            <a:r>
+              <a:rPr lang="en-US" sz="1400" dirty="0" smtClean="0">
+                <a:solidFill>
+                  <a:schemeClr val="bg1"/>
+                </a:solidFill>
+              </a:rPr>
+              <a:t>Encounter</a:t>
+            </a:r>
+            <a:endParaRPr lang="en-US" sz="1400" dirty="0">
+              <a:solidFill>
+                <a:schemeClr val="bg1"/>
+              </a:solidFill>
+            </a:endParaRPr>
+          </a:p>
+        </p:txBody>
+      </p:sp>
+      <p:cxnSp>
+        <p:nvCxnSpPr>
+          <p:cNvPr id="7" name="Straight Arrow Connector 6"/>
+          <p:cNvCxnSpPr>
+            <a:stCxn id="10" idx="3"/>
+            <a:endCxn id="21" idx="1"/>
+          </p:cNvCxnSpPr>
+          <p:nvPr/>
+        </p:nvCxnSpPr>
+        <p:spPr>
+          <a:xfrm>
+            <a:off x="2286000" y="4876800"/>
+            <a:ext cx="2467583" cy="153978"/>
+          </a:xfrm>
+          <a:prstGeom prst="straightConnector1">
+            <a:avLst/>
+          </a:prstGeom>
+          <a:ln w="28575">
+            <a:solidFill>
+              <a:schemeClr val="tx1"/>
+            </a:solidFill>
+            <a:prstDash val="dash"/>
+            <a:tailEnd type="arrow"/>
+          </a:ln>
+        </p:spPr>
+        <p:style>
+          <a:lnRef idx="1">
+            <a:schemeClr val="accent1"/>
+          </a:lnRef>
+          <a:fillRef idx="0">
+            <a:schemeClr val="accent1"/>
+          </a:fillRef>
+          <a:effectRef idx="0">
+            <a:schemeClr val="accent1"/>
+          </a:effectRef>
+          <a:fontRef idx="minor">
+            <a:schemeClr val="tx1"/>
+          </a:fontRef>
+        </p:style>
+      </p:cxnSp>
+      <p:cxnSp>
+        <p:nvCxnSpPr>
+          <p:cNvPr id="9" name="Straight Arrow Connector 8"/>
+          <p:cNvCxnSpPr>
+            <a:stCxn id="10" idx="3"/>
+            <a:endCxn id="20" idx="1"/>
+          </p:cNvCxnSpPr>
+          <p:nvPr/>
+        </p:nvCxnSpPr>
+        <p:spPr>
+          <a:xfrm>
+            <a:off x="2286000" y="4876800"/>
+            <a:ext cx="2446506" cy="1099810"/>
+          </a:xfrm>
+          <a:prstGeom prst="straightConnector1">
+            <a:avLst/>
+          </a:prstGeom>
+          <a:ln w="28575">
+            <a:solidFill>
+              <a:schemeClr val="tx1"/>
+            </a:solidFill>
+            <a:prstDash val="dash"/>
+            <a:tailEnd type="arrow"/>
+          </a:ln>
+        </p:spPr>
+        <p:style>
+          <a:lnRef idx="1">
+            <a:schemeClr val="accent1"/>
+          </a:lnRef>
+          <a:fillRef idx="0">
+            <a:schemeClr val="accent1"/>
+          </a:fillRef>
+          <a:effectRef idx="0">
+            <a:schemeClr val="accent1"/>
+          </a:effectRef>
+          <a:fontRef idx="minor">
+            <a:schemeClr val="tx1"/>
+          </a:fontRef>
+        </p:style>
+      </p:cxnSp>
+      <p:sp>
+        <p:nvSpPr>
+          <p:cNvPr id="27" name="TextBox 26"/>
+          <p:cNvSpPr txBox="1"/>
+          <p:nvPr/>
+        </p:nvSpPr>
+        <p:spPr>
+          <a:xfrm>
+            <a:off x="3219449" y="5410200"/>
+            <a:ext cx="1143000" cy="261610"/>
+          </a:xfrm>
+          <a:prstGeom prst="rect">
+            <a:avLst/>
+          </a:prstGeom>
+          <a:solidFill>
+            <a:schemeClr val="bg1"/>
+          </a:solidFill>
+        </p:spPr>
+        <p:txBody>
+          <a:bodyPr wrap="square" rtlCol="0">
+            <a:spAutoFit/>
+          </a:bodyPr>
+          <a:lstStyle/>
+          <a:p>
+            <a:pPr algn="ctr"/>
+            <a:r>
+              <a:rPr lang="en-US" sz="1100" b="1" dirty="0" smtClean="0"/>
+              <a:t>performer</a:t>
+            </a:r>
+            <a:endParaRPr lang="en-US" sz="1100" b="1" dirty="0"/>
+          </a:p>
+        </p:txBody>
+      </p:sp>
+      <p:sp>
+        <p:nvSpPr>
+          <p:cNvPr id="28" name="TextBox 27"/>
+          <p:cNvSpPr txBox="1"/>
+          <p:nvPr/>
+        </p:nvSpPr>
+        <p:spPr>
+          <a:xfrm>
+            <a:off x="3352799" y="4870315"/>
+            <a:ext cx="876301" cy="261610"/>
+          </a:xfrm>
+          <a:prstGeom prst="rect">
+            <a:avLst/>
+          </a:prstGeom>
+          <a:solidFill>
+            <a:schemeClr val="bg1"/>
+          </a:solidFill>
+        </p:spPr>
+        <p:txBody>
+          <a:bodyPr wrap="square" rtlCol="0">
+            <a:spAutoFit/>
+          </a:bodyPr>
+          <a:lstStyle/>
+          <a:p>
+            <a:pPr algn="ctr"/>
+            <a:r>
+              <a:rPr lang="en-US" sz="1100" b="1" dirty="0" smtClean="0"/>
+              <a:t>context</a:t>
+            </a:r>
+            <a:endParaRPr lang="en-US" sz="1100" b="1" dirty="0"/>
+          </a:p>
+        </p:txBody>
+      </p:sp>
+      <p:sp>
+        <p:nvSpPr>
+          <p:cNvPr id="29" name="Flowchart: Alternate Process 28"/>
+          <p:cNvSpPr/>
+          <p:nvPr/>
+        </p:nvSpPr>
+        <p:spPr>
+          <a:xfrm>
+            <a:off x="7543800" y="4725978"/>
+            <a:ext cx="1524000" cy="609600"/>
+          </a:xfrm>
+          <a:prstGeom prst="flowChartAlternateProcess">
+            <a:avLst/>
+          </a:prstGeom>
+          <a:ln w="12700">
+            <a:solidFill>
+              <a:schemeClr val="tx2"/>
+            </a:solidFill>
+          </a:ln>
+        </p:spPr>
+        <p:style>
+          <a:lnRef idx="2">
+            <a:schemeClr val="accent1">
+              <a:shade val="50000"/>
+            </a:schemeClr>
+          </a:lnRef>
+          <a:fillRef idx="1">
+            <a:schemeClr val="accent1"/>
+          </a:fillRef>
+          <a:effectRef idx="0">
+            <a:schemeClr val="accent1"/>
+          </a:effectRef>
+          <a:fontRef idx="minor">
+            <a:schemeClr val="lt1"/>
+          </a:fontRef>
+        </p:style>
+        <p:txBody>
+          <a:bodyPr rtlCol="0" anchor="ctr"/>
+          <a:lstStyle/>
+          <a:p>
+            <a:pPr algn="ctr"/>
+            <a:r>
+              <a:rPr lang="en-US" sz="1400" dirty="0" smtClean="0">
+                <a:solidFill>
+                  <a:schemeClr val="bg1"/>
+                </a:solidFill>
+              </a:rPr>
+              <a:t>Location</a:t>
+            </a:r>
+            <a:endParaRPr lang="en-US" sz="1400" dirty="0">
+              <a:solidFill>
+                <a:schemeClr val="bg1"/>
+              </a:solidFill>
+            </a:endParaRPr>
+          </a:p>
+        </p:txBody>
+      </p:sp>
+      <p:sp>
+        <p:nvSpPr>
+          <p:cNvPr id="31" name="TextBox 30"/>
+          <p:cNvSpPr txBox="1"/>
+          <p:nvPr/>
+        </p:nvSpPr>
+        <p:spPr>
+          <a:xfrm>
+            <a:off x="6489563" y="4795715"/>
+            <a:ext cx="796047" cy="430887"/>
+          </a:xfrm>
+          <a:prstGeom prst="rect">
+            <a:avLst/>
+          </a:prstGeom>
+          <a:solidFill>
+            <a:schemeClr val="bg1"/>
+          </a:solidFill>
+        </p:spPr>
+        <p:txBody>
+          <a:bodyPr wrap="square" rtlCol="0">
+            <a:spAutoFit/>
+          </a:bodyPr>
+          <a:lstStyle/>
+          <a:p>
+            <a:pPr algn="ctr"/>
+            <a:r>
+              <a:rPr lang="en-US" sz="1100" b="1" dirty="0" smtClean="0"/>
+              <a:t>location&gt;</a:t>
+            </a:r>
+          </a:p>
+          <a:p>
+            <a:pPr algn="ctr"/>
+            <a:r>
+              <a:rPr lang="en-US" sz="1100" b="1" dirty="0" smtClean="0"/>
+              <a:t>location</a:t>
+            </a:r>
+            <a:endParaRPr lang="en-US" sz="1100" b="1" dirty="0"/>
+          </a:p>
+        </p:txBody>
+      </p:sp>
+      <p:cxnSp>
+        <p:nvCxnSpPr>
+          <p:cNvPr id="16" name="Straight Arrow Connector 15"/>
+          <p:cNvCxnSpPr/>
+          <p:nvPr/>
+        </p:nvCxnSpPr>
+        <p:spPr>
+          <a:xfrm>
+            <a:off x="6231375" y="5013982"/>
+            <a:ext cx="1312425" cy="0"/>
+          </a:xfrm>
+          <a:prstGeom prst="straightConnector1">
+            <a:avLst/>
+          </a:prstGeom>
+          <a:ln w="28575">
+            <a:solidFill>
+              <a:schemeClr val="tx1"/>
+            </a:solidFill>
+            <a:prstDash val="dash"/>
+            <a:tailEnd type="arrow"/>
+          </a:ln>
+        </p:spPr>
+        <p:style>
+          <a:lnRef idx="1">
+            <a:schemeClr val="accent1"/>
+          </a:lnRef>
+          <a:fillRef idx="0">
+            <a:schemeClr val="accent1"/>
+          </a:fillRef>
+          <a:effectRef idx="0">
+            <a:schemeClr val="accent1"/>
+          </a:effectRef>
+          <a:fontRef idx="minor">
+            <a:schemeClr val="tx1"/>
+          </a:fontRef>
+        </p:style>
+      </p:cxnSp>
+      <p:sp>
+        <p:nvSpPr>
+          <p:cNvPr id="48" name="Flowchart: Alternate Process 47"/>
+          <p:cNvSpPr/>
+          <p:nvPr/>
+        </p:nvSpPr>
+        <p:spPr>
+          <a:xfrm>
+            <a:off x="7543800" y="3334673"/>
+            <a:ext cx="1524000" cy="609600"/>
+          </a:xfrm>
+          <a:prstGeom prst="flowChartAlternateProcess">
+            <a:avLst/>
+          </a:prstGeom>
+          <a:ln w="12700">
+            <a:solidFill>
+              <a:schemeClr val="tx2"/>
+            </a:solidFill>
+          </a:ln>
+        </p:spPr>
+        <p:style>
+          <a:lnRef idx="2">
+            <a:schemeClr val="accent1">
+              <a:shade val="50000"/>
+            </a:schemeClr>
+          </a:lnRef>
+          <a:fillRef idx="1">
+            <a:schemeClr val="accent1"/>
+          </a:fillRef>
+          <a:effectRef idx="0">
+            <a:schemeClr val="accent1"/>
+          </a:effectRef>
+          <a:fontRef idx="minor">
+            <a:schemeClr val="lt1"/>
+          </a:fontRef>
+        </p:style>
+        <p:txBody>
+          <a:bodyPr rtlCol="0" anchor="ctr"/>
+          <a:lstStyle/>
+          <a:p>
+            <a:pPr algn="ctr"/>
+            <a:r>
+              <a:rPr lang="en-US" sz="1400" dirty="0" smtClean="0">
+                <a:solidFill>
+                  <a:schemeClr val="bg1"/>
+                </a:solidFill>
+              </a:rPr>
+              <a:t>Coverage</a:t>
+            </a:r>
+            <a:endParaRPr lang="en-US" sz="1400" dirty="0">
+              <a:solidFill>
+                <a:schemeClr val="bg1"/>
+              </a:solidFill>
+            </a:endParaRPr>
+          </a:p>
+        </p:txBody>
+      </p:sp>
+      <p:cxnSp>
+        <p:nvCxnSpPr>
+          <p:cNvPr id="50" name="Straight Arrow Connector 49"/>
+          <p:cNvCxnSpPr>
+            <a:stCxn id="48" idx="1"/>
+            <a:endCxn id="15" idx="3"/>
+          </p:cNvCxnSpPr>
+          <p:nvPr/>
+        </p:nvCxnSpPr>
+        <p:spPr>
+          <a:xfrm flipH="1">
+            <a:off x="6256506" y="3639473"/>
+            <a:ext cx="1287294" cy="524961"/>
+          </a:xfrm>
+          <a:prstGeom prst="straightConnector1">
+            <a:avLst/>
+          </a:prstGeom>
+          <a:ln w="28575">
+            <a:solidFill>
+              <a:schemeClr val="tx1"/>
+            </a:solidFill>
+            <a:prstDash val="dash"/>
+            <a:tailEnd type="arrow"/>
+          </a:ln>
+        </p:spPr>
+        <p:style>
+          <a:lnRef idx="1">
+            <a:schemeClr val="accent1"/>
+          </a:lnRef>
+          <a:fillRef idx="0">
+            <a:schemeClr val="accent1"/>
+          </a:fillRef>
+          <a:effectRef idx="0">
+            <a:schemeClr val="accent1"/>
+          </a:effectRef>
+          <a:fontRef idx="minor">
+            <a:schemeClr val="tx1"/>
+          </a:fontRef>
+        </p:style>
+      </p:cxnSp>
+      <p:sp>
+        <p:nvSpPr>
+          <p:cNvPr id="51" name="TextBox 50"/>
+          <p:cNvSpPr txBox="1"/>
+          <p:nvPr/>
+        </p:nvSpPr>
+        <p:spPr>
+          <a:xfrm>
+            <a:off x="6484495" y="3752025"/>
+            <a:ext cx="901837" cy="261610"/>
+          </a:xfrm>
+          <a:prstGeom prst="rect">
+            <a:avLst/>
+          </a:prstGeom>
+          <a:solidFill>
+            <a:schemeClr val="bg1"/>
+          </a:solidFill>
+        </p:spPr>
+        <p:txBody>
+          <a:bodyPr wrap="square" rtlCol="0">
+            <a:spAutoFit/>
+          </a:bodyPr>
+          <a:lstStyle/>
+          <a:p>
+            <a:pPr algn="ctr"/>
+            <a:r>
+              <a:rPr lang="en-US" sz="1100" b="1" dirty="0" smtClean="0"/>
+              <a:t>beneficiary</a:t>
+            </a:r>
+            <a:endParaRPr lang="en-US" sz="1100" b="1" dirty="0"/>
+          </a:p>
+        </p:txBody>
+      </p:sp>
+      <p:sp>
+        <p:nvSpPr>
+          <p:cNvPr id="33" name="Flowchart: Alternate Process 32"/>
+          <p:cNvSpPr/>
+          <p:nvPr/>
+        </p:nvSpPr>
+        <p:spPr>
+          <a:xfrm>
+            <a:off x="5761610" y="5976610"/>
+            <a:ext cx="1524000" cy="609600"/>
+          </a:xfrm>
+          <a:prstGeom prst="flowChartAlternateProcess">
+            <a:avLst/>
+          </a:prstGeom>
+          <a:ln w="12700">
+            <a:solidFill>
+              <a:schemeClr val="tx2"/>
+            </a:solidFill>
+          </a:ln>
+        </p:spPr>
+        <p:style>
+          <a:lnRef idx="2">
+            <a:schemeClr val="accent1">
+              <a:shade val="50000"/>
+            </a:schemeClr>
+          </a:lnRef>
+          <a:fillRef idx="1">
+            <a:schemeClr val="accent1"/>
+          </a:fillRef>
+          <a:effectRef idx="0">
+            <a:schemeClr val="accent1"/>
+          </a:effectRef>
+          <a:fontRef idx="minor">
+            <a:schemeClr val="lt1"/>
+          </a:fontRef>
+        </p:style>
+        <p:txBody>
+          <a:bodyPr rtlCol="0" anchor="ctr"/>
+          <a:lstStyle/>
+          <a:p>
+            <a:pPr algn="ctr"/>
+            <a:r>
+              <a:rPr lang="en-US" sz="1400" dirty="0" smtClean="0">
+                <a:solidFill>
+                  <a:schemeClr val="bg1"/>
+                </a:solidFill>
+              </a:rPr>
+              <a:t>Organization</a:t>
+            </a:r>
+            <a:endParaRPr lang="en-US" sz="1400" dirty="0">
+              <a:solidFill>
+                <a:schemeClr val="bg1"/>
+              </a:solidFill>
+            </a:endParaRPr>
+          </a:p>
+        </p:txBody>
+      </p:sp>
+      <p:sp>
+        <p:nvSpPr>
+          <p:cNvPr id="36" name="TextBox 35"/>
+          <p:cNvSpPr txBox="1"/>
+          <p:nvPr/>
+        </p:nvSpPr>
+        <p:spPr>
+          <a:xfrm>
+            <a:off x="6308387" y="1394856"/>
+            <a:ext cx="2819400" cy="646331"/>
+          </a:xfrm>
+          <a:prstGeom prst="rect">
+            <a:avLst/>
+          </a:prstGeom>
+          <a:noFill/>
+          <a:ln w="28575">
+            <a:solidFill>
+              <a:schemeClr val="tx1"/>
+            </a:solidFill>
+          </a:ln>
+        </p:spPr>
+        <p:txBody>
+          <a:bodyPr wrap="square" rtlCol="0">
+            <a:spAutoFit/>
+          </a:bodyPr>
+          <a:lstStyle/>
+          <a:p>
+            <a:r>
+              <a:rPr lang="en-US" dirty="0" smtClean="0"/>
+              <a:t>                Required Resource</a:t>
+            </a:r>
+          </a:p>
+          <a:p>
+            <a:r>
+              <a:rPr lang="en-US" dirty="0"/>
+              <a:t> </a:t>
+            </a:r>
+            <a:r>
+              <a:rPr lang="en-US" dirty="0" smtClean="0"/>
+              <a:t>               Optional Resource</a:t>
+            </a:r>
+            <a:endParaRPr lang="en-US" dirty="0"/>
+          </a:p>
+        </p:txBody>
+      </p:sp>
+      <p:cxnSp>
+        <p:nvCxnSpPr>
+          <p:cNvPr id="37" name="Straight Arrow Connector 36"/>
+          <p:cNvCxnSpPr/>
+          <p:nvPr/>
+        </p:nvCxnSpPr>
+        <p:spPr>
+          <a:xfrm>
+            <a:off x="6484495" y="1600200"/>
+            <a:ext cx="685800" cy="0"/>
+          </a:xfrm>
+          <a:prstGeom prst="straightConnector1">
+            <a:avLst/>
+          </a:prstGeom>
+          <a:ln w="28575">
+            <a:solidFill>
+              <a:schemeClr val="tx1"/>
+            </a:solidFill>
+            <a:tailEnd type="arrow"/>
+          </a:ln>
+        </p:spPr>
+        <p:style>
+          <a:lnRef idx="1">
+            <a:schemeClr val="accent1"/>
+          </a:lnRef>
+          <a:fillRef idx="0">
+            <a:schemeClr val="accent1"/>
+          </a:fillRef>
+          <a:effectRef idx="0">
+            <a:schemeClr val="accent1"/>
+          </a:effectRef>
+          <a:fontRef idx="minor">
+            <a:schemeClr val="tx1"/>
+          </a:fontRef>
+        </p:style>
+      </p:cxnSp>
+      <p:cxnSp>
+        <p:nvCxnSpPr>
+          <p:cNvPr id="39" name="Straight Arrow Connector 38"/>
+          <p:cNvCxnSpPr/>
+          <p:nvPr/>
+        </p:nvCxnSpPr>
+        <p:spPr>
+          <a:xfrm>
+            <a:off x="6484495" y="1828800"/>
+            <a:ext cx="685800" cy="0"/>
+          </a:xfrm>
+          <a:prstGeom prst="straightConnector1">
+            <a:avLst/>
+          </a:prstGeom>
+          <a:ln w="28575">
+            <a:solidFill>
+              <a:schemeClr val="tx1"/>
+            </a:solidFill>
+            <a:prstDash val="dash"/>
+            <a:tailEnd type="arrow"/>
+          </a:ln>
+        </p:spPr>
+        <p:style>
+          <a:lnRef idx="1">
+            <a:schemeClr val="accent1"/>
+          </a:lnRef>
+          <a:fillRef idx="0">
+            <a:schemeClr val="accent1"/>
+          </a:fillRef>
+          <a:effectRef idx="0">
+            <a:schemeClr val="accent1"/>
+          </a:effectRef>
+          <a:fontRef idx="minor">
+            <a:schemeClr val="tx1"/>
+          </a:fontRef>
+        </p:style>
+      </p:cxnSp>
     </p:spTree>
     <p:extLst>
       <p:ext uri="{BB962C8B-B14F-4D97-AF65-F5344CB8AC3E}">
-        <p14:creationId xmlns:p14="http://schemas.microsoft.com/office/powerpoint/2010/main" val="1669477753"/>
+        <p14:creationId xmlns:p14="http://schemas.microsoft.com/office/powerpoint/2010/main" val="2510577459"/>
+      </p:ext>
+    </p:extLst>
+  </p:cSld>
+  <p:clrMapOvr>
+    <a:masterClrMapping/>
+  </p:clrMapOvr>
+</p:sld>
+</file>
+
+<file path=ppt/slides/slide6.xml><?xml version="1.0" encoding="utf-8"?>
+<p:sld xmlns:a="http://schemas.openxmlformats.org/drawingml/2006/main" xmlns:r="http://schemas.openxmlformats.org/officeDocument/2006/relationships" xmlns:p="http://schemas.openxmlformats.org/presentationml/2006/main">
+  <p:cSld>
+    <p:spTree>
+      <p:nvGrpSpPr>
+        <p:cNvPr id="1" name=""/>
+        <p:cNvGrpSpPr/>
+        <p:nvPr/>
+      </p:nvGrpSpPr>
+      <p:grpSpPr>
+        <a:xfrm>
+          <a:off x="0" y="0"/>
+          <a:ext cx="0" cy="0"/>
+          <a:chOff x="0" y="0"/>
+          <a:chExt cx="0" cy="0"/>
+        </a:xfrm>
+      </p:grpSpPr>
+      <p:sp>
+        <p:nvSpPr>
+          <p:cNvPr id="2" name="Title 1"/>
+          <p:cNvSpPr>
+            <a:spLocks noGrp="1"/>
+          </p:cNvSpPr>
+          <p:nvPr>
+            <p:ph type="title"/>
+          </p:nvPr>
+        </p:nvSpPr>
+        <p:spPr/>
+        <p:txBody>
+          <a:bodyPr>
+            <a:noAutofit/>
+          </a:bodyPr>
+          <a:lstStyle/>
+          <a:p>
+            <a:pPr algn="l"/>
+            <a:r>
+              <a:rPr lang="en-US" sz="3600" b="1" dirty="0" smtClean="0"/>
+              <a:t>Option 2</a:t>
+            </a:r>
+            <a:br>
+              <a:rPr lang="en-US" sz="3600" b="1" dirty="0" smtClean="0"/>
+            </a:br>
+            <a:r>
+              <a:rPr lang="en-US" sz="3600" b="1" dirty="0" smtClean="0"/>
+              <a:t>MeasureReport using </a:t>
+            </a:r>
+            <a:r>
+              <a:rPr lang="en-US" sz="3600" b="1" dirty="0" err="1" smtClean="0"/>
+              <a:t>DiagnosticReport</a:t>
+            </a:r>
+            <a:endParaRPr lang="en-US" sz="3600" b="1" dirty="0"/>
+          </a:p>
+        </p:txBody>
+      </p:sp>
+      <p:sp>
+        <p:nvSpPr>
+          <p:cNvPr id="3" name="Content Placeholder 2"/>
+          <p:cNvSpPr>
+            <a:spLocks noGrp="1"/>
+          </p:cNvSpPr>
+          <p:nvPr>
+            <p:ph idx="1"/>
+          </p:nvPr>
+        </p:nvSpPr>
+        <p:spPr/>
+        <p:txBody>
+          <a:bodyPr>
+            <a:normAutofit lnSpcReduction="10000"/>
+          </a:bodyPr>
+          <a:lstStyle/>
+          <a:p>
+            <a:pPr marL="0" indent="0">
+              <a:buNone/>
+            </a:pPr>
+            <a:r>
+              <a:rPr lang="en-US" dirty="0" smtClean="0"/>
+              <a:t>Another way a member can meet a screening measure is when certain procedures are performed and a report generated.  In FHIR, the report is documented in a </a:t>
+            </a:r>
+            <a:r>
+              <a:rPr lang="en-US" dirty="0" err="1" smtClean="0"/>
+              <a:t>DiagnosticReport</a:t>
+            </a:r>
+            <a:r>
+              <a:rPr lang="en-US" dirty="0" smtClean="0"/>
+              <a:t>.  The measure indicates what </a:t>
+            </a:r>
+            <a:r>
+              <a:rPr lang="en-US" dirty="0" err="1" smtClean="0"/>
+              <a:t>ValueSets</a:t>
+            </a:r>
+            <a:r>
+              <a:rPr lang="en-US" dirty="0" smtClean="0"/>
+              <a:t>/Codes can be used to report this </a:t>
+            </a:r>
+            <a:r>
+              <a:rPr lang="en-US" dirty="0" err="1" smtClean="0"/>
+              <a:t>meaure</a:t>
+            </a:r>
+            <a:endParaRPr lang="en-US" dirty="0" smtClean="0"/>
+          </a:p>
+          <a:p>
+            <a:pPr marL="0" indent="0">
+              <a:buNone/>
+            </a:pPr>
+            <a:r>
+              <a:rPr lang="en-US" dirty="0" smtClean="0"/>
+              <a:t>The following diagram shows how that would be represented in a DEQM Individual MeasureReport with associated resources</a:t>
+            </a:r>
+            <a:endParaRPr lang="en-US" dirty="0"/>
+          </a:p>
+        </p:txBody>
+      </p:sp>
+    </p:spTree>
+    <p:extLst>
+      <p:ext uri="{BB962C8B-B14F-4D97-AF65-F5344CB8AC3E}">
+        <p14:creationId xmlns:p14="http://schemas.microsoft.com/office/powerpoint/2010/main" val="1282088772"/>
+      </p:ext>
+    </p:extLst>
+  </p:cSld>
+  <p:clrMapOvr>
+    <a:masterClrMapping/>
+  </p:clrMapOvr>
+</p:sld>
+</file>
+
+<file path=ppt/slides/slide7.xml><?xml version="1.0" encoding="utf-8"?>
+<p:sld xmlns:a="http://schemas.openxmlformats.org/drawingml/2006/main" xmlns:r="http://schemas.openxmlformats.org/officeDocument/2006/relationships" xmlns:p="http://schemas.openxmlformats.org/presentationml/2006/main">
+  <p:cSld>
+    <p:spTree>
+      <p:nvGrpSpPr>
+        <p:cNvPr id="1" name=""/>
+        <p:cNvGrpSpPr/>
+        <p:nvPr/>
+      </p:nvGrpSpPr>
+      <p:grpSpPr>
+        <a:xfrm>
+          <a:off x="0" y="0"/>
+          <a:ext cx="0" cy="0"/>
+          <a:chOff x="0" y="0"/>
+          <a:chExt cx="0" cy="0"/>
+        </a:xfrm>
+      </p:grpSpPr>
+      <p:sp>
+        <p:nvSpPr>
+          <p:cNvPr id="2" name="Title 1"/>
+          <p:cNvSpPr>
+            <a:spLocks noGrp="1"/>
+          </p:cNvSpPr>
+          <p:nvPr>
+            <p:ph type="title"/>
+          </p:nvPr>
+        </p:nvSpPr>
+        <p:spPr/>
+        <p:txBody>
+          <a:bodyPr>
+            <a:normAutofit fontScale="90000"/>
+          </a:bodyPr>
+          <a:lstStyle/>
+          <a:p>
+            <a:pPr algn="l"/>
+            <a:r>
+              <a:rPr lang="en-US" dirty="0" smtClean="0"/>
+              <a:t>MeasureReport using Diagnostic Report</a:t>
+            </a:r>
+            <a:endParaRPr lang="en-US" dirty="0"/>
+          </a:p>
+        </p:txBody>
+      </p:sp>
+      <p:sp>
+        <p:nvSpPr>
+          <p:cNvPr id="3" name="Content Placeholder 2"/>
+          <p:cNvSpPr>
+            <a:spLocks noGrp="1"/>
+          </p:cNvSpPr>
+          <p:nvPr>
+            <p:ph idx="1"/>
+          </p:nvPr>
+        </p:nvSpPr>
+        <p:spPr/>
+        <p:txBody>
+          <a:bodyPr/>
+          <a:lstStyle/>
+          <a:p>
+            <a:pPr marL="0" indent="0">
+              <a:buNone/>
+            </a:pPr>
+            <a:r>
+              <a:rPr lang="en-US" dirty="0" smtClean="0"/>
+              <a:t>  </a:t>
+            </a:r>
+            <a:endParaRPr lang="en-US" dirty="0"/>
+          </a:p>
+        </p:txBody>
+      </p:sp>
+      <p:sp>
+        <p:nvSpPr>
+          <p:cNvPr id="4" name="Flowchart: Alternate Process 3"/>
+          <p:cNvSpPr/>
+          <p:nvPr/>
+        </p:nvSpPr>
+        <p:spPr>
+          <a:xfrm>
+            <a:off x="762000" y="1447800"/>
+            <a:ext cx="1524000" cy="609600"/>
+          </a:xfrm>
+          <a:prstGeom prst="flowChartAlternateProcess">
+            <a:avLst/>
+          </a:prstGeom>
+          <a:ln w="12700">
+            <a:solidFill>
+              <a:schemeClr val="tx2"/>
+            </a:solidFill>
+          </a:ln>
+        </p:spPr>
+        <p:style>
+          <a:lnRef idx="2">
+            <a:schemeClr val="accent1">
+              <a:shade val="50000"/>
+            </a:schemeClr>
+          </a:lnRef>
+          <a:fillRef idx="1">
+            <a:schemeClr val="accent1"/>
+          </a:fillRef>
+          <a:effectRef idx="0">
+            <a:schemeClr val="accent1"/>
+          </a:effectRef>
+          <a:fontRef idx="minor">
+            <a:schemeClr val="lt1"/>
+          </a:fontRef>
+        </p:style>
+        <p:txBody>
+          <a:bodyPr rtlCol="0" anchor="ctr"/>
+          <a:lstStyle/>
+          <a:p>
+            <a:pPr algn="ctr"/>
+            <a:r>
+              <a:rPr lang="en-US" sz="1400" dirty="0" smtClean="0">
+                <a:solidFill>
+                  <a:schemeClr val="bg1"/>
+                </a:solidFill>
+              </a:rPr>
+              <a:t>Measure</a:t>
+            </a:r>
+            <a:endParaRPr lang="en-US" sz="1400" dirty="0">
+              <a:solidFill>
+                <a:schemeClr val="bg1"/>
+              </a:solidFill>
+            </a:endParaRPr>
+          </a:p>
+        </p:txBody>
+      </p:sp>
+      <p:sp>
+        <p:nvSpPr>
+          <p:cNvPr id="6" name="Flowchart: Alternate Process 5"/>
+          <p:cNvSpPr/>
+          <p:nvPr/>
+        </p:nvSpPr>
+        <p:spPr>
+          <a:xfrm>
+            <a:off x="762000" y="3060970"/>
+            <a:ext cx="1524000" cy="609600"/>
+          </a:xfrm>
+          <a:prstGeom prst="flowChartAlternateProcess">
+            <a:avLst/>
+          </a:prstGeom>
+          <a:ln w="12700">
+            <a:solidFill>
+              <a:schemeClr val="tx2"/>
+            </a:solidFill>
+          </a:ln>
+        </p:spPr>
+        <p:style>
+          <a:lnRef idx="2">
+            <a:schemeClr val="accent1">
+              <a:shade val="50000"/>
+            </a:schemeClr>
+          </a:lnRef>
+          <a:fillRef idx="1">
+            <a:schemeClr val="accent1"/>
+          </a:fillRef>
+          <a:effectRef idx="0">
+            <a:schemeClr val="accent1"/>
+          </a:effectRef>
+          <a:fontRef idx="minor">
+            <a:schemeClr val="lt1"/>
+          </a:fontRef>
+        </p:style>
+        <p:txBody>
+          <a:bodyPr rtlCol="0" anchor="ctr"/>
+          <a:lstStyle/>
+          <a:p>
+            <a:pPr algn="ctr"/>
+            <a:r>
+              <a:rPr lang="en-US" sz="1400" dirty="0" smtClean="0">
+                <a:solidFill>
+                  <a:schemeClr val="bg1"/>
+                </a:solidFill>
+              </a:rPr>
+              <a:t>MeasureReport</a:t>
+            </a:r>
+            <a:endParaRPr lang="en-US" sz="1400" dirty="0">
+              <a:solidFill>
+                <a:schemeClr val="bg1"/>
+              </a:solidFill>
+            </a:endParaRPr>
+          </a:p>
+        </p:txBody>
+      </p:sp>
+      <p:sp>
+        <p:nvSpPr>
+          <p:cNvPr id="10" name="Flowchart: Alternate Process 9"/>
+          <p:cNvSpPr/>
+          <p:nvPr/>
+        </p:nvSpPr>
+        <p:spPr>
+          <a:xfrm>
+            <a:off x="762000" y="4572000"/>
+            <a:ext cx="1524000" cy="609600"/>
+          </a:xfrm>
+          <a:prstGeom prst="flowChartAlternateProcess">
+            <a:avLst/>
+          </a:prstGeom>
+          <a:ln w="12700">
+            <a:solidFill>
+              <a:schemeClr val="tx2"/>
+            </a:solidFill>
+          </a:ln>
+        </p:spPr>
+        <p:style>
+          <a:lnRef idx="2">
+            <a:schemeClr val="accent1">
+              <a:shade val="50000"/>
+            </a:schemeClr>
+          </a:lnRef>
+          <a:fillRef idx="1">
+            <a:schemeClr val="accent1"/>
+          </a:fillRef>
+          <a:effectRef idx="0">
+            <a:schemeClr val="accent1"/>
+          </a:effectRef>
+          <a:fontRef idx="minor">
+            <a:schemeClr val="lt1"/>
+          </a:fontRef>
+        </p:style>
+        <p:txBody>
+          <a:bodyPr rtlCol="0" anchor="ctr"/>
+          <a:lstStyle/>
+          <a:p>
+            <a:pPr algn="ctr"/>
+            <a:r>
+              <a:rPr lang="en-US" sz="1400" dirty="0" err="1" smtClean="0">
+                <a:solidFill>
+                  <a:schemeClr val="bg1"/>
+                </a:solidFill>
+              </a:rPr>
+              <a:t>DiagnosticReport</a:t>
+            </a:r>
+            <a:endParaRPr lang="en-US" sz="1400" dirty="0">
+              <a:solidFill>
+                <a:schemeClr val="bg1"/>
+              </a:solidFill>
+            </a:endParaRPr>
+          </a:p>
+        </p:txBody>
+      </p:sp>
+      <p:sp>
+        <p:nvSpPr>
+          <p:cNvPr id="14" name="Flowchart: Alternate Process 13"/>
+          <p:cNvSpPr/>
+          <p:nvPr/>
+        </p:nvSpPr>
+        <p:spPr>
+          <a:xfrm>
+            <a:off x="4724400" y="1981200"/>
+            <a:ext cx="1524000" cy="609600"/>
+          </a:xfrm>
+          <a:prstGeom prst="flowChartAlternateProcess">
+            <a:avLst/>
+          </a:prstGeom>
+          <a:ln w="12700">
+            <a:solidFill>
+              <a:schemeClr val="tx2"/>
+            </a:solidFill>
+          </a:ln>
+        </p:spPr>
+        <p:style>
+          <a:lnRef idx="2">
+            <a:schemeClr val="accent1">
+              <a:shade val="50000"/>
+            </a:schemeClr>
+          </a:lnRef>
+          <a:fillRef idx="1">
+            <a:schemeClr val="accent1"/>
+          </a:fillRef>
+          <a:effectRef idx="0">
+            <a:schemeClr val="accent1"/>
+          </a:effectRef>
+          <a:fontRef idx="minor">
+            <a:schemeClr val="lt1"/>
+          </a:fontRef>
+        </p:style>
+        <p:txBody>
+          <a:bodyPr rtlCol="0" anchor="ctr"/>
+          <a:lstStyle/>
+          <a:p>
+            <a:pPr algn="ctr"/>
+            <a:r>
+              <a:rPr lang="en-US" sz="1400" dirty="0" smtClean="0">
+                <a:solidFill>
+                  <a:schemeClr val="bg1"/>
+                </a:solidFill>
+              </a:rPr>
+              <a:t>Organization</a:t>
+            </a:r>
+            <a:endParaRPr lang="en-US" sz="1400" dirty="0">
+              <a:solidFill>
+                <a:schemeClr val="bg1"/>
+              </a:solidFill>
+            </a:endParaRPr>
+          </a:p>
+        </p:txBody>
+      </p:sp>
+      <p:sp>
+        <p:nvSpPr>
+          <p:cNvPr id="15" name="Flowchart: Alternate Process 14"/>
+          <p:cNvSpPr/>
+          <p:nvPr/>
+        </p:nvSpPr>
+        <p:spPr>
+          <a:xfrm>
+            <a:off x="4732506" y="3859634"/>
+            <a:ext cx="1524000" cy="609600"/>
+          </a:xfrm>
+          <a:prstGeom prst="flowChartAlternateProcess">
+            <a:avLst/>
+          </a:prstGeom>
+          <a:ln w="12700">
+            <a:solidFill>
+              <a:schemeClr val="tx2"/>
+            </a:solidFill>
+          </a:ln>
+        </p:spPr>
+        <p:style>
+          <a:lnRef idx="2">
+            <a:schemeClr val="accent1">
+              <a:shade val="50000"/>
+            </a:schemeClr>
+          </a:lnRef>
+          <a:fillRef idx="1">
+            <a:schemeClr val="accent1"/>
+          </a:fillRef>
+          <a:effectRef idx="0">
+            <a:schemeClr val="accent1"/>
+          </a:effectRef>
+          <a:fontRef idx="minor">
+            <a:schemeClr val="lt1"/>
+          </a:fontRef>
+        </p:style>
+        <p:txBody>
+          <a:bodyPr rtlCol="0" anchor="ctr"/>
+          <a:lstStyle/>
+          <a:p>
+            <a:pPr algn="ctr"/>
+            <a:r>
+              <a:rPr lang="en-US" sz="1400" dirty="0" smtClean="0">
+                <a:solidFill>
+                  <a:schemeClr val="bg1"/>
+                </a:solidFill>
+              </a:rPr>
+              <a:t>Patient</a:t>
+            </a:r>
+            <a:endParaRPr lang="en-US" sz="1400" dirty="0">
+              <a:solidFill>
+                <a:schemeClr val="bg1"/>
+              </a:solidFill>
+            </a:endParaRPr>
+          </a:p>
+        </p:txBody>
+      </p:sp>
+      <p:cxnSp>
+        <p:nvCxnSpPr>
+          <p:cNvPr id="17" name="Straight Arrow Connector 16"/>
+          <p:cNvCxnSpPr>
+            <a:stCxn id="6" idx="0"/>
+            <a:endCxn id="4" idx="2"/>
+          </p:cNvCxnSpPr>
+          <p:nvPr/>
+        </p:nvCxnSpPr>
+        <p:spPr>
+          <a:xfrm flipV="1">
+            <a:off x="1524000" y="2057400"/>
+            <a:ext cx="0" cy="1003570"/>
+          </a:xfrm>
+          <a:prstGeom prst="straightConnector1">
+            <a:avLst/>
+          </a:prstGeom>
+          <a:ln w="28575">
+            <a:solidFill>
+              <a:schemeClr val="tx1"/>
+            </a:solidFill>
+            <a:tailEnd type="arrow"/>
+          </a:ln>
+        </p:spPr>
+        <p:style>
+          <a:lnRef idx="1">
+            <a:schemeClr val="accent1"/>
+          </a:lnRef>
+          <a:fillRef idx="0">
+            <a:schemeClr val="accent1"/>
+          </a:fillRef>
+          <a:effectRef idx="0">
+            <a:schemeClr val="accent1"/>
+          </a:effectRef>
+          <a:fontRef idx="minor">
+            <a:schemeClr val="tx1"/>
+          </a:fontRef>
+        </p:style>
+      </p:cxnSp>
+      <p:cxnSp>
+        <p:nvCxnSpPr>
+          <p:cNvPr id="19" name="Straight Arrow Connector 18"/>
+          <p:cNvCxnSpPr/>
+          <p:nvPr/>
+        </p:nvCxnSpPr>
+        <p:spPr>
+          <a:xfrm>
+            <a:off x="1540213" y="3578157"/>
+            <a:ext cx="0" cy="993843"/>
+          </a:xfrm>
+          <a:prstGeom prst="straightConnector1">
+            <a:avLst/>
+          </a:prstGeom>
+          <a:ln w="28575">
+            <a:solidFill>
+              <a:schemeClr val="tx1"/>
+            </a:solidFill>
+            <a:tailEnd type="arrow"/>
+          </a:ln>
+        </p:spPr>
+        <p:style>
+          <a:lnRef idx="1">
+            <a:schemeClr val="accent1"/>
+          </a:lnRef>
+          <a:fillRef idx="0">
+            <a:schemeClr val="accent1"/>
+          </a:fillRef>
+          <a:effectRef idx="0">
+            <a:schemeClr val="accent1"/>
+          </a:effectRef>
+          <a:fontRef idx="minor">
+            <a:schemeClr val="tx1"/>
+          </a:fontRef>
+        </p:style>
+      </p:cxnSp>
+      <p:sp>
+        <p:nvSpPr>
+          <p:cNvPr id="23" name="TextBox 22"/>
+          <p:cNvSpPr txBox="1"/>
+          <p:nvPr/>
+        </p:nvSpPr>
+        <p:spPr>
+          <a:xfrm>
+            <a:off x="990600" y="2590800"/>
+            <a:ext cx="1143000" cy="261610"/>
+          </a:xfrm>
+          <a:prstGeom prst="rect">
+            <a:avLst/>
+          </a:prstGeom>
+          <a:solidFill>
+            <a:schemeClr val="bg1"/>
+          </a:solidFill>
+        </p:spPr>
+        <p:txBody>
+          <a:bodyPr wrap="square" rtlCol="0">
+            <a:spAutoFit/>
+          </a:bodyPr>
+          <a:lstStyle/>
+          <a:p>
+            <a:pPr algn="ctr"/>
+            <a:r>
+              <a:rPr lang="en-US" sz="1100" b="1" dirty="0"/>
+              <a:t>m</a:t>
+            </a:r>
+            <a:r>
+              <a:rPr lang="en-US" sz="1100" b="1" dirty="0" smtClean="0"/>
+              <a:t>easure</a:t>
+            </a:r>
+            <a:endParaRPr lang="en-US" sz="1100" b="1" dirty="0"/>
+          </a:p>
+        </p:txBody>
+      </p:sp>
+      <p:cxnSp>
+        <p:nvCxnSpPr>
+          <p:cNvPr id="26" name="Straight Arrow Connector 25"/>
+          <p:cNvCxnSpPr>
+            <a:stCxn id="6" idx="3"/>
+            <a:endCxn id="14" idx="1"/>
+          </p:cNvCxnSpPr>
+          <p:nvPr/>
+        </p:nvCxnSpPr>
+        <p:spPr>
+          <a:xfrm flipV="1">
+            <a:off x="2286000" y="2286000"/>
+            <a:ext cx="2438400" cy="1079770"/>
+          </a:xfrm>
+          <a:prstGeom prst="straightConnector1">
+            <a:avLst/>
+          </a:prstGeom>
+          <a:ln w="28575">
+            <a:solidFill>
+              <a:schemeClr val="tx1"/>
+            </a:solidFill>
+            <a:tailEnd type="arrow"/>
+          </a:ln>
+        </p:spPr>
+        <p:style>
+          <a:lnRef idx="1">
+            <a:schemeClr val="accent1"/>
+          </a:lnRef>
+          <a:fillRef idx="0">
+            <a:schemeClr val="accent1"/>
+          </a:fillRef>
+          <a:effectRef idx="0">
+            <a:schemeClr val="accent1"/>
+          </a:effectRef>
+          <a:fontRef idx="minor">
+            <a:schemeClr val="tx1"/>
+          </a:fontRef>
+        </p:style>
+      </p:cxnSp>
+      <p:cxnSp>
+        <p:nvCxnSpPr>
+          <p:cNvPr id="30" name="Straight Arrow Connector 29"/>
+          <p:cNvCxnSpPr>
+            <a:stCxn id="6" idx="3"/>
+            <a:endCxn id="15" idx="1"/>
+          </p:cNvCxnSpPr>
+          <p:nvPr/>
+        </p:nvCxnSpPr>
+        <p:spPr>
+          <a:xfrm>
+            <a:off x="2286000" y="3365770"/>
+            <a:ext cx="2446506" cy="798664"/>
+          </a:xfrm>
+          <a:prstGeom prst="straightConnector1">
+            <a:avLst/>
+          </a:prstGeom>
+          <a:ln w="28575">
+            <a:solidFill>
+              <a:schemeClr val="tx1"/>
+            </a:solidFill>
+            <a:tailEnd type="arrow"/>
+          </a:ln>
+        </p:spPr>
+        <p:style>
+          <a:lnRef idx="1">
+            <a:schemeClr val="accent1"/>
+          </a:lnRef>
+          <a:fillRef idx="0">
+            <a:schemeClr val="accent1"/>
+          </a:fillRef>
+          <a:effectRef idx="0">
+            <a:schemeClr val="accent1"/>
+          </a:effectRef>
+          <a:fontRef idx="minor">
+            <a:schemeClr val="tx1"/>
+          </a:fontRef>
+        </p:style>
+      </p:cxnSp>
+      <p:sp>
+        <p:nvSpPr>
+          <p:cNvPr id="32" name="TextBox 31"/>
+          <p:cNvSpPr txBox="1"/>
+          <p:nvPr/>
+        </p:nvSpPr>
+        <p:spPr>
+          <a:xfrm>
+            <a:off x="3124200" y="2559185"/>
+            <a:ext cx="1676400" cy="261610"/>
+          </a:xfrm>
+          <a:prstGeom prst="rect">
+            <a:avLst/>
+          </a:prstGeom>
+          <a:solidFill>
+            <a:schemeClr val="bg1"/>
+          </a:solidFill>
+        </p:spPr>
+        <p:txBody>
+          <a:bodyPr wrap="square" rtlCol="0">
+            <a:spAutoFit/>
+          </a:bodyPr>
+          <a:lstStyle/>
+          <a:p>
+            <a:pPr algn="ctr"/>
+            <a:r>
+              <a:rPr lang="en-US" sz="1100" b="1" dirty="0" smtClean="0"/>
+              <a:t>supportingOrganization</a:t>
+            </a:r>
+            <a:endParaRPr lang="en-US" sz="1100" b="1" dirty="0"/>
+          </a:p>
+        </p:txBody>
+      </p:sp>
+      <p:sp>
+        <p:nvSpPr>
+          <p:cNvPr id="34" name="TextBox 33"/>
+          <p:cNvSpPr txBox="1"/>
+          <p:nvPr/>
+        </p:nvSpPr>
+        <p:spPr>
+          <a:xfrm>
+            <a:off x="721063" y="3944273"/>
+            <a:ext cx="1638300" cy="261610"/>
+          </a:xfrm>
+          <a:prstGeom prst="rect">
+            <a:avLst/>
+          </a:prstGeom>
+          <a:solidFill>
+            <a:schemeClr val="bg1"/>
+          </a:solidFill>
+        </p:spPr>
+        <p:txBody>
+          <a:bodyPr wrap="square" rtlCol="0">
+            <a:spAutoFit/>
+          </a:bodyPr>
+          <a:lstStyle/>
+          <a:p>
+            <a:pPr algn="ctr"/>
+            <a:r>
+              <a:rPr lang="en-US" sz="1100" b="1" dirty="0" smtClean="0"/>
+              <a:t>evaluatedResources</a:t>
+            </a:r>
+            <a:endParaRPr lang="en-US" sz="1100" b="1" dirty="0"/>
+          </a:p>
+        </p:txBody>
+      </p:sp>
+      <p:sp>
+        <p:nvSpPr>
+          <p:cNvPr id="35" name="TextBox 34"/>
+          <p:cNvSpPr txBox="1"/>
+          <p:nvPr/>
+        </p:nvSpPr>
+        <p:spPr>
+          <a:xfrm>
+            <a:off x="2729822" y="3588794"/>
+            <a:ext cx="1143000" cy="261610"/>
+          </a:xfrm>
+          <a:prstGeom prst="rect">
+            <a:avLst/>
+          </a:prstGeom>
+          <a:solidFill>
+            <a:schemeClr val="bg1"/>
+          </a:solidFill>
+        </p:spPr>
+        <p:txBody>
+          <a:bodyPr wrap="square" rtlCol="0">
+            <a:spAutoFit/>
+          </a:bodyPr>
+          <a:lstStyle/>
+          <a:p>
+            <a:pPr algn="ctr"/>
+            <a:r>
+              <a:rPr lang="en-US" sz="1100" b="1" dirty="0"/>
+              <a:t>p</a:t>
+            </a:r>
+            <a:r>
+              <a:rPr lang="en-US" sz="1100" b="1" dirty="0" smtClean="0"/>
+              <a:t>atient</a:t>
+            </a:r>
+            <a:endParaRPr lang="en-US" sz="1100" b="1" dirty="0"/>
+          </a:p>
+        </p:txBody>
+      </p:sp>
+      <p:cxnSp>
+        <p:nvCxnSpPr>
+          <p:cNvPr id="40" name="Straight Arrow Connector 39"/>
+          <p:cNvCxnSpPr>
+            <a:stCxn id="10" idx="3"/>
+            <a:endCxn id="15" idx="1"/>
+          </p:cNvCxnSpPr>
+          <p:nvPr/>
+        </p:nvCxnSpPr>
+        <p:spPr>
+          <a:xfrm flipV="1">
+            <a:off x="2286000" y="4164434"/>
+            <a:ext cx="2446506" cy="712366"/>
+          </a:xfrm>
+          <a:prstGeom prst="straightConnector1">
+            <a:avLst/>
+          </a:prstGeom>
+          <a:ln w="28575">
+            <a:solidFill>
+              <a:schemeClr val="tx1"/>
+            </a:solidFill>
+            <a:tailEnd type="arrow"/>
+          </a:ln>
+        </p:spPr>
+        <p:style>
+          <a:lnRef idx="1">
+            <a:schemeClr val="accent1"/>
+          </a:lnRef>
+          <a:fillRef idx="0">
+            <a:schemeClr val="accent1"/>
+          </a:fillRef>
+          <a:effectRef idx="0">
+            <a:schemeClr val="accent1"/>
+          </a:effectRef>
+          <a:fontRef idx="minor">
+            <a:schemeClr val="tx1"/>
+          </a:fontRef>
+        </p:style>
+      </p:cxnSp>
+      <p:sp>
+        <p:nvSpPr>
+          <p:cNvPr id="38" name="TextBox 37"/>
+          <p:cNvSpPr txBox="1"/>
+          <p:nvPr/>
+        </p:nvSpPr>
+        <p:spPr>
+          <a:xfrm>
+            <a:off x="3191887" y="4338429"/>
+            <a:ext cx="1143000" cy="261610"/>
+          </a:xfrm>
+          <a:prstGeom prst="rect">
+            <a:avLst/>
+          </a:prstGeom>
+          <a:solidFill>
+            <a:schemeClr val="bg1"/>
+          </a:solidFill>
+        </p:spPr>
+        <p:txBody>
+          <a:bodyPr wrap="square" rtlCol="0">
+            <a:spAutoFit/>
+          </a:bodyPr>
+          <a:lstStyle/>
+          <a:p>
+            <a:pPr algn="ctr"/>
+            <a:r>
+              <a:rPr lang="en-US" sz="1100" b="1" dirty="0" smtClean="0"/>
+              <a:t>subject</a:t>
+            </a:r>
+            <a:endParaRPr lang="en-US" sz="1100" b="1" dirty="0"/>
+          </a:p>
+        </p:txBody>
+      </p:sp>
+      <p:sp>
+        <p:nvSpPr>
+          <p:cNvPr id="41" name="TextBox 40"/>
+          <p:cNvSpPr txBox="1"/>
+          <p:nvPr/>
+        </p:nvSpPr>
+        <p:spPr>
+          <a:xfrm>
+            <a:off x="457200" y="6293636"/>
+            <a:ext cx="4953000" cy="369332"/>
+          </a:xfrm>
+          <a:prstGeom prst="rect">
+            <a:avLst/>
+          </a:prstGeom>
+          <a:noFill/>
+        </p:spPr>
+        <p:txBody>
+          <a:bodyPr wrap="square" rtlCol="0">
+            <a:spAutoFit/>
+          </a:bodyPr>
+          <a:lstStyle/>
+          <a:p>
+            <a:r>
+              <a:rPr lang="en-US" dirty="0" smtClean="0"/>
+              <a:t>Used for Flexible Sigmoidoscopy and Colonoscopy</a:t>
+            </a:r>
+            <a:endParaRPr lang="en-US" dirty="0"/>
+          </a:p>
+        </p:txBody>
+      </p:sp>
+      <p:sp>
+        <p:nvSpPr>
+          <p:cNvPr id="20" name="Flowchart: Alternate Process 19"/>
+          <p:cNvSpPr/>
+          <p:nvPr/>
+        </p:nvSpPr>
+        <p:spPr>
+          <a:xfrm>
+            <a:off x="5257800" y="5791200"/>
+            <a:ext cx="1524000" cy="609600"/>
+          </a:xfrm>
+          <a:prstGeom prst="flowChartAlternateProcess">
+            <a:avLst/>
+          </a:prstGeom>
+          <a:ln w="12700">
+            <a:solidFill>
+              <a:schemeClr val="tx2"/>
+            </a:solidFill>
+          </a:ln>
+        </p:spPr>
+        <p:style>
+          <a:lnRef idx="2">
+            <a:schemeClr val="accent1">
+              <a:shade val="50000"/>
+            </a:schemeClr>
+          </a:lnRef>
+          <a:fillRef idx="1">
+            <a:schemeClr val="accent1"/>
+          </a:fillRef>
+          <a:effectRef idx="0">
+            <a:schemeClr val="accent1"/>
+          </a:effectRef>
+          <a:fontRef idx="minor">
+            <a:schemeClr val="lt1"/>
+          </a:fontRef>
+        </p:style>
+        <p:txBody>
+          <a:bodyPr rtlCol="0" anchor="ctr"/>
+          <a:lstStyle/>
+          <a:p>
+            <a:pPr algn="ctr"/>
+            <a:r>
+              <a:rPr lang="en-US" sz="1400" dirty="0" smtClean="0">
+                <a:solidFill>
+                  <a:schemeClr val="bg1"/>
+                </a:solidFill>
+              </a:rPr>
+              <a:t>Practitioner</a:t>
+            </a:r>
+            <a:endParaRPr lang="en-US" sz="1400" dirty="0">
+              <a:solidFill>
+                <a:schemeClr val="bg1"/>
+              </a:solidFill>
+            </a:endParaRPr>
+          </a:p>
+        </p:txBody>
+      </p:sp>
+      <p:sp>
+        <p:nvSpPr>
+          <p:cNvPr id="21" name="Flowchart: Alternate Process 20"/>
+          <p:cNvSpPr/>
+          <p:nvPr/>
+        </p:nvSpPr>
+        <p:spPr>
+          <a:xfrm>
+            <a:off x="4753583" y="4725978"/>
+            <a:ext cx="1524000" cy="609600"/>
+          </a:xfrm>
+          <a:prstGeom prst="flowChartAlternateProcess">
+            <a:avLst/>
+          </a:prstGeom>
+          <a:ln w="12700">
+            <a:solidFill>
+              <a:schemeClr val="tx2"/>
+            </a:solidFill>
+          </a:ln>
+        </p:spPr>
+        <p:style>
+          <a:lnRef idx="2">
+            <a:schemeClr val="accent1">
+              <a:shade val="50000"/>
+            </a:schemeClr>
+          </a:lnRef>
+          <a:fillRef idx="1">
+            <a:schemeClr val="accent1"/>
+          </a:fillRef>
+          <a:effectRef idx="0">
+            <a:schemeClr val="accent1"/>
+          </a:effectRef>
+          <a:fontRef idx="minor">
+            <a:schemeClr val="lt1"/>
+          </a:fontRef>
+        </p:style>
+        <p:txBody>
+          <a:bodyPr rtlCol="0" anchor="ctr"/>
+          <a:lstStyle/>
+          <a:p>
+            <a:pPr algn="ctr"/>
+            <a:r>
+              <a:rPr lang="en-US" sz="1400" dirty="0" smtClean="0">
+                <a:solidFill>
+                  <a:schemeClr val="bg1"/>
+                </a:solidFill>
+              </a:rPr>
+              <a:t>Encounter</a:t>
+            </a:r>
+            <a:endParaRPr lang="en-US" sz="1400" dirty="0">
+              <a:solidFill>
+                <a:schemeClr val="bg1"/>
+              </a:solidFill>
+            </a:endParaRPr>
+          </a:p>
+        </p:txBody>
+      </p:sp>
+      <p:cxnSp>
+        <p:nvCxnSpPr>
+          <p:cNvPr id="7" name="Straight Arrow Connector 6"/>
+          <p:cNvCxnSpPr>
+            <a:stCxn id="10" idx="3"/>
+            <a:endCxn id="21" idx="1"/>
+          </p:cNvCxnSpPr>
+          <p:nvPr/>
+        </p:nvCxnSpPr>
+        <p:spPr>
+          <a:xfrm>
+            <a:off x="2286000" y="4876800"/>
+            <a:ext cx="2467583" cy="153978"/>
+          </a:xfrm>
+          <a:prstGeom prst="straightConnector1">
+            <a:avLst/>
+          </a:prstGeom>
+          <a:ln w="28575">
+            <a:solidFill>
+              <a:schemeClr val="tx1"/>
+            </a:solidFill>
+            <a:prstDash val="dash"/>
+            <a:tailEnd type="arrow"/>
+          </a:ln>
+        </p:spPr>
+        <p:style>
+          <a:lnRef idx="1">
+            <a:schemeClr val="accent1"/>
+          </a:lnRef>
+          <a:fillRef idx="0">
+            <a:schemeClr val="accent1"/>
+          </a:fillRef>
+          <a:effectRef idx="0">
+            <a:schemeClr val="accent1"/>
+          </a:effectRef>
+          <a:fontRef idx="minor">
+            <a:schemeClr val="tx1"/>
+          </a:fontRef>
+        </p:style>
+      </p:cxnSp>
+      <p:cxnSp>
+        <p:nvCxnSpPr>
+          <p:cNvPr id="9" name="Straight Arrow Connector 8"/>
+          <p:cNvCxnSpPr>
+            <a:stCxn id="10" idx="3"/>
+            <a:endCxn id="20" idx="1"/>
+          </p:cNvCxnSpPr>
+          <p:nvPr/>
+        </p:nvCxnSpPr>
+        <p:spPr>
+          <a:xfrm>
+            <a:off x="2286000" y="4876800"/>
+            <a:ext cx="2971800" cy="1219200"/>
+          </a:xfrm>
+          <a:prstGeom prst="straightConnector1">
+            <a:avLst/>
+          </a:prstGeom>
+          <a:ln w="28575">
+            <a:solidFill>
+              <a:schemeClr val="tx1"/>
+            </a:solidFill>
+            <a:prstDash val="dash"/>
+            <a:tailEnd type="arrow"/>
+          </a:ln>
+        </p:spPr>
+        <p:style>
+          <a:lnRef idx="1">
+            <a:schemeClr val="accent1"/>
+          </a:lnRef>
+          <a:fillRef idx="0">
+            <a:schemeClr val="accent1"/>
+          </a:fillRef>
+          <a:effectRef idx="0">
+            <a:schemeClr val="accent1"/>
+          </a:effectRef>
+          <a:fontRef idx="minor">
+            <a:schemeClr val="tx1"/>
+          </a:fontRef>
+        </p:style>
+      </p:cxnSp>
+      <p:sp>
+        <p:nvSpPr>
+          <p:cNvPr id="27" name="TextBox 26"/>
+          <p:cNvSpPr txBox="1"/>
+          <p:nvPr/>
+        </p:nvSpPr>
+        <p:spPr>
+          <a:xfrm>
+            <a:off x="3124200" y="5410200"/>
+            <a:ext cx="1238249" cy="261610"/>
+          </a:xfrm>
+          <a:prstGeom prst="rect">
+            <a:avLst/>
+          </a:prstGeom>
+          <a:solidFill>
+            <a:schemeClr val="bg1"/>
+          </a:solidFill>
+        </p:spPr>
+        <p:txBody>
+          <a:bodyPr wrap="square" rtlCol="0">
+            <a:spAutoFit/>
+          </a:bodyPr>
+          <a:lstStyle/>
+          <a:p>
+            <a:pPr algn="ctr"/>
+            <a:r>
+              <a:rPr lang="en-US" sz="1100" b="1" dirty="0"/>
+              <a:t>p</a:t>
+            </a:r>
+            <a:r>
+              <a:rPr lang="en-US" sz="1100" b="1" dirty="0" smtClean="0"/>
+              <a:t>erformer&gt;actor</a:t>
+            </a:r>
+            <a:endParaRPr lang="en-US" sz="1100" b="1" dirty="0"/>
+          </a:p>
+        </p:txBody>
+      </p:sp>
+      <p:sp>
+        <p:nvSpPr>
+          <p:cNvPr id="28" name="TextBox 27"/>
+          <p:cNvSpPr txBox="1"/>
+          <p:nvPr/>
+        </p:nvSpPr>
+        <p:spPr>
+          <a:xfrm>
+            <a:off x="2835609" y="4815333"/>
+            <a:ext cx="1499278" cy="430887"/>
+          </a:xfrm>
+          <a:prstGeom prst="rect">
+            <a:avLst/>
+          </a:prstGeom>
+          <a:solidFill>
+            <a:schemeClr val="bg1"/>
+          </a:solidFill>
+        </p:spPr>
+        <p:txBody>
+          <a:bodyPr wrap="square" rtlCol="0">
+            <a:spAutoFit/>
+          </a:bodyPr>
+          <a:lstStyle/>
+          <a:p>
+            <a:pPr algn="ctr"/>
+            <a:r>
+              <a:rPr lang="en-US" sz="1100" b="1" dirty="0" err="1" smtClean="0"/>
+              <a:t>diagnosticReport-locationPerformed</a:t>
+            </a:r>
+            <a:endParaRPr lang="en-US" sz="1100" b="1" dirty="0"/>
+          </a:p>
+        </p:txBody>
+      </p:sp>
+      <p:sp>
+        <p:nvSpPr>
+          <p:cNvPr id="48" name="Flowchart: Alternate Process 47"/>
+          <p:cNvSpPr/>
+          <p:nvPr/>
+        </p:nvSpPr>
+        <p:spPr>
+          <a:xfrm>
+            <a:off x="7543800" y="3334673"/>
+            <a:ext cx="1524000" cy="609600"/>
+          </a:xfrm>
+          <a:prstGeom prst="flowChartAlternateProcess">
+            <a:avLst/>
+          </a:prstGeom>
+          <a:ln w="12700">
+            <a:solidFill>
+              <a:schemeClr val="tx2"/>
+            </a:solidFill>
+          </a:ln>
+        </p:spPr>
+        <p:style>
+          <a:lnRef idx="2">
+            <a:schemeClr val="accent1">
+              <a:shade val="50000"/>
+            </a:schemeClr>
+          </a:lnRef>
+          <a:fillRef idx="1">
+            <a:schemeClr val="accent1"/>
+          </a:fillRef>
+          <a:effectRef idx="0">
+            <a:schemeClr val="accent1"/>
+          </a:effectRef>
+          <a:fontRef idx="minor">
+            <a:schemeClr val="lt1"/>
+          </a:fontRef>
+        </p:style>
+        <p:txBody>
+          <a:bodyPr rtlCol="0" anchor="ctr"/>
+          <a:lstStyle/>
+          <a:p>
+            <a:pPr algn="ctr"/>
+            <a:r>
+              <a:rPr lang="en-US" sz="1400" dirty="0" smtClean="0">
+                <a:solidFill>
+                  <a:schemeClr val="bg1"/>
+                </a:solidFill>
+              </a:rPr>
+              <a:t>Coverage</a:t>
+            </a:r>
+            <a:endParaRPr lang="en-US" sz="1400" dirty="0">
+              <a:solidFill>
+                <a:schemeClr val="bg1"/>
+              </a:solidFill>
+            </a:endParaRPr>
+          </a:p>
+        </p:txBody>
+      </p:sp>
+      <p:cxnSp>
+        <p:nvCxnSpPr>
+          <p:cNvPr id="50" name="Straight Arrow Connector 49"/>
+          <p:cNvCxnSpPr>
+            <a:stCxn id="48" idx="1"/>
+            <a:endCxn id="15" idx="3"/>
+          </p:cNvCxnSpPr>
+          <p:nvPr/>
+        </p:nvCxnSpPr>
+        <p:spPr>
+          <a:xfrm flipH="1">
+            <a:off x="6256506" y="3639473"/>
+            <a:ext cx="1287294" cy="524961"/>
+          </a:xfrm>
+          <a:prstGeom prst="straightConnector1">
+            <a:avLst/>
+          </a:prstGeom>
+          <a:ln w="28575">
+            <a:solidFill>
+              <a:schemeClr val="tx1"/>
+            </a:solidFill>
+            <a:prstDash val="dash"/>
+            <a:tailEnd type="arrow"/>
+          </a:ln>
+        </p:spPr>
+        <p:style>
+          <a:lnRef idx="1">
+            <a:schemeClr val="accent1"/>
+          </a:lnRef>
+          <a:fillRef idx="0">
+            <a:schemeClr val="accent1"/>
+          </a:fillRef>
+          <a:effectRef idx="0">
+            <a:schemeClr val="accent1"/>
+          </a:effectRef>
+          <a:fontRef idx="minor">
+            <a:schemeClr val="tx1"/>
+          </a:fontRef>
+        </p:style>
+      </p:cxnSp>
+      <p:sp>
+        <p:nvSpPr>
+          <p:cNvPr id="51" name="TextBox 50"/>
+          <p:cNvSpPr txBox="1"/>
+          <p:nvPr/>
+        </p:nvSpPr>
+        <p:spPr>
+          <a:xfrm>
+            <a:off x="6484495" y="3752025"/>
+            <a:ext cx="901837" cy="261610"/>
+          </a:xfrm>
+          <a:prstGeom prst="rect">
+            <a:avLst/>
+          </a:prstGeom>
+          <a:solidFill>
+            <a:schemeClr val="bg1"/>
+          </a:solidFill>
+        </p:spPr>
+        <p:txBody>
+          <a:bodyPr wrap="square" rtlCol="0">
+            <a:spAutoFit/>
+          </a:bodyPr>
+          <a:lstStyle/>
+          <a:p>
+            <a:pPr algn="ctr"/>
+            <a:r>
+              <a:rPr lang="en-US" sz="1100" b="1" dirty="0" smtClean="0"/>
+              <a:t>beneficiary</a:t>
+            </a:r>
+            <a:endParaRPr lang="en-US" sz="1100" b="1" dirty="0"/>
+          </a:p>
+        </p:txBody>
+      </p:sp>
+      <p:sp>
+        <p:nvSpPr>
+          <p:cNvPr id="33" name="Flowchart: Alternate Process 32"/>
+          <p:cNvSpPr/>
+          <p:nvPr/>
+        </p:nvSpPr>
+        <p:spPr>
+          <a:xfrm>
+            <a:off x="2362200" y="5697006"/>
+            <a:ext cx="1524000" cy="609600"/>
+          </a:xfrm>
+          <a:prstGeom prst="flowChartAlternateProcess">
+            <a:avLst/>
+          </a:prstGeom>
+          <a:ln w="12700">
+            <a:solidFill>
+              <a:schemeClr val="tx2"/>
+            </a:solidFill>
+          </a:ln>
+        </p:spPr>
+        <p:style>
+          <a:lnRef idx="2">
+            <a:schemeClr val="accent1">
+              <a:shade val="50000"/>
+            </a:schemeClr>
+          </a:lnRef>
+          <a:fillRef idx="1">
+            <a:schemeClr val="accent1"/>
+          </a:fillRef>
+          <a:effectRef idx="0">
+            <a:schemeClr val="accent1"/>
+          </a:effectRef>
+          <a:fontRef idx="minor">
+            <a:schemeClr val="lt1"/>
+          </a:fontRef>
+        </p:style>
+        <p:txBody>
+          <a:bodyPr rtlCol="0" anchor="ctr"/>
+          <a:lstStyle/>
+          <a:p>
+            <a:pPr algn="ctr"/>
+            <a:r>
+              <a:rPr lang="en-US" sz="1400" dirty="0" smtClean="0">
+                <a:solidFill>
+                  <a:schemeClr val="bg1"/>
+                </a:solidFill>
+              </a:rPr>
+              <a:t>Observation</a:t>
+            </a:r>
+            <a:endParaRPr lang="en-US" sz="1400" dirty="0">
+              <a:solidFill>
+                <a:schemeClr val="bg1"/>
+              </a:solidFill>
+            </a:endParaRPr>
+          </a:p>
+        </p:txBody>
+      </p:sp>
+      <p:cxnSp>
+        <p:nvCxnSpPr>
+          <p:cNvPr id="11" name="Straight Arrow Connector 10"/>
+          <p:cNvCxnSpPr>
+            <a:stCxn id="10" idx="2"/>
+            <a:endCxn id="33" idx="0"/>
+          </p:cNvCxnSpPr>
+          <p:nvPr/>
+        </p:nvCxnSpPr>
+        <p:spPr>
+          <a:xfrm>
+            <a:off x="1524000" y="5181600"/>
+            <a:ext cx="1600200" cy="515406"/>
+          </a:xfrm>
+          <a:prstGeom prst="straightConnector1">
+            <a:avLst/>
+          </a:prstGeom>
+          <a:ln w="19050">
+            <a:solidFill>
+              <a:schemeClr val="tx1"/>
+            </a:solidFill>
+            <a:prstDash val="dash"/>
+            <a:tailEnd type="arrow"/>
+          </a:ln>
+        </p:spPr>
+        <p:style>
+          <a:lnRef idx="1">
+            <a:schemeClr val="accent1"/>
+          </a:lnRef>
+          <a:fillRef idx="0">
+            <a:schemeClr val="accent1"/>
+          </a:fillRef>
+          <a:effectRef idx="0">
+            <a:schemeClr val="accent1"/>
+          </a:effectRef>
+          <a:fontRef idx="minor">
+            <a:schemeClr val="tx1"/>
+          </a:fontRef>
+        </p:style>
+      </p:cxnSp>
+      <p:sp>
+        <p:nvSpPr>
+          <p:cNvPr id="42" name="TextBox 41"/>
+          <p:cNvSpPr txBox="1"/>
+          <p:nvPr/>
+        </p:nvSpPr>
+        <p:spPr>
+          <a:xfrm>
+            <a:off x="1724025" y="5355595"/>
+            <a:ext cx="1238249" cy="261610"/>
+          </a:xfrm>
+          <a:prstGeom prst="rect">
+            <a:avLst/>
+          </a:prstGeom>
+          <a:solidFill>
+            <a:schemeClr val="bg1"/>
+          </a:solidFill>
+        </p:spPr>
+        <p:txBody>
+          <a:bodyPr wrap="square" rtlCol="0">
+            <a:spAutoFit/>
+          </a:bodyPr>
+          <a:lstStyle/>
+          <a:p>
+            <a:pPr algn="ctr"/>
+            <a:r>
+              <a:rPr lang="en-US" sz="1100" b="1" dirty="0" smtClean="0"/>
+              <a:t>report</a:t>
+            </a:r>
+            <a:endParaRPr lang="en-US" sz="1100" b="1" dirty="0"/>
+          </a:p>
+        </p:txBody>
+      </p:sp>
+    </p:spTree>
+    <p:extLst>
+      <p:ext uri="{BB962C8B-B14F-4D97-AF65-F5344CB8AC3E}">
+        <p14:creationId xmlns:p14="http://schemas.microsoft.com/office/powerpoint/2010/main" val="437957880"/>
+      </p:ext>
+    </p:extLst>
+  </p:cSld>
+  <p:clrMapOvr>
+    <a:masterClrMapping/>
+  </p:clrMapOvr>
+</p:sld>
+</file>
+
+<file path=ppt/slides/slide8.xml><?xml version="1.0" encoding="utf-8"?>
+<p:sld xmlns:a="http://schemas.openxmlformats.org/drawingml/2006/main" xmlns:r="http://schemas.openxmlformats.org/officeDocument/2006/relationships" xmlns:p="http://schemas.openxmlformats.org/presentationml/2006/main">
+  <p:cSld>
+    <p:spTree>
+      <p:nvGrpSpPr>
+        <p:cNvPr id="1" name=""/>
+        <p:cNvGrpSpPr/>
+        <p:nvPr/>
+      </p:nvGrpSpPr>
+      <p:grpSpPr>
+        <a:xfrm>
+          <a:off x="0" y="0"/>
+          <a:ext cx="0" cy="0"/>
+          <a:chOff x="0" y="0"/>
+          <a:chExt cx="0" cy="0"/>
+        </a:xfrm>
+      </p:grpSpPr>
+      <p:sp>
+        <p:nvSpPr>
+          <p:cNvPr id="2" name="Title 1"/>
+          <p:cNvSpPr>
+            <a:spLocks noGrp="1"/>
+          </p:cNvSpPr>
+          <p:nvPr>
+            <p:ph type="title"/>
+          </p:nvPr>
+        </p:nvSpPr>
+        <p:spPr/>
+        <p:txBody>
+          <a:bodyPr>
+            <a:normAutofit fontScale="90000"/>
+          </a:bodyPr>
+          <a:lstStyle/>
+          <a:p>
+            <a:pPr algn="l"/>
+            <a:r>
+              <a:rPr lang="en-US" dirty="0" smtClean="0"/>
+              <a:t>Option 3</a:t>
+            </a:r>
+            <a:br>
+              <a:rPr lang="en-US" dirty="0" smtClean="0"/>
+            </a:br>
+            <a:r>
+              <a:rPr lang="en-US" dirty="0" smtClean="0"/>
+              <a:t>MeasureReport using Procedure</a:t>
+            </a:r>
+            <a:endParaRPr lang="en-US" dirty="0"/>
+          </a:p>
+        </p:txBody>
+      </p:sp>
+      <p:sp>
+        <p:nvSpPr>
+          <p:cNvPr id="3" name="Content Placeholder 2"/>
+          <p:cNvSpPr>
+            <a:spLocks noGrp="1"/>
+          </p:cNvSpPr>
+          <p:nvPr>
+            <p:ph idx="1"/>
+          </p:nvPr>
+        </p:nvSpPr>
+        <p:spPr/>
+        <p:txBody>
+          <a:bodyPr>
+            <a:normAutofit fontScale="92500" lnSpcReduction="20000"/>
+          </a:bodyPr>
+          <a:lstStyle/>
+          <a:p>
+            <a:pPr marL="0" indent="0">
+              <a:buNone/>
+            </a:pPr>
+            <a:r>
+              <a:rPr lang="en-US" dirty="0" smtClean="0"/>
+              <a:t>There are often times exclusions in a screening measure.  An exclusion is something that removes the requirement for a screening measure.</a:t>
+            </a:r>
+            <a:endParaRPr lang="en-US" dirty="0"/>
+          </a:p>
+          <a:p>
+            <a:pPr marL="0" indent="0">
+              <a:buNone/>
+            </a:pPr>
+            <a:r>
+              <a:rPr lang="en-US" dirty="0" smtClean="0"/>
+              <a:t>In Option 3, we show an example of where a certain procedure removes the requirement for Colorectal Cancer Screening.  As with the other options, the measure defines the </a:t>
+            </a:r>
+            <a:r>
+              <a:rPr lang="en-US" dirty="0" err="1" smtClean="0"/>
+              <a:t>valueset</a:t>
+            </a:r>
+            <a:r>
+              <a:rPr lang="en-US" dirty="0" smtClean="0"/>
+              <a:t>/codes that constitute a qualifying procedure</a:t>
+            </a:r>
+          </a:p>
+          <a:p>
+            <a:pPr marL="0" indent="0">
+              <a:buNone/>
+            </a:pPr>
+            <a:r>
+              <a:rPr lang="en-US" dirty="0" smtClean="0"/>
+              <a:t>The following diagram shows how you would use a DEQM Individual MeasureReport and associated resources to report a procedure</a:t>
+            </a:r>
+            <a:endParaRPr lang="en-US" dirty="0"/>
+          </a:p>
+        </p:txBody>
+      </p:sp>
+    </p:spTree>
+    <p:extLst>
+      <p:ext uri="{BB962C8B-B14F-4D97-AF65-F5344CB8AC3E}">
+        <p14:creationId xmlns:p14="http://schemas.microsoft.com/office/powerpoint/2010/main" val="2981240969"/>
+      </p:ext>
+    </p:extLst>
+  </p:cSld>
+  <p:clrMapOvr>
+    <a:masterClrMapping/>
+  </p:clrMapOvr>
+</p:sld>
+</file>
+
+<file path=ppt/slides/slide9.xml><?xml version="1.0" encoding="utf-8"?>
+<p:sld xmlns:a="http://schemas.openxmlformats.org/drawingml/2006/main" xmlns:r="http://schemas.openxmlformats.org/officeDocument/2006/relationships" xmlns:p="http://schemas.openxmlformats.org/presentationml/2006/main">
+  <p:cSld>
+    <p:spTree>
+      <p:nvGrpSpPr>
+        <p:cNvPr id="1" name=""/>
+        <p:cNvGrpSpPr/>
+        <p:nvPr/>
+      </p:nvGrpSpPr>
+      <p:grpSpPr>
+        <a:xfrm>
+          <a:off x="0" y="0"/>
+          <a:ext cx="0" cy="0"/>
+          <a:chOff x="0" y="0"/>
+          <a:chExt cx="0" cy="0"/>
+        </a:xfrm>
+      </p:grpSpPr>
+      <p:sp>
+        <p:nvSpPr>
+          <p:cNvPr id="2" name="Title 1"/>
+          <p:cNvSpPr>
+            <a:spLocks noGrp="1"/>
+          </p:cNvSpPr>
+          <p:nvPr>
+            <p:ph type="title"/>
+          </p:nvPr>
+        </p:nvSpPr>
+        <p:spPr/>
+        <p:txBody>
+          <a:bodyPr>
+            <a:normAutofit/>
+          </a:bodyPr>
+          <a:lstStyle/>
+          <a:p>
+            <a:pPr algn="l"/>
+            <a:r>
+              <a:rPr lang="en-US" dirty="0" smtClean="0"/>
+              <a:t>MeasureReport using Procedure</a:t>
+            </a:r>
+            <a:endParaRPr lang="en-US" dirty="0"/>
+          </a:p>
+        </p:txBody>
+      </p:sp>
+      <p:sp>
+        <p:nvSpPr>
+          <p:cNvPr id="3" name="Content Placeholder 2"/>
+          <p:cNvSpPr>
+            <a:spLocks noGrp="1"/>
+          </p:cNvSpPr>
+          <p:nvPr>
+            <p:ph idx="1"/>
+          </p:nvPr>
+        </p:nvSpPr>
+        <p:spPr/>
+        <p:txBody>
+          <a:bodyPr/>
+          <a:lstStyle/>
+          <a:p>
+            <a:pPr marL="0" indent="0">
+              <a:buNone/>
+            </a:pPr>
+            <a:r>
+              <a:rPr lang="en-US" dirty="0" smtClean="0"/>
+              <a:t>  </a:t>
+            </a:r>
+            <a:endParaRPr lang="en-US" dirty="0"/>
+          </a:p>
+        </p:txBody>
+      </p:sp>
+      <p:sp>
+        <p:nvSpPr>
+          <p:cNvPr id="4" name="Flowchart: Alternate Process 3"/>
+          <p:cNvSpPr/>
+          <p:nvPr/>
+        </p:nvSpPr>
+        <p:spPr>
+          <a:xfrm>
+            <a:off x="762000" y="1447800"/>
+            <a:ext cx="1524000" cy="609600"/>
+          </a:xfrm>
+          <a:prstGeom prst="flowChartAlternateProcess">
+            <a:avLst/>
+          </a:prstGeom>
+          <a:ln w="12700">
+            <a:solidFill>
+              <a:schemeClr val="tx2"/>
+            </a:solidFill>
+          </a:ln>
+        </p:spPr>
+        <p:style>
+          <a:lnRef idx="2">
+            <a:schemeClr val="accent1">
+              <a:shade val="50000"/>
+            </a:schemeClr>
+          </a:lnRef>
+          <a:fillRef idx="1">
+            <a:schemeClr val="accent1"/>
+          </a:fillRef>
+          <a:effectRef idx="0">
+            <a:schemeClr val="accent1"/>
+          </a:effectRef>
+          <a:fontRef idx="minor">
+            <a:schemeClr val="lt1"/>
+          </a:fontRef>
+        </p:style>
+        <p:txBody>
+          <a:bodyPr rtlCol="0" anchor="ctr"/>
+          <a:lstStyle/>
+          <a:p>
+            <a:pPr algn="ctr"/>
+            <a:r>
+              <a:rPr lang="en-US" sz="1400" dirty="0" smtClean="0">
+                <a:solidFill>
+                  <a:schemeClr val="bg1"/>
+                </a:solidFill>
+              </a:rPr>
+              <a:t>Measure</a:t>
+            </a:r>
+            <a:endParaRPr lang="en-US" sz="1400" dirty="0">
+              <a:solidFill>
+                <a:schemeClr val="bg1"/>
+              </a:solidFill>
+            </a:endParaRPr>
+          </a:p>
+        </p:txBody>
+      </p:sp>
+      <p:sp>
+        <p:nvSpPr>
+          <p:cNvPr id="6" name="Flowchart: Alternate Process 5"/>
+          <p:cNvSpPr/>
+          <p:nvPr/>
+        </p:nvSpPr>
+        <p:spPr>
+          <a:xfrm>
+            <a:off x="762000" y="3060970"/>
+            <a:ext cx="1524000" cy="609600"/>
+          </a:xfrm>
+          <a:prstGeom prst="flowChartAlternateProcess">
+            <a:avLst/>
+          </a:prstGeom>
+          <a:ln w="12700">
+            <a:solidFill>
+              <a:schemeClr val="tx2"/>
+            </a:solidFill>
+          </a:ln>
+        </p:spPr>
+        <p:style>
+          <a:lnRef idx="2">
+            <a:schemeClr val="accent1">
+              <a:shade val="50000"/>
+            </a:schemeClr>
+          </a:lnRef>
+          <a:fillRef idx="1">
+            <a:schemeClr val="accent1"/>
+          </a:fillRef>
+          <a:effectRef idx="0">
+            <a:schemeClr val="accent1"/>
+          </a:effectRef>
+          <a:fontRef idx="minor">
+            <a:schemeClr val="lt1"/>
+          </a:fontRef>
+        </p:style>
+        <p:txBody>
+          <a:bodyPr rtlCol="0" anchor="ctr"/>
+          <a:lstStyle/>
+          <a:p>
+            <a:pPr algn="ctr"/>
+            <a:r>
+              <a:rPr lang="en-US" sz="1400" dirty="0" smtClean="0">
+                <a:solidFill>
+                  <a:schemeClr val="bg1"/>
+                </a:solidFill>
+              </a:rPr>
+              <a:t>MeasureReport</a:t>
+            </a:r>
+            <a:endParaRPr lang="en-US" sz="1400" dirty="0">
+              <a:solidFill>
+                <a:schemeClr val="bg1"/>
+              </a:solidFill>
+            </a:endParaRPr>
+          </a:p>
+        </p:txBody>
+      </p:sp>
+      <p:sp>
+        <p:nvSpPr>
+          <p:cNvPr id="10" name="Flowchart: Alternate Process 9"/>
+          <p:cNvSpPr/>
+          <p:nvPr/>
+        </p:nvSpPr>
+        <p:spPr>
+          <a:xfrm>
+            <a:off x="726332" y="4516338"/>
+            <a:ext cx="1524000" cy="609600"/>
+          </a:xfrm>
+          <a:prstGeom prst="flowChartAlternateProcess">
+            <a:avLst/>
+          </a:prstGeom>
+          <a:ln w="12700">
+            <a:solidFill>
+              <a:schemeClr val="tx2"/>
+            </a:solidFill>
+          </a:ln>
+        </p:spPr>
+        <p:style>
+          <a:lnRef idx="2">
+            <a:schemeClr val="accent1">
+              <a:shade val="50000"/>
+            </a:schemeClr>
+          </a:lnRef>
+          <a:fillRef idx="1">
+            <a:schemeClr val="accent1"/>
+          </a:fillRef>
+          <a:effectRef idx="0">
+            <a:schemeClr val="accent1"/>
+          </a:effectRef>
+          <a:fontRef idx="minor">
+            <a:schemeClr val="lt1"/>
+          </a:fontRef>
+        </p:style>
+        <p:txBody>
+          <a:bodyPr rtlCol="0" anchor="ctr"/>
+          <a:lstStyle/>
+          <a:p>
+            <a:pPr algn="ctr"/>
+            <a:r>
+              <a:rPr lang="en-US" sz="1400" dirty="0" smtClean="0">
+                <a:solidFill>
+                  <a:schemeClr val="bg1"/>
+                </a:solidFill>
+              </a:rPr>
+              <a:t>Procedure</a:t>
+            </a:r>
+            <a:endParaRPr lang="en-US" sz="1400" dirty="0">
+              <a:solidFill>
+                <a:schemeClr val="bg1"/>
+              </a:solidFill>
+            </a:endParaRPr>
+          </a:p>
+        </p:txBody>
+      </p:sp>
+      <p:sp>
+        <p:nvSpPr>
+          <p:cNvPr id="14" name="Flowchart: Alternate Process 13"/>
+          <p:cNvSpPr/>
+          <p:nvPr/>
+        </p:nvSpPr>
+        <p:spPr>
+          <a:xfrm>
+            <a:off x="4724400" y="1981200"/>
+            <a:ext cx="1524000" cy="609600"/>
+          </a:xfrm>
+          <a:prstGeom prst="flowChartAlternateProcess">
+            <a:avLst/>
+          </a:prstGeom>
+          <a:ln w="12700">
+            <a:solidFill>
+              <a:schemeClr val="tx2"/>
+            </a:solidFill>
+          </a:ln>
+        </p:spPr>
+        <p:style>
+          <a:lnRef idx="2">
+            <a:schemeClr val="accent1">
+              <a:shade val="50000"/>
+            </a:schemeClr>
+          </a:lnRef>
+          <a:fillRef idx="1">
+            <a:schemeClr val="accent1"/>
+          </a:fillRef>
+          <a:effectRef idx="0">
+            <a:schemeClr val="accent1"/>
+          </a:effectRef>
+          <a:fontRef idx="minor">
+            <a:schemeClr val="lt1"/>
+          </a:fontRef>
+        </p:style>
+        <p:txBody>
+          <a:bodyPr rtlCol="0" anchor="ctr"/>
+          <a:lstStyle/>
+          <a:p>
+            <a:pPr algn="ctr"/>
+            <a:r>
+              <a:rPr lang="en-US" sz="1400" dirty="0" smtClean="0">
+                <a:solidFill>
+                  <a:schemeClr val="bg1"/>
+                </a:solidFill>
+              </a:rPr>
+              <a:t>Organization</a:t>
+            </a:r>
+            <a:endParaRPr lang="en-US" sz="1400" dirty="0">
+              <a:solidFill>
+                <a:schemeClr val="bg1"/>
+              </a:solidFill>
+            </a:endParaRPr>
+          </a:p>
+        </p:txBody>
+      </p:sp>
+      <p:sp>
+        <p:nvSpPr>
+          <p:cNvPr id="15" name="Flowchart: Alternate Process 14"/>
+          <p:cNvSpPr/>
+          <p:nvPr/>
+        </p:nvSpPr>
+        <p:spPr>
+          <a:xfrm>
+            <a:off x="4732506" y="3859634"/>
+            <a:ext cx="1524000" cy="609600"/>
+          </a:xfrm>
+          <a:prstGeom prst="flowChartAlternateProcess">
+            <a:avLst/>
+          </a:prstGeom>
+          <a:ln w="12700">
+            <a:solidFill>
+              <a:schemeClr val="tx2"/>
+            </a:solidFill>
+          </a:ln>
+        </p:spPr>
+        <p:style>
+          <a:lnRef idx="2">
+            <a:schemeClr val="accent1">
+              <a:shade val="50000"/>
+            </a:schemeClr>
+          </a:lnRef>
+          <a:fillRef idx="1">
+            <a:schemeClr val="accent1"/>
+          </a:fillRef>
+          <a:effectRef idx="0">
+            <a:schemeClr val="accent1"/>
+          </a:effectRef>
+          <a:fontRef idx="minor">
+            <a:schemeClr val="lt1"/>
+          </a:fontRef>
+        </p:style>
+        <p:txBody>
+          <a:bodyPr rtlCol="0" anchor="ctr"/>
+          <a:lstStyle/>
+          <a:p>
+            <a:pPr algn="ctr"/>
+            <a:r>
+              <a:rPr lang="en-US" sz="1400" dirty="0" smtClean="0">
+                <a:solidFill>
+                  <a:schemeClr val="bg1"/>
+                </a:solidFill>
+              </a:rPr>
+              <a:t>Patient</a:t>
+            </a:r>
+            <a:endParaRPr lang="en-US" sz="1400" dirty="0">
+              <a:solidFill>
+                <a:schemeClr val="bg1"/>
+              </a:solidFill>
+            </a:endParaRPr>
+          </a:p>
+        </p:txBody>
+      </p:sp>
+      <p:cxnSp>
+        <p:nvCxnSpPr>
+          <p:cNvPr id="17" name="Straight Arrow Connector 16"/>
+          <p:cNvCxnSpPr>
+            <a:stCxn id="6" idx="0"/>
+            <a:endCxn id="4" idx="2"/>
+          </p:cNvCxnSpPr>
+          <p:nvPr/>
+        </p:nvCxnSpPr>
+        <p:spPr>
+          <a:xfrm flipV="1">
+            <a:off x="1524000" y="2057400"/>
+            <a:ext cx="0" cy="1003570"/>
+          </a:xfrm>
+          <a:prstGeom prst="straightConnector1">
+            <a:avLst/>
+          </a:prstGeom>
+          <a:ln w="28575">
+            <a:solidFill>
+              <a:schemeClr val="tx1"/>
+            </a:solidFill>
+            <a:tailEnd type="arrow"/>
+          </a:ln>
+        </p:spPr>
+        <p:style>
+          <a:lnRef idx="1">
+            <a:schemeClr val="accent1"/>
+          </a:lnRef>
+          <a:fillRef idx="0">
+            <a:schemeClr val="accent1"/>
+          </a:fillRef>
+          <a:effectRef idx="0">
+            <a:schemeClr val="accent1"/>
+          </a:effectRef>
+          <a:fontRef idx="minor">
+            <a:schemeClr val="tx1"/>
+          </a:fontRef>
+        </p:style>
+      </p:cxnSp>
+      <p:cxnSp>
+        <p:nvCxnSpPr>
+          <p:cNvPr id="19" name="Straight Arrow Connector 18"/>
+          <p:cNvCxnSpPr/>
+          <p:nvPr/>
+        </p:nvCxnSpPr>
+        <p:spPr>
+          <a:xfrm>
+            <a:off x="1540213" y="3578157"/>
+            <a:ext cx="0" cy="993843"/>
+          </a:xfrm>
+          <a:prstGeom prst="straightConnector1">
+            <a:avLst/>
+          </a:prstGeom>
+          <a:ln w="28575">
+            <a:solidFill>
+              <a:schemeClr val="tx1"/>
+            </a:solidFill>
+            <a:tailEnd type="arrow"/>
+          </a:ln>
+        </p:spPr>
+        <p:style>
+          <a:lnRef idx="1">
+            <a:schemeClr val="accent1"/>
+          </a:lnRef>
+          <a:fillRef idx="0">
+            <a:schemeClr val="accent1"/>
+          </a:fillRef>
+          <a:effectRef idx="0">
+            <a:schemeClr val="accent1"/>
+          </a:effectRef>
+          <a:fontRef idx="minor">
+            <a:schemeClr val="tx1"/>
+          </a:fontRef>
+        </p:style>
+      </p:cxnSp>
+      <p:sp>
+        <p:nvSpPr>
+          <p:cNvPr id="23" name="TextBox 22"/>
+          <p:cNvSpPr txBox="1"/>
+          <p:nvPr/>
+        </p:nvSpPr>
+        <p:spPr>
+          <a:xfrm>
+            <a:off x="990600" y="2590800"/>
+            <a:ext cx="1143000" cy="261610"/>
+          </a:xfrm>
+          <a:prstGeom prst="rect">
+            <a:avLst/>
+          </a:prstGeom>
+          <a:solidFill>
+            <a:schemeClr val="bg1"/>
+          </a:solidFill>
+        </p:spPr>
+        <p:txBody>
+          <a:bodyPr wrap="square" rtlCol="0">
+            <a:spAutoFit/>
+          </a:bodyPr>
+          <a:lstStyle/>
+          <a:p>
+            <a:pPr algn="ctr"/>
+            <a:r>
+              <a:rPr lang="en-US" sz="1100" b="1" dirty="0"/>
+              <a:t>m</a:t>
+            </a:r>
+            <a:r>
+              <a:rPr lang="en-US" sz="1100" b="1" dirty="0" smtClean="0"/>
+              <a:t>easure</a:t>
+            </a:r>
+            <a:endParaRPr lang="en-US" sz="1100" b="1" dirty="0"/>
+          </a:p>
+        </p:txBody>
+      </p:sp>
+      <p:cxnSp>
+        <p:nvCxnSpPr>
+          <p:cNvPr id="26" name="Straight Arrow Connector 25"/>
+          <p:cNvCxnSpPr>
+            <a:stCxn id="6" idx="3"/>
+            <a:endCxn id="14" idx="1"/>
+          </p:cNvCxnSpPr>
+          <p:nvPr/>
+        </p:nvCxnSpPr>
+        <p:spPr>
+          <a:xfrm flipV="1">
+            <a:off x="2286000" y="2286000"/>
+            <a:ext cx="2438400" cy="1079770"/>
+          </a:xfrm>
+          <a:prstGeom prst="straightConnector1">
+            <a:avLst/>
+          </a:prstGeom>
+          <a:ln w="28575">
+            <a:solidFill>
+              <a:schemeClr val="tx1"/>
+            </a:solidFill>
+            <a:tailEnd type="arrow"/>
+          </a:ln>
+        </p:spPr>
+        <p:style>
+          <a:lnRef idx="1">
+            <a:schemeClr val="accent1"/>
+          </a:lnRef>
+          <a:fillRef idx="0">
+            <a:schemeClr val="accent1"/>
+          </a:fillRef>
+          <a:effectRef idx="0">
+            <a:schemeClr val="accent1"/>
+          </a:effectRef>
+          <a:fontRef idx="minor">
+            <a:schemeClr val="tx1"/>
+          </a:fontRef>
+        </p:style>
+      </p:cxnSp>
+      <p:cxnSp>
+        <p:nvCxnSpPr>
+          <p:cNvPr id="30" name="Straight Arrow Connector 29"/>
+          <p:cNvCxnSpPr>
+            <a:stCxn id="6" idx="3"/>
+            <a:endCxn id="15" idx="1"/>
+          </p:cNvCxnSpPr>
+          <p:nvPr/>
+        </p:nvCxnSpPr>
+        <p:spPr>
+          <a:xfrm>
+            <a:off x="2286000" y="3365770"/>
+            <a:ext cx="2446506" cy="798664"/>
+          </a:xfrm>
+          <a:prstGeom prst="straightConnector1">
+            <a:avLst/>
+          </a:prstGeom>
+          <a:ln w="28575">
+            <a:solidFill>
+              <a:schemeClr val="tx1"/>
+            </a:solidFill>
+            <a:tailEnd type="arrow"/>
+          </a:ln>
+        </p:spPr>
+        <p:style>
+          <a:lnRef idx="1">
+            <a:schemeClr val="accent1"/>
+          </a:lnRef>
+          <a:fillRef idx="0">
+            <a:schemeClr val="accent1"/>
+          </a:fillRef>
+          <a:effectRef idx="0">
+            <a:schemeClr val="accent1"/>
+          </a:effectRef>
+          <a:fontRef idx="minor">
+            <a:schemeClr val="tx1"/>
+          </a:fontRef>
+        </p:style>
+      </p:cxnSp>
+      <p:sp>
+        <p:nvSpPr>
+          <p:cNvPr id="32" name="TextBox 31"/>
+          <p:cNvSpPr txBox="1"/>
+          <p:nvPr/>
+        </p:nvSpPr>
+        <p:spPr>
+          <a:xfrm>
+            <a:off x="3124200" y="2559185"/>
+            <a:ext cx="1676400" cy="261610"/>
+          </a:xfrm>
+          <a:prstGeom prst="rect">
+            <a:avLst/>
+          </a:prstGeom>
+          <a:solidFill>
+            <a:schemeClr val="bg1"/>
+          </a:solidFill>
+        </p:spPr>
+        <p:txBody>
+          <a:bodyPr wrap="square" rtlCol="0">
+            <a:spAutoFit/>
+          </a:bodyPr>
+          <a:lstStyle/>
+          <a:p>
+            <a:pPr algn="ctr"/>
+            <a:r>
+              <a:rPr lang="en-US" sz="1100" b="1" dirty="0" smtClean="0"/>
+              <a:t>supportingOrganization</a:t>
+            </a:r>
+            <a:endParaRPr lang="en-US" sz="1100" b="1" dirty="0"/>
+          </a:p>
+        </p:txBody>
+      </p:sp>
+      <p:sp>
+        <p:nvSpPr>
+          <p:cNvPr id="34" name="TextBox 33"/>
+          <p:cNvSpPr txBox="1"/>
+          <p:nvPr/>
+        </p:nvSpPr>
+        <p:spPr>
+          <a:xfrm>
+            <a:off x="721063" y="3944273"/>
+            <a:ext cx="1638300" cy="261610"/>
+          </a:xfrm>
+          <a:prstGeom prst="rect">
+            <a:avLst/>
+          </a:prstGeom>
+          <a:solidFill>
+            <a:schemeClr val="bg1"/>
+          </a:solidFill>
+        </p:spPr>
+        <p:txBody>
+          <a:bodyPr wrap="square" rtlCol="0">
+            <a:spAutoFit/>
+          </a:bodyPr>
+          <a:lstStyle/>
+          <a:p>
+            <a:pPr algn="ctr"/>
+            <a:r>
+              <a:rPr lang="en-US" sz="1100" b="1" dirty="0" smtClean="0"/>
+              <a:t>evaluatedResources</a:t>
+            </a:r>
+            <a:endParaRPr lang="en-US" sz="1100" b="1" dirty="0"/>
+          </a:p>
+        </p:txBody>
+      </p:sp>
+      <p:sp>
+        <p:nvSpPr>
+          <p:cNvPr id="35" name="TextBox 34"/>
+          <p:cNvSpPr txBox="1"/>
+          <p:nvPr/>
+        </p:nvSpPr>
+        <p:spPr>
+          <a:xfrm>
+            <a:off x="2729822" y="3588794"/>
+            <a:ext cx="1143000" cy="261610"/>
+          </a:xfrm>
+          <a:prstGeom prst="rect">
+            <a:avLst/>
+          </a:prstGeom>
+          <a:solidFill>
+            <a:schemeClr val="bg1"/>
+          </a:solidFill>
+        </p:spPr>
+        <p:txBody>
+          <a:bodyPr wrap="square" rtlCol="0">
+            <a:spAutoFit/>
+          </a:bodyPr>
+          <a:lstStyle/>
+          <a:p>
+            <a:pPr algn="ctr"/>
+            <a:r>
+              <a:rPr lang="en-US" sz="1100" b="1" dirty="0"/>
+              <a:t>p</a:t>
+            </a:r>
+            <a:r>
+              <a:rPr lang="en-US" sz="1100" b="1" dirty="0" smtClean="0"/>
+              <a:t>atient</a:t>
+            </a:r>
+            <a:endParaRPr lang="en-US" sz="1100" b="1" dirty="0"/>
+          </a:p>
+        </p:txBody>
+      </p:sp>
+      <p:cxnSp>
+        <p:nvCxnSpPr>
+          <p:cNvPr id="40" name="Straight Arrow Connector 39"/>
+          <p:cNvCxnSpPr>
+            <a:stCxn id="10" idx="3"/>
+            <a:endCxn id="15" idx="1"/>
+          </p:cNvCxnSpPr>
+          <p:nvPr/>
+        </p:nvCxnSpPr>
+        <p:spPr>
+          <a:xfrm flipV="1">
+            <a:off x="2250332" y="4164434"/>
+            <a:ext cx="2482174" cy="656704"/>
+          </a:xfrm>
+          <a:prstGeom prst="straightConnector1">
+            <a:avLst/>
+          </a:prstGeom>
+          <a:ln w="28575">
+            <a:solidFill>
+              <a:schemeClr val="tx1"/>
+            </a:solidFill>
+            <a:tailEnd type="arrow"/>
+          </a:ln>
+        </p:spPr>
+        <p:style>
+          <a:lnRef idx="1">
+            <a:schemeClr val="accent1"/>
+          </a:lnRef>
+          <a:fillRef idx="0">
+            <a:schemeClr val="accent1"/>
+          </a:fillRef>
+          <a:effectRef idx="0">
+            <a:schemeClr val="accent1"/>
+          </a:effectRef>
+          <a:fontRef idx="minor">
+            <a:schemeClr val="tx1"/>
+          </a:fontRef>
+        </p:style>
+      </p:cxnSp>
+      <p:sp>
+        <p:nvSpPr>
+          <p:cNvPr id="38" name="TextBox 37"/>
+          <p:cNvSpPr txBox="1"/>
+          <p:nvPr/>
+        </p:nvSpPr>
+        <p:spPr>
+          <a:xfrm>
+            <a:off x="3191887" y="4338429"/>
+            <a:ext cx="1143000" cy="261610"/>
+          </a:xfrm>
+          <a:prstGeom prst="rect">
+            <a:avLst/>
+          </a:prstGeom>
+          <a:solidFill>
+            <a:schemeClr val="bg1"/>
+          </a:solidFill>
+        </p:spPr>
+        <p:txBody>
+          <a:bodyPr wrap="square" rtlCol="0">
+            <a:spAutoFit/>
+          </a:bodyPr>
+          <a:lstStyle/>
+          <a:p>
+            <a:pPr algn="ctr"/>
+            <a:r>
+              <a:rPr lang="en-US" sz="1100" b="1" dirty="0" smtClean="0"/>
+              <a:t>subject</a:t>
+            </a:r>
+            <a:endParaRPr lang="en-US" sz="1100" b="1" dirty="0"/>
+          </a:p>
+        </p:txBody>
+      </p:sp>
+      <p:sp>
+        <p:nvSpPr>
+          <p:cNvPr id="41" name="TextBox 40"/>
+          <p:cNvSpPr txBox="1"/>
+          <p:nvPr/>
+        </p:nvSpPr>
+        <p:spPr>
+          <a:xfrm>
+            <a:off x="457199" y="6293636"/>
+            <a:ext cx="8305801" cy="369332"/>
+          </a:xfrm>
+          <a:prstGeom prst="rect">
+            <a:avLst/>
+          </a:prstGeom>
+          <a:noFill/>
+        </p:spPr>
+        <p:txBody>
+          <a:bodyPr wrap="square" rtlCol="0">
+            <a:spAutoFit/>
+          </a:bodyPr>
+          <a:lstStyle/>
+          <a:p>
+            <a:r>
+              <a:rPr lang="en-US" dirty="0" smtClean="0"/>
+              <a:t>Used for Total Colectomy which is an exclusion for the Colorectal Cancer Screening</a:t>
+            </a:r>
+            <a:endParaRPr lang="en-US" dirty="0"/>
+          </a:p>
+        </p:txBody>
+      </p:sp>
+      <p:sp>
+        <p:nvSpPr>
+          <p:cNvPr id="20" name="Flowchart: Alternate Process 19"/>
+          <p:cNvSpPr/>
+          <p:nvPr/>
+        </p:nvSpPr>
+        <p:spPr>
+          <a:xfrm>
+            <a:off x="4732506" y="5604301"/>
+            <a:ext cx="1524000" cy="609600"/>
+          </a:xfrm>
+          <a:prstGeom prst="flowChartAlternateProcess">
+            <a:avLst/>
+          </a:prstGeom>
+          <a:ln w="12700">
+            <a:solidFill>
+              <a:schemeClr val="tx2"/>
+            </a:solidFill>
+          </a:ln>
+        </p:spPr>
+        <p:style>
+          <a:lnRef idx="2">
+            <a:schemeClr val="accent1">
+              <a:shade val="50000"/>
+            </a:schemeClr>
+          </a:lnRef>
+          <a:fillRef idx="1">
+            <a:schemeClr val="accent1"/>
+          </a:fillRef>
+          <a:effectRef idx="0">
+            <a:schemeClr val="accent1"/>
+          </a:effectRef>
+          <a:fontRef idx="minor">
+            <a:schemeClr val="lt1"/>
+          </a:fontRef>
+        </p:style>
+        <p:txBody>
+          <a:bodyPr rtlCol="0" anchor="ctr"/>
+          <a:lstStyle/>
+          <a:p>
+            <a:pPr algn="ctr"/>
+            <a:r>
+              <a:rPr lang="en-US" sz="1400" dirty="0" smtClean="0">
+                <a:solidFill>
+                  <a:schemeClr val="bg1"/>
+                </a:solidFill>
+              </a:rPr>
+              <a:t>Practitioner</a:t>
+            </a:r>
+            <a:endParaRPr lang="en-US" sz="1400" dirty="0">
+              <a:solidFill>
+                <a:schemeClr val="bg1"/>
+              </a:solidFill>
+            </a:endParaRPr>
+          </a:p>
+        </p:txBody>
+      </p:sp>
+      <p:sp>
+        <p:nvSpPr>
+          <p:cNvPr id="21" name="Flowchart: Alternate Process 20"/>
+          <p:cNvSpPr/>
+          <p:nvPr/>
+        </p:nvSpPr>
+        <p:spPr>
+          <a:xfrm>
+            <a:off x="4753583" y="4725978"/>
+            <a:ext cx="1524000" cy="609600"/>
+          </a:xfrm>
+          <a:prstGeom prst="flowChartAlternateProcess">
+            <a:avLst/>
+          </a:prstGeom>
+          <a:ln w="12700">
+            <a:solidFill>
+              <a:schemeClr val="tx2"/>
+            </a:solidFill>
+          </a:ln>
+        </p:spPr>
+        <p:style>
+          <a:lnRef idx="2">
+            <a:schemeClr val="accent1">
+              <a:shade val="50000"/>
+            </a:schemeClr>
+          </a:lnRef>
+          <a:fillRef idx="1">
+            <a:schemeClr val="accent1"/>
+          </a:fillRef>
+          <a:effectRef idx="0">
+            <a:schemeClr val="accent1"/>
+          </a:effectRef>
+          <a:fontRef idx="minor">
+            <a:schemeClr val="lt1"/>
+          </a:fontRef>
+        </p:style>
+        <p:txBody>
+          <a:bodyPr rtlCol="0" anchor="ctr"/>
+          <a:lstStyle/>
+          <a:p>
+            <a:pPr algn="ctr"/>
+            <a:r>
+              <a:rPr lang="en-US" sz="1400" dirty="0" smtClean="0">
+                <a:solidFill>
+                  <a:schemeClr val="bg1"/>
+                </a:solidFill>
+              </a:rPr>
+              <a:t>Encounter</a:t>
+            </a:r>
+            <a:endParaRPr lang="en-US" sz="1400" dirty="0">
+              <a:solidFill>
+                <a:schemeClr val="bg1"/>
+              </a:solidFill>
+            </a:endParaRPr>
+          </a:p>
+        </p:txBody>
+      </p:sp>
+      <p:cxnSp>
+        <p:nvCxnSpPr>
+          <p:cNvPr id="7" name="Straight Arrow Connector 6"/>
+          <p:cNvCxnSpPr>
+            <a:stCxn id="10" idx="3"/>
+            <a:endCxn id="21" idx="1"/>
+          </p:cNvCxnSpPr>
+          <p:nvPr/>
+        </p:nvCxnSpPr>
+        <p:spPr>
+          <a:xfrm>
+            <a:off x="2250332" y="4821138"/>
+            <a:ext cx="2503251" cy="209640"/>
+          </a:xfrm>
+          <a:prstGeom prst="straightConnector1">
+            <a:avLst/>
+          </a:prstGeom>
+          <a:ln w="28575">
+            <a:solidFill>
+              <a:schemeClr val="tx1"/>
+            </a:solidFill>
+            <a:prstDash val="dash"/>
+            <a:tailEnd type="arrow"/>
+          </a:ln>
+        </p:spPr>
+        <p:style>
+          <a:lnRef idx="1">
+            <a:schemeClr val="accent1"/>
+          </a:lnRef>
+          <a:fillRef idx="0">
+            <a:schemeClr val="accent1"/>
+          </a:fillRef>
+          <a:effectRef idx="0">
+            <a:schemeClr val="accent1"/>
+          </a:effectRef>
+          <a:fontRef idx="minor">
+            <a:schemeClr val="tx1"/>
+          </a:fontRef>
+        </p:style>
+      </p:cxnSp>
+      <p:cxnSp>
+        <p:nvCxnSpPr>
+          <p:cNvPr id="9" name="Straight Arrow Connector 8"/>
+          <p:cNvCxnSpPr>
+            <a:stCxn id="10" idx="3"/>
+            <a:endCxn id="20" idx="1"/>
+          </p:cNvCxnSpPr>
+          <p:nvPr/>
+        </p:nvCxnSpPr>
+        <p:spPr>
+          <a:xfrm>
+            <a:off x="2250332" y="4821138"/>
+            <a:ext cx="2482174" cy="1087963"/>
+          </a:xfrm>
+          <a:prstGeom prst="straightConnector1">
+            <a:avLst/>
+          </a:prstGeom>
+          <a:ln w="28575">
+            <a:solidFill>
+              <a:schemeClr val="tx1"/>
+            </a:solidFill>
+            <a:prstDash val="dash"/>
+            <a:tailEnd type="arrow"/>
+          </a:ln>
+        </p:spPr>
+        <p:style>
+          <a:lnRef idx="1">
+            <a:schemeClr val="accent1"/>
+          </a:lnRef>
+          <a:fillRef idx="0">
+            <a:schemeClr val="accent1"/>
+          </a:fillRef>
+          <a:effectRef idx="0">
+            <a:schemeClr val="accent1"/>
+          </a:effectRef>
+          <a:fontRef idx="minor">
+            <a:schemeClr val="tx1"/>
+          </a:fontRef>
+        </p:style>
+      </p:cxnSp>
+      <p:sp>
+        <p:nvSpPr>
+          <p:cNvPr id="27" name="TextBox 26"/>
+          <p:cNvSpPr txBox="1"/>
+          <p:nvPr/>
+        </p:nvSpPr>
+        <p:spPr>
+          <a:xfrm>
+            <a:off x="3048000" y="5410200"/>
+            <a:ext cx="1314449" cy="261610"/>
+          </a:xfrm>
+          <a:prstGeom prst="rect">
+            <a:avLst/>
+          </a:prstGeom>
+          <a:solidFill>
+            <a:schemeClr val="bg1"/>
+          </a:solidFill>
+        </p:spPr>
+        <p:txBody>
+          <a:bodyPr wrap="square" rtlCol="0">
+            <a:spAutoFit/>
+          </a:bodyPr>
+          <a:lstStyle/>
+          <a:p>
+            <a:pPr algn="ctr"/>
+            <a:r>
+              <a:rPr lang="en-US" sz="1100" b="1" dirty="0" smtClean="0"/>
+              <a:t>performer&gt;actor</a:t>
+            </a:r>
+            <a:endParaRPr lang="en-US" sz="1100" b="1" dirty="0"/>
+          </a:p>
+        </p:txBody>
+      </p:sp>
+      <p:sp>
+        <p:nvSpPr>
+          <p:cNvPr id="28" name="TextBox 27"/>
+          <p:cNvSpPr txBox="1"/>
+          <p:nvPr/>
+        </p:nvSpPr>
+        <p:spPr>
+          <a:xfrm>
+            <a:off x="3352799" y="4870315"/>
+            <a:ext cx="876301" cy="261610"/>
+          </a:xfrm>
+          <a:prstGeom prst="rect">
+            <a:avLst/>
+          </a:prstGeom>
+          <a:solidFill>
+            <a:schemeClr val="bg1"/>
+          </a:solidFill>
+        </p:spPr>
+        <p:txBody>
+          <a:bodyPr wrap="square" rtlCol="0">
+            <a:spAutoFit/>
+          </a:bodyPr>
+          <a:lstStyle/>
+          <a:p>
+            <a:pPr algn="ctr"/>
+            <a:r>
+              <a:rPr lang="en-US" sz="1100" b="1" dirty="0" smtClean="0"/>
+              <a:t>context</a:t>
+            </a:r>
+            <a:endParaRPr lang="en-US" sz="1100" b="1" dirty="0"/>
+          </a:p>
+        </p:txBody>
+      </p:sp>
+      <p:sp>
+        <p:nvSpPr>
+          <p:cNvPr id="29" name="Flowchart: Alternate Process 28"/>
+          <p:cNvSpPr/>
+          <p:nvPr/>
+        </p:nvSpPr>
+        <p:spPr>
+          <a:xfrm>
+            <a:off x="1967419" y="5684036"/>
+            <a:ext cx="1524000" cy="609600"/>
+          </a:xfrm>
+          <a:prstGeom prst="flowChartAlternateProcess">
+            <a:avLst/>
+          </a:prstGeom>
+          <a:ln w="12700">
+            <a:solidFill>
+              <a:schemeClr val="tx2"/>
+            </a:solidFill>
+          </a:ln>
+        </p:spPr>
+        <p:style>
+          <a:lnRef idx="2">
+            <a:schemeClr val="accent1">
+              <a:shade val="50000"/>
+            </a:schemeClr>
+          </a:lnRef>
+          <a:fillRef idx="1">
+            <a:schemeClr val="accent1"/>
+          </a:fillRef>
+          <a:effectRef idx="0">
+            <a:schemeClr val="accent1"/>
+          </a:effectRef>
+          <a:fontRef idx="minor">
+            <a:schemeClr val="lt1"/>
+          </a:fontRef>
+        </p:style>
+        <p:txBody>
+          <a:bodyPr rtlCol="0" anchor="ctr"/>
+          <a:lstStyle/>
+          <a:p>
+            <a:pPr algn="ctr"/>
+            <a:r>
+              <a:rPr lang="en-US" sz="1400" dirty="0" smtClean="0">
+                <a:solidFill>
+                  <a:schemeClr val="bg1"/>
+                </a:solidFill>
+              </a:rPr>
+              <a:t>Location</a:t>
+            </a:r>
+            <a:endParaRPr lang="en-US" sz="1400" dirty="0">
+              <a:solidFill>
+                <a:schemeClr val="bg1"/>
+              </a:solidFill>
+            </a:endParaRPr>
+          </a:p>
+        </p:txBody>
+      </p:sp>
+      <p:cxnSp>
+        <p:nvCxnSpPr>
+          <p:cNvPr id="16" name="Straight Arrow Connector 15"/>
+          <p:cNvCxnSpPr>
+            <a:stCxn id="10" idx="2"/>
+            <a:endCxn id="29" idx="0"/>
+          </p:cNvCxnSpPr>
+          <p:nvPr/>
+        </p:nvCxnSpPr>
+        <p:spPr>
+          <a:xfrm>
+            <a:off x="1488332" y="5125938"/>
+            <a:ext cx="1241087" cy="558098"/>
+          </a:xfrm>
+          <a:prstGeom prst="straightConnector1">
+            <a:avLst/>
+          </a:prstGeom>
+          <a:ln w="28575">
+            <a:solidFill>
+              <a:schemeClr val="tx1"/>
+            </a:solidFill>
+            <a:prstDash val="dash"/>
+            <a:tailEnd type="arrow"/>
+          </a:ln>
+        </p:spPr>
+        <p:style>
+          <a:lnRef idx="1">
+            <a:schemeClr val="accent1"/>
+          </a:lnRef>
+          <a:fillRef idx="0">
+            <a:schemeClr val="accent1"/>
+          </a:fillRef>
+          <a:effectRef idx="0">
+            <a:schemeClr val="accent1"/>
+          </a:effectRef>
+          <a:fontRef idx="minor">
+            <a:schemeClr val="tx1"/>
+          </a:fontRef>
+        </p:style>
+      </p:cxnSp>
+      <p:sp>
+        <p:nvSpPr>
+          <p:cNvPr id="48" name="Flowchart: Alternate Process 47"/>
+          <p:cNvSpPr/>
+          <p:nvPr/>
+        </p:nvSpPr>
+        <p:spPr>
+          <a:xfrm>
+            <a:off x="7543800" y="3334673"/>
+            <a:ext cx="1524000" cy="609600"/>
+          </a:xfrm>
+          <a:prstGeom prst="flowChartAlternateProcess">
+            <a:avLst/>
+          </a:prstGeom>
+          <a:ln w="12700">
+            <a:solidFill>
+              <a:schemeClr val="tx2"/>
+            </a:solidFill>
+          </a:ln>
+        </p:spPr>
+        <p:style>
+          <a:lnRef idx="2">
+            <a:schemeClr val="accent1">
+              <a:shade val="50000"/>
+            </a:schemeClr>
+          </a:lnRef>
+          <a:fillRef idx="1">
+            <a:schemeClr val="accent1"/>
+          </a:fillRef>
+          <a:effectRef idx="0">
+            <a:schemeClr val="accent1"/>
+          </a:effectRef>
+          <a:fontRef idx="minor">
+            <a:schemeClr val="lt1"/>
+          </a:fontRef>
+        </p:style>
+        <p:txBody>
+          <a:bodyPr rtlCol="0" anchor="ctr"/>
+          <a:lstStyle/>
+          <a:p>
+            <a:pPr algn="ctr"/>
+            <a:r>
+              <a:rPr lang="en-US" sz="1400" dirty="0" smtClean="0">
+                <a:solidFill>
+                  <a:schemeClr val="bg1"/>
+                </a:solidFill>
+              </a:rPr>
+              <a:t>Coverage</a:t>
+            </a:r>
+            <a:endParaRPr lang="en-US" sz="1400" dirty="0">
+              <a:solidFill>
+                <a:schemeClr val="bg1"/>
+              </a:solidFill>
+            </a:endParaRPr>
+          </a:p>
+        </p:txBody>
+      </p:sp>
+      <p:cxnSp>
+        <p:nvCxnSpPr>
+          <p:cNvPr id="50" name="Straight Arrow Connector 49"/>
+          <p:cNvCxnSpPr>
+            <a:stCxn id="48" idx="1"/>
+            <a:endCxn id="15" idx="3"/>
+          </p:cNvCxnSpPr>
+          <p:nvPr/>
+        </p:nvCxnSpPr>
+        <p:spPr>
+          <a:xfrm flipH="1">
+            <a:off x="6256506" y="3639473"/>
+            <a:ext cx="1287294" cy="524961"/>
+          </a:xfrm>
+          <a:prstGeom prst="straightConnector1">
+            <a:avLst/>
+          </a:prstGeom>
+          <a:ln w="28575">
+            <a:solidFill>
+              <a:schemeClr val="tx1"/>
+            </a:solidFill>
+            <a:prstDash val="dash"/>
+            <a:tailEnd type="arrow"/>
+          </a:ln>
+        </p:spPr>
+        <p:style>
+          <a:lnRef idx="1">
+            <a:schemeClr val="accent1"/>
+          </a:lnRef>
+          <a:fillRef idx="0">
+            <a:schemeClr val="accent1"/>
+          </a:fillRef>
+          <a:effectRef idx="0">
+            <a:schemeClr val="accent1"/>
+          </a:effectRef>
+          <a:fontRef idx="minor">
+            <a:schemeClr val="tx1"/>
+          </a:fontRef>
+        </p:style>
+      </p:cxnSp>
+      <p:sp>
+        <p:nvSpPr>
+          <p:cNvPr id="51" name="TextBox 50"/>
+          <p:cNvSpPr txBox="1"/>
+          <p:nvPr/>
+        </p:nvSpPr>
+        <p:spPr>
+          <a:xfrm>
+            <a:off x="6484495" y="3752025"/>
+            <a:ext cx="901837" cy="261610"/>
+          </a:xfrm>
+          <a:prstGeom prst="rect">
+            <a:avLst/>
+          </a:prstGeom>
+          <a:solidFill>
+            <a:schemeClr val="bg1"/>
+          </a:solidFill>
+        </p:spPr>
+        <p:txBody>
+          <a:bodyPr wrap="square" rtlCol="0">
+            <a:spAutoFit/>
+          </a:bodyPr>
+          <a:lstStyle/>
+          <a:p>
+            <a:pPr algn="ctr"/>
+            <a:r>
+              <a:rPr lang="en-US" sz="1100" b="1" dirty="0" smtClean="0"/>
+              <a:t>beneficiary</a:t>
+            </a:r>
+            <a:endParaRPr lang="en-US" sz="1100" b="1" dirty="0"/>
+          </a:p>
+        </p:txBody>
+      </p:sp>
+      <p:sp>
+        <p:nvSpPr>
+          <p:cNvPr id="36" name="TextBox 35"/>
+          <p:cNvSpPr txBox="1"/>
+          <p:nvPr/>
+        </p:nvSpPr>
+        <p:spPr>
+          <a:xfrm>
+            <a:off x="1735576" y="5274182"/>
+            <a:ext cx="796047" cy="261610"/>
+          </a:xfrm>
+          <a:prstGeom prst="rect">
+            <a:avLst/>
+          </a:prstGeom>
+          <a:solidFill>
+            <a:schemeClr val="bg1"/>
+          </a:solidFill>
+        </p:spPr>
+        <p:txBody>
+          <a:bodyPr wrap="square" rtlCol="0">
+            <a:spAutoFit/>
+          </a:bodyPr>
+          <a:lstStyle/>
+          <a:p>
+            <a:pPr algn="ctr"/>
+            <a:r>
+              <a:rPr lang="en-US" sz="1100" b="1" dirty="0" smtClean="0"/>
+              <a:t>location</a:t>
+            </a:r>
+          </a:p>
+        </p:txBody>
+      </p:sp>
+    </p:spTree>
+    <p:extLst>
+      <p:ext uri="{BB962C8B-B14F-4D97-AF65-F5344CB8AC3E}">
+        <p14:creationId xmlns:p14="http://schemas.microsoft.com/office/powerpoint/2010/main" val="3224418504"/>
       </p:ext>
     </p:extLst>
   </p:cSld>

--- a/source/pages/assets/images/source/DEQM Resource Diagram - COL.pptx
+++ b/source/pages/assets/images/source/DEQM Resource Diagram - COL.pptx
@@ -114,6 +114,22 @@
       </a:defRPr>
     </a:lvl9pPr>
   </p:defaultTextStyle>
+  <p:extLst>
+    <p:ext uri="{EFAFB233-063F-42B5-8137-9DF3F51BA10A}">
+      <p15:sldGuideLst xmlns:p15="http://schemas.microsoft.com/office/powerpoint/2012/main">
+        <p15:guide id="1" orient="horz" pos="2160">
+          <p15:clr>
+            <a:srgbClr val="A4A3A4"/>
+          </p15:clr>
+        </p15:guide>
+        <p15:guide id="2" pos="2880">
+          <p15:clr>
+            <a:srgbClr val="A4A3A4"/>
+          </p15:clr>
+        </p15:guide>
+      </p15:sldGuideLst>
+    </p:ext>
+  </p:extLst>
 </p:presentation>
 </file>
 
@@ -155,10 +171,9 @@
           <a:lstStyle/>
           <a:p>
             <a:r>
-              <a:rPr lang="en-US" smtClean="0"/>
+              <a:rPr lang="en-US"/>
               <a:t>Click to edit Master title style</a:t>
             </a:r>
-            <a:endParaRPr lang="en-US"/>
           </a:p>
         </p:txBody>
       </p:sp>
@@ -274,10 +289,9 @@
           </a:lstStyle>
           <a:p>
             <a:r>
-              <a:rPr lang="en-US" smtClean="0"/>
+              <a:rPr lang="en-US"/>
               <a:t>Click to edit Master subtitle style</a:t>
             </a:r>
-            <a:endParaRPr lang="en-US"/>
           </a:p>
         </p:txBody>
       </p:sp>
@@ -298,7 +312,7 @@
           <a:p>
             <a:fld id="{7D2F21E0-95B6-4C5C-A55D-C5056E4C25C4}" type="datetimeFigureOut">
               <a:rPr lang="en-US" smtClean="0"/>
-              <a:t>2/26/2019</a:t>
+              <a:t>5/17/19</a:t>
             </a:fld>
             <a:endParaRPr lang="en-US"/>
           </a:p>
@@ -392,10 +406,9 @@
           <a:lstStyle/>
           <a:p>
             <a:r>
-              <a:rPr lang="en-US" smtClean="0"/>
+              <a:rPr lang="en-US"/>
               <a:t>Click to edit Master title style</a:t>
             </a:r>
-            <a:endParaRPr lang="en-US"/>
           </a:p>
         </p:txBody>
       </p:sp>
@@ -416,38 +429,37 @@
           <a:p>
             <a:pPr lvl="0"/>
             <a:r>
-              <a:rPr lang="en-US" smtClean="0"/>
+              <a:rPr lang="en-US"/>
               <a:t>Click to edit Master text styles</a:t>
             </a:r>
           </a:p>
           <a:p>
             <a:pPr lvl="1"/>
             <a:r>
-              <a:rPr lang="en-US" smtClean="0"/>
+              <a:rPr lang="en-US"/>
               <a:t>Second level</a:t>
             </a:r>
           </a:p>
           <a:p>
             <a:pPr lvl="2"/>
             <a:r>
-              <a:rPr lang="en-US" smtClean="0"/>
+              <a:rPr lang="en-US"/>
               <a:t>Third level</a:t>
             </a:r>
           </a:p>
           <a:p>
             <a:pPr lvl="3"/>
             <a:r>
-              <a:rPr lang="en-US" smtClean="0"/>
+              <a:rPr lang="en-US"/>
               <a:t>Fourth level</a:t>
             </a:r>
           </a:p>
           <a:p>
             <a:pPr lvl="4"/>
             <a:r>
-              <a:rPr lang="en-US" smtClean="0"/>
+              <a:rPr lang="en-US"/>
               <a:t>Fifth level</a:t>
             </a:r>
-            <a:endParaRPr lang="en-US"/>
           </a:p>
         </p:txBody>
       </p:sp>
@@ -468,7 +480,7 @@
           <a:p>
             <a:fld id="{7D2F21E0-95B6-4C5C-A55D-C5056E4C25C4}" type="datetimeFigureOut">
               <a:rPr lang="en-US" smtClean="0"/>
-              <a:t>2/26/2019</a:t>
+              <a:t>5/17/19</a:t>
             </a:fld>
             <a:endParaRPr lang="en-US"/>
           </a:p>
@@ -567,10 +579,9 @@
           <a:lstStyle/>
           <a:p>
             <a:r>
-              <a:rPr lang="en-US" smtClean="0"/>
+              <a:rPr lang="en-US"/>
               <a:t>Click to edit Master title style</a:t>
             </a:r>
-            <a:endParaRPr lang="en-US"/>
           </a:p>
         </p:txBody>
       </p:sp>
@@ -596,38 +607,37 @@
           <a:p>
             <a:pPr lvl="0"/>
             <a:r>
-              <a:rPr lang="en-US" smtClean="0"/>
+              <a:rPr lang="en-US"/>
               <a:t>Click to edit Master text styles</a:t>
             </a:r>
           </a:p>
           <a:p>
             <a:pPr lvl="1"/>
             <a:r>
-              <a:rPr lang="en-US" smtClean="0"/>
+              <a:rPr lang="en-US"/>
               <a:t>Second level</a:t>
             </a:r>
           </a:p>
           <a:p>
             <a:pPr lvl="2"/>
             <a:r>
-              <a:rPr lang="en-US" smtClean="0"/>
+              <a:rPr lang="en-US"/>
               <a:t>Third level</a:t>
             </a:r>
           </a:p>
           <a:p>
             <a:pPr lvl="3"/>
             <a:r>
-              <a:rPr lang="en-US" smtClean="0"/>
+              <a:rPr lang="en-US"/>
               <a:t>Fourth level</a:t>
             </a:r>
           </a:p>
           <a:p>
             <a:pPr lvl="4"/>
             <a:r>
-              <a:rPr lang="en-US" smtClean="0"/>
+              <a:rPr lang="en-US"/>
               <a:t>Fifth level</a:t>
             </a:r>
-            <a:endParaRPr lang="en-US"/>
           </a:p>
         </p:txBody>
       </p:sp>
@@ -648,7 +658,7 @@
           <a:p>
             <a:fld id="{7D2F21E0-95B6-4C5C-A55D-C5056E4C25C4}" type="datetimeFigureOut">
               <a:rPr lang="en-US" smtClean="0"/>
-              <a:t>2/26/2019</a:t>
+              <a:t>5/17/19</a:t>
             </a:fld>
             <a:endParaRPr lang="en-US"/>
           </a:p>
@@ -742,10 +752,9 @@
           <a:lstStyle/>
           <a:p>
             <a:r>
-              <a:rPr lang="en-US" smtClean="0"/>
+              <a:rPr lang="en-US"/>
               <a:t>Click to edit Master title style</a:t>
             </a:r>
-            <a:endParaRPr lang="en-US"/>
           </a:p>
         </p:txBody>
       </p:sp>
@@ -766,38 +775,37 @@
           <a:p>
             <a:pPr lvl="0"/>
             <a:r>
-              <a:rPr lang="en-US" smtClean="0"/>
+              <a:rPr lang="en-US"/>
               <a:t>Click to edit Master text styles</a:t>
             </a:r>
           </a:p>
           <a:p>
             <a:pPr lvl="1"/>
             <a:r>
-              <a:rPr lang="en-US" smtClean="0"/>
+              <a:rPr lang="en-US"/>
               <a:t>Second level</a:t>
             </a:r>
           </a:p>
           <a:p>
             <a:pPr lvl="2"/>
             <a:r>
-              <a:rPr lang="en-US" smtClean="0"/>
+              <a:rPr lang="en-US"/>
               <a:t>Third level</a:t>
             </a:r>
           </a:p>
           <a:p>
             <a:pPr lvl="3"/>
             <a:r>
-              <a:rPr lang="en-US" smtClean="0"/>
+              <a:rPr lang="en-US"/>
               <a:t>Fourth level</a:t>
             </a:r>
           </a:p>
           <a:p>
             <a:pPr lvl="4"/>
             <a:r>
-              <a:rPr lang="en-US" smtClean="0"/>
+              <a:rPr lang="en-US"/>
               <a:t>Fifth level</a:t>
             </a:r>
-            <a:endParaRPr lang="en-US"/>
           </a:p>
         </p:txBody>
       </p:sp>
@@ -818,7 +826,7 @@
           <a:p>
             <a:fld id="{7D2F21E0-95B6-4C5C-A55D-C5056E4C25C4}" type="datetimeFigureOut">
               <a:rPr lang="en-US" smtClean="0"/>
-              <a:t>2/26/2019</a:t>
+              <a:t>5/17/19</a:t>
             </a:fld>
             <a:endParaRPr lang="en-US"/>
           </a:p>
@@ -921,10 +929,9 @@
           </a:lstStyle>
           <a:p>
             <a:r>
-              <a:rPr lang="en-US" smtClean="0"/>
+              <a:rPr lang="en-US"/>
               <a:t>Click to edit Master title style</a:t>
             </a:r>
-            <a:endParaRPr lang="en-US"/>
           </a:p>
         </p:txBody>
       </p:sp>
@@ -1041,7 +1048,7 @@
           <a:p>
             <a:pPr lvl="0"/>
             <a:r>
-              <a:rPr lang="en-US" smtClean="0"/>
+              <a:rPr lang="en-US"/>
               <a:t>Click to edit Master text styles</a:t>
             </a:r>
           </a:p>
@@ -1064,7 +1071,7 @@
           <a:p>
             <a:fld id="{7D2F21E0-95B6-4C5C-A55D-C5056E4C25C4}" type="datetimeFigureOut">
               <a:rPr lang="en-US" smtClean="0"/>
-              <a:t>2/26/2019</a:t>
+              <a:t>5/17/19</a:t>
             </a:fld>
             <a:endParaRPr lang="en-US"/>
           </a:p>
@@ -1158,10 +1165,9 @@
           <a:lstStyle/>
           <a:p>
             <a:r>
-              <a:rPr lang="en-US" smtClean="0"/>
+              <a:rPr lang="en-US"/>
               <a:t>Click to edit Master title style</a:t>
             </a:r>
-            <a:endParaRPr lang="en-US"/>
           </a:p>
         </p:txBody>
       </p:sp>
@@ -1215,38 +1221,37 @@
           <a:p>
             <a:pPr lvl="0"/>
             <a:r>
-              <a:rPr lang="en-US" smtClean="0"/>
+              <a:rPr lang="en-US"/>
               <a:t>Click to edit Master text styles</a:t>
             </a:r>
           </a:p>
           <a:p>
             <a:pPr lvl="1"/>
             <a:r>
-              <a:rPr lang="en-US" smtClean="0"/>
+              <a:rPr lang="en-US"/>
               <a:t>Second level</a:t>
             </a:r>
           </a:p>
           <a:p>
             <a:pPr lvl="2"/>
             <a:r>
-              <a:rPr lang="en-US" smtClean="0"/>
+              <a:rPr lang="en-US"/>
               <a:t>Third level</a:t>
             </a:r>
           </a:p>
           <a:p>
             <a:pPr lvl="3"/>
             <a:r>
-              <a:rPr lang="en-US" smtClean="0"/>
+              <a:rPr lang="en-US"/>
               <a:t>Fourth level</a:t>
             </a:r>
           </a:p>
           <a:p>
             <a:pPr lvl="4"/>
             <a:r>
-              <a:rPr lang="en-US" smtClean="0"/>
+              <a:rPr lang="en-US"/>
               <a:t>Fifth level</a:t>
             </a:r>
-            <a:endParaRPr lang="en-US"/>
           </a:p>
         </p:txBody>
       </p:sp>
@@ -1300,38 +1305,37 @@
           <a:p>
             <a:pPr lvl="0"/>
             <a:r>
-              <a:rPr lang="en-US" smtClean="0"/>
+              <a:rPr lang="en-US"/>
               <a:t>Click to edit Master text styles</a:t>
             </a:r>
           </a:p>
           <a:p>
             <a:pPr lvl="1"/>
             <a:r>
-              <a:rPr lang="en-US" smtClean="0"/>
+              <a:rPr lang="en-US"/>
               <a:t>Second level</a:t>
             </a:r>
           </a:p>
           <a:p>
             <a:pPr lvl="2"/>
             <a:r>
-              <a:rPr lang="en-US" smtClean="0"/>
+              <a:rPr lang="en-US"/>
               <a:t>Third level</a:t>
             </a:r>
           </a:p>
           <a:p>
             <a:pPr lvl="3"/>
             <a:r>
-              <a:rPr lang="en-US" smtClean="0"/>
+              <a:rPr lang="en-US"/>
               <a:t>Fourth level</a:t>
             </a:r>
           </a:p>
           <a:p>
             <a:pPr lvl="4"/>
             <a:r>
-              <a:rPr lang="en-US" smtClean="0"/>
+              <a:rPr lang="en-US"/>
               <a:t>Fifth level</a:t>
             </a:r>
-            <a:endParaRPr lang="en-US"/>
           </a:p>
         </p:txBody>
       </p:sp>
@@ -1352,7 +1356,7 @@
           <a:p>
             <a:fld id="{7D2F21E0-95B6-4C5C-A55D-C5056E4C25C4}" type="datetimeFigureOut">
               <a:rPr lang="en-US" smtClean="0"/>
-              <a:t>2/26/2019</a:t>
+              <a:t>5/17/19</a:t>
             </a:fld>
             <a:endParaRPr lang="en-US"/>
           </a:p>
@@ -1450,10 +1454,9 @@
           </a:lstStyle>
           <a:p>
             <a:r>
-              <a:rPr lang="en-US" smtClean="0"/>
+              <a:rPr lang="en-US"/>
               <a:t>Click to edit Master title style</a:t>
             </a:r>
-            <a:endParaRPr lang="en-US"/>
           </a:p>
         </p:txBody>
       </p:sp>
@@ -1516,7 +1519,7 @@
           <a:p>
             <a:pPr lvl="0"/>
             <a:r>
-              <a:rPr lang="en-US" smtClean="0"/>
+              <a:rPr lang="en-US"/>
               <a:t>Click to edit Master text styles</a:t>
             </a:r>
           </a:p>
@@ -1572,38 +1575,37 @@
           <a:p>
             <a:pPr lvl="0"/>
             <a:r>
-              <a:rPr lang="en-US" smtClean="0"/>
+              <a:rPr lang="en-US"/>
               <a:t>Click to edit Master text styles</a:t>
             </a:r>
           </a:p>
           <a:p>
             <a:pPr lvl="1"/>
             <a:r>
-              <a:rPr lang="en-US" smtClean="0"/>
+              <a:rPr lang="en-US"/>
               <a:t>Second level</a:t>
             </a:r>
           </a:p>
           <a:p>
             <a:pPr lvl="2"/>
             <a:r>
-              <a:rPr lang="en-US" smtClean="0"/>
+              <a:rPr lang="en-US"/>
               <a:t>Third level</a:t>
             </a:r>
           </a:p>
           <a:p>
             <a:pPr lvl="3"/>
             <a:r>
-              <a:rPr lang="en-US" smtClean="0"/>
+              <a:rPr lang="en-US"/>
               <a:t>Fourth level</a:t>
             </a:r>
           </a:p>
           <a:p>
             <a:pPr lvl="4"/>
             <a:r>
-              <a:rPr lang="en-US" smtClean="0"/>
+              <a:rPr lang="en-US"/>
               <a:t>Fifth level</a:t>
             </a:r>
-            <a:endParaRPr lang="en-US"/>
           </a:p>
         </p:txBody>
       </p:sp>
@@ -1666,7 +1668,7 @@
           <a:p>
             <a:pPr lvl="0"/>
             <a:r>
-              <a:rPr lang="en-US" smtClean="0"/>
+              <a:rPr lang="en-US"/>
               <a:t>Click to edit Master text styles</a:t>
             </a:r>
           </a:p>
@@ -1722,38 +1724,37 @@
           <a:p>
             <a:pPr lvl="0"/>
             <a:r>
-              <a:rPr lang="en-US" smtClean="0"/>
+              <a:rPr lang="en-US"/>
               <a:t>Click to edit Master text styles</a:t>
             </a:r>
           </a:p>
           <a:p>
             <a:pPr lvl="1"/>
             <a:r>
-              <a:rPr lang="en-US" smtClean="0"/>
+              <a:rPr lang="en-US"/>
               <a:t>Second level</a:t>
             </a:r>
           </a:p>
           <a:p>
             <a:pPr lvl="2"/>
             <a:r>
-              <a:rPr lang="en-US" smtClean="0"/>
+              <a:rPr lang="en-US"/>
               <a:t>Third level</a:t>
             </a:r>
           </a:p>
           <a:p>
             <a:pPr lvl="3"/>
             <a:r>
-              <a:rPr lang="en-US" smtClean="0"/>
+              <a:rPr lang="en-US"/>
               <a:t>Fourth level</a:t>
             </a:r>
           </a:p>
           <a:p>
             <a:pPr lvl="4"/>
             <a:r>
-              <a:rPr lang="en-US" smtClean="0"/>
+              <a:rPr lang="en-US"/>
               <a:t>Fifth level</a:t>
             </a:r>
-            <a:endParaRPr lang="en-US"/>
           </a:p>
         </p:txBody>
       </p:sp>
@@ -1774,7 +1775,7 @@
           <a:p>
             <a:fld id="{7D2F21E0-95B6-4C5C-A55D-C5056E4C25C4}" type="datetimeFigureOut">
               <a:rPr lang="en-US" smtClean="0"/>
-              <a:t>2/26/2019</a:t>
+              <a:t>5/17/19</a:t>
             </a:fld>
             <a:endParaRPr lang="en-US"/>
           </a:p>
@@ -1868,10 +1869,9 @@
           <a:lstStyle/>
           <a:p>
             <a:r>
-              <a:rPr lang="en-US" smtClean="0"/>
+              <a:rPr lang="en-US"/>
               <a:t>Click to edit Master title style</a:t>
             </a:r>
-            <a:endParaRPr lang="en-US"/>
           </a:p>
         </p:txBody>
       </p:sp>
@@ -1892,7 +1892,7 @@
           <a:p>
             <a:fld id="{7D2F21E0-95B6-4C5C-A55D-C5056E4C25C4}" type="datetimeFigureOut">
               <a:rPr lang="en-US" smtClean="0"/>
-              <a:t>2/26/2019</a:t>
+              <a:t>5/17/19</a:t>
             </a:fld>
             <a:endParaRPr lang="en-US"/>
           </a:p>
@@ -1987,7 +1987,7 @@
           <a:p>
             <a:fld id="{7D2F21E0-95B6-4C5C-A55D-C5056E4C25C4}" type="datetimeFigureOut">
               <a:rPr lang="en-US" smtClean="0"/>
-              <a:t>2/26/2019</a:t>
+              <a:t>5/17/19</a:t>
             </a:fld>
             <a:endParaRPr lang="en-US"/>
           </a:p>
@@ -2090,10 +2090,9 @@
           </a:lstStyle>
           <a:p>
             <a:r>
-              <a:rPr lang="en-US" smtClean="0"/>
+              <a:rPr lang="en-US"/>
               <a:t>Click to edit Master title style</a:t>
             </a:r>
-            <a:endParaRPr lang="en-US"/>
           </a:p>
         </p:txBody>
       </p:sp>
@@ -2147,38 +2146,37 @@
           <a:p>
             <a:pPr lvl="0"/>
             <a:r>
-              <a:rPr lang="en-US" smtClean="0"/>
+              <a:rPr lang="en-US"/>
               <a:t>Click to edit Master text styles</a:t>
             </a:r>
           </a:p>
           <a:p>
             <a:pPr lvl="1"/>
             <a:r>
-              <a:rPr lang="en-US" smtClean="0"/>
+              <a:rPr lang="en-US"/>
               <a:t>Second level</a:t>
             </a:r>
           </a:p>
           <a:p>
             <a:pPr lvl="2"/>
             <a:r>
-              <a:rPr lang="en-US" smtClean="0"/>
+              <a:rPr lang="en-US"/>
               <a:t>Third level</a:t>
             </a:r>
           </a:p>
           <a:p>
             <a:pPr lvl="3"/>
             <a:r>
-              <a:rPr lang="en-US" smtClean="0"/>
+              <a:rPr lang="en-US"/>
               <a:t>Fourth level</a:t>
             </a:r>
           </a:p>
           <a:p>
             <a:pPr lvl="4"/>
             <a:r>
-              <a:rPr lang="en-US" smtClean="0"/>
+              <a:rPr lang="en-US"/>
               <a:t>Fifth level</a:t>
             </a:r>
-            <a:endParaRPr lang="en-US"/>
           </a:p>
         </p:txBody>
       </p:sp>
@@ -2241,7 +2239,7 @@
           <a:p>
             <a:pPr lvl="0"/>
             <a:r>
-              <a:rPr lang="en-US" smtClean="0"/>
+              <a:rPr lang="en-US"/>
               <a:t>Click to edit Master text styles</a:t>
             </a:r>
           </a:p>
@@ -2264,7 +2262,7 @@
           <a:p>
             <a:fld id="{7D2F21E0-95B6-4C5C-A55D-C5056E4C25C4}" type="datetimeFigureOut">
               <a:rPr lang="en-US" smtClean="0"/>
-              <a:t>2/26/2019</a:t>
+              <a:t>5/17/19</a:t>
             </a:fld>
             <a:endParaRPr lang="en-US"/>
           </a:p>
@@ -2367,10 +2365,9 @@
           </a:lstStyle>
           <a:p>
             <a:r>
-              <a:rPr lang="en-US" smtClean="0"/>
+              <a:rPr lang="en-US"/>
               <a:t>Click to edit Master title style</a:t>
             </a:r>
-            <a:endParaRPr lang="en-US"/>
           </a:p>
         </p:txBody>
       </p:sp>
@@ -2494,7 +2491,7 @@
           <a:p>
             <a:pPr lvl="0"/>
             <a:r>
-              <a:rPr lang="en-US" smtClean="0"/>
+              <a:rPr lang="en-US"/>
               <a:t>Click to edit Master text styles</a:t>
             </a:r>
           </a:p>
@@ -2517,7 +2514,7 @@
           <a:p>
             <a:fld id="{7D2F21E0-95B6-4C5C-A55D-C5056E4C25C4}" type="datetimeFigureOut">
               <a:rPr lang="en-US" smtClean="0"/>
-              <a:t>2/26/2019</a:t>
+              <a:t>5/17/19</a:t>
             </a:fld>
             <a:endParaRPr lang="en-US"/>
           </a:p>
@@ -2626,10 +2623,9 @@
           <a:lstStyle/>
           <a:p>
             <a:r>
-              <a:rPr lang="en-US" smtClean="0"/>
+              <a:rPr lang="en-US"/>
               <a:t>Click to edit Master title style</a:t>
             </a:r>
-            <a:endParaRPr lang="en-US"/>
           </a:p>
         </p:txBody>
       </p:sp>
@@ -2660,38 +2656,37 @@
           <a:p>
             <a:pPr lvl="0"/>
             <a:r>
-              <a:rPr lang="en-US" smtClean="0"/>
+              <a:rPr lang="en-US"/>
               <a:t>Click to edit Master text styles</a:t>
             </a:r>
           </a:p>
           <a:p>
             <a:pPr lvl="1"/>
             <a:r>
-              <a:rPr lang="en-US" smtClean="0"/>
+              <a:rPr lang="en-US"/>
               <a:t>Second level</a:t>
             </a:r>
           </a:p>
           <a:p>
             <a:pPr lvl="2"/>
             <a:r>
-              <a:rPr lang="en-US" smtClean="0"/>
+              <a:rPr lang="en-US"/>
               <a:t>Third level</a:t>
             </a:r>
           </a:p>
           <a:p>
             <a:pPr lvl="3"/>
             <a:r>
-              <a:rPr lang="en-US" smtClean="0"/>
+              <a:rPr lang="en-US"/>
               <a:t>Fourth level</a:t>
             </a:r>
           </a:p>
           <a:p>
             <a:pPr lvl="4"/>
             <a:r>
-              <a:rPr lang="en-US" smtClean="0"/>
+              <a:rPr lang="en-US"/>
               <a:t>Fifth level</a:t>
             </a:r>
-            <a:endParaRPr lang="en-US"/>
           </a:p>
         </p:txBody>
       </p:sp>
@@ -2730,7 +2725,7 @@
           <a:p>
             <a:fld id="{7D2F21E0-95B6-4C5C-A55D-C5056E4C25C4}" type="datetimeFigureOut">
               <a:rPr lang="en-US" smtClean="0"/>
-              <a:t>2/26/2019</a:t>
+              <a:t>5/17/19</a:t>
             </a:fld>
             <a:endParaRPr lang="en-US"/>
           </a:p>
@@ -3121,10 +3116,9 @@
           <a:lstStyle/>
           <a:p>
             <a:r>
-              <a:rPr lang="en-US" dirty="0" smtClean="0"/>
+              <a:rPr lang="en-US" dirty="0"/>
               <a:t>COL Resource Diagram</a:t>
             </a:r>
-            <a:endParaRPr lang="en-US" dirty="0"/>
           </a:p>
         </p:txBody>
       </p:sp>
@@ -3196,10 +3190,9 @@
           <a:p>
             <a:pPr algn="l"/>
             <a:r>
-              <a:rPr lang="en-US" dirty="0" smtClean="0"/>
+              <a:rPr lang="en-US" dirty="0"/>
               <a:t>Option 4 – MeasureReport using Condition</a:t>
             </a:r>
-            <a:endParaRPr lang="en-US" dirty="0"/>
           </a:p>
         </p:txBody>
       </p:sp>
@@ -3224,15 +3217,15 @@
               <a:buNone/>
             </a:pPr>
             <a:r>
-              <a:rPr lang="en-US" dirty="0" smtClean="0"/>
+              <a:rPr lang="en-US" dirty="0"/>
               <a:t>An additional way you can represent exclusions in the Colorectal Cancer Screening measure is with certain conditions.  The </a:t>
             </a:r>
             <a:r>
-              <a:rPr lang="en-US" dirty="0" err="1" smtClean="0"/>
+              <a:rPr lang="en-US" dirty="0" err="1"/>
               <a:t>valuesets</a:t>
             </a:r>
             <a:r>
-              <a:rPr lang="en-US" dirty="0" smtClean="0"/>
+              <a:rPr lang="en-US" dirty="0"/>
               <a:t>/codes that allow for the patient not to be screened for colorectal cancer are specified in the measure.</a:t>
             </a:r>
           </a:p>
@@ -3247,10 +3240,9 @@
               <a:buNone/>
             </a:pPr>
             <a:r>
-              <a:rPr lang="en-US" dirty="0" smtClean="0"/>
+              <a:rPr lang="en-US" dirty="0"/>
               <a:t>The following MeasureReport diagram shows the related resources that can be used to represent when you need to send a Condition that represents an exclusion to the measure</a:t>
             </a:r>
-            <a:endParaRPr lang="en-US" dirty="0"/>
           </a:p>
         </p:txBody>
       </p:sp>
@@ -3303,10 +3295,9 @@
           <a:p>
             <a:pPr algn="l"/>
             <a:r>
-              <a:rPr lang="en-US" dirty="0" smtClean="0"/>
+              <a:rPr lang="en-US" dirty="0"/>
               <a:t>MeasureReport using Condition</a:t>
             </a:r>
-            <a:endParaRPr lang="en-US" dirty="0"/>
           </a:p>
         </p:txBody>
       </p:sp>
@@ -3329,10 +3320,9 @@
               <a:buNone/>
             </a:pPr>
             <a:r>
-              <a:rPr lang="en-US" dirty="0" smtClean="0"/>
+              <a:rPr lang="en-US" dirty="0"/>
               <a:t>  </a:t>
             </a:r>
-            <a:endParaRPr lang="en-US" dirty="0"/>
           </a:p>
         </p:txBody>
       </p:sp>
@@ -3378,18 +3368,13 @@
           <a:p>
             <a:pPr algn="ctr"/>
             <a:r>
-              <a:rPr lang="en-US" sz="1400" dirty="0" smtClean="0">
+              <a:rPr lang="en-US" sz="1400" dirty="0">
                 <a:solidFill>
                   <a:schemeClr val="bg1"/>
                 </a:solidFill>
               </a:rPr>
               <a:t>Measure</a:t>
             </a:r>
-            <a:endParaRPr lang="en-US" sz="1400" dirty="0">
-              <a:solidFill>
-                <a:schemeClr val="bg1"/>
-              </a:solidFill>
-            </a:endParaRPr>
           </a:p>
         </p:txBody>
       </p:sp>
@@ -3435,18 +3420,13 @@
           <a:p>
             <a:pPr algn="ctr"/>
             <a:r>
-              <a:rPr lang="en-US" sz="1400" dirty="0" smtClean="0">
+              <a:rPr lang="en-US" sz="1400" dirty="0">
                 <a:solidFill>
                   <a:schemeClr val="bg1"/>
                 </a:solidFill>
               </a:rPr>
               <a:t>MeasureReport</a:t>
             </a:r>
-            <a:endParaRPr lang="en-US" sz="1400" dirty="0">
-              <a:solidFill>
-                <a:schemeClr val="bg1"/>
-              </a:solidFill>
-            </a:endParaRPr>
           </a:p>
         </p:txBody>
       </p:sp>
@@ -3492,18 +3472,13 @@
           <a:p>
             <a:pPr algn="ctr"/>
             <a:r>
-              <a:rPr lang="en-US" sz="1400" dirty="0" smtClean="0">
+              <a:rPr lang="en-US" sz="1400" dirty="0">
                 <a:solidFill>
                   <a:schemeClr val="bg1"/>
                 </a:solidFill>
               </a:rPr>
               <a:t>Condition</a:t>
             </a:r>
-            <a:endParaRPr lang="en-US" sz="1400" dirty="0">
-              <a:solidFill>
-                <a:schemeClr val="bg1"/>
-              </a:solidFill>
-            </a:endParaRPr>
           </a:p>
         </p:txBody>
       </p:sp>
@@ -3549,18 +3524,13 @@
           <a:p>
             <a:pPr algn="ctr"/>
             <a:r>
-              <a:rPr lang="en-US" sz="1400" dirty="0" smtClean="0">
+              <a:rPr lang="en-US" sz="1400" dirty="0">
                 <a:solidFill>
                   <a:schemeClr val="bg1"/>
                 </a:solidFill>
               </a:rPr>
               <a:t>Organization</a:t>
             </a:r>
-            <a:endParaRPr lang="en-US" sz="1400" dirty="0">
-              <a:solidFill>
-                <a:schemeClr val="bg1"/>
-              </a:solidFill>
-            </a:endParaRPr>
           </a:p>
         </p:txBody>
       </p:sp>
@@ -3606,18 +3576,13 @@
           <a:p>
             <a:pPr algn="ctr"/>
             <a:r>
-              <a:rPr lang="en-US" sz="1400" dirty="0" smtClean="0">
+              <a:rPr lang="en-US" sz="1400" dirty="0">
                 <a:solidFill>
                   <a:schemeClr val="bg1"/>
                 </a:solidFill>
               </a:rPr>
               <a:t>Patient</a:t>
             </a:r>
-            <a:endParaRPr lang="en-US" sz="1400" dirty="0">
-              <a:solidFill>
-                <a:schemeClr val="bg1"/>
-              </a:solidFill>
-            </a:endParaRPr>
           </a:p>
         </p:txBody>
       </p:sp>
@@ -3723,13 +3688,8 @@
             <a:pPr algn="ctr"/>
             <a:r>
               <a:rPr lang="en-US" sz="1100" b="1" dirty="0"/>
-              <a:t>m</a:t>
-            </a:r>
-            <a:r>
-              <a:rPr lang="en-US" sz="1100" b="1" dirty="0" smtClean="0"/>
-              <a:t>easure</a:t>
-            </a:r>
-            <a:endParaRPr lang="en-US" sz="1100" b="1" dirty="0"/>
+              <a:t>measure</a:t>
+            </a:r>
           </a:p>
         </p:txBody>
       </p:sp>
@@ -3837,10 +3797,9 @@
           <a:p>
             <a:pPr algn="ctr"/>
             <a:r>
-              <a:rPr lang="en-US" sz="1100" b="1" dirty="0" smtClean="0"/>
+              <a:rPr lang="en-US" sz="1100" b="1" dirty="0"/>
               <a:t>supportingOrganization</a:t>
             </a:r>
-            <a:endParaRPr lang="en-US" sz="1100" b="1" dirty="0"/>
           </a:p>
         </p:txBody>
       </p:sp>
@@ -3870,10 +3829,9 @@
           <a:p>
             <a:pPr algn="ctr"/>
             <a:r>
-              <a:rPr lang="en-US" sz="1100" b="1" dirty="0" smtClean="0"/>
+              <a:rPr lang="en-US" sz="1100" b="1" dirty="0"/>
               <a:t>evaluatedResources</a:t>
             </a:r>
-            <a:endParaRPr lang="en-US" sz="1100" b="1" dirty="0"/>
           </a:p>
         </p:txBody>
       </p:sp>
@@ -3904,13 +3862,8 @@
             <a:pPr algn="ctr"/>
             <a:r>
               <a:rPr lang="en-US" sz="1100" b="1" dirty="0"/>
-              <a:t>p</a:t>
-            </a:r>
-            <a:r>
-              <a:rPr lang="en-US" sz="1100" b="1" dirty="0" smtClean="0"/>
-              <a:t>atient</a:t>
-            </a:r>
-            <a:endParaRPr lang="en-US" sz="1100" b="1" dirty="0"/>
+              <a:t>patient</a:t>
+            </a:r>
           </a:p>
         </p:txBody>
       </p:sp>
@@ -3979,10 +3932,9 @@
           <a:p>
             <a:pPr algn="ctr"/>
             <a:r>
-              <a:rPr lang="en-US" sz="1100" b="1" dirty="0" smtClean="0"/>
+              <a:rPr lang="en-US" sz="1100" b="1" dirty="0"/>
               <a:t>subject</a:t>
             </a:r>
-            <a:endParaRPr lang="en-US" sz="1100" b="1" dirty="0"/>
           </a:p>
         </p:txBody>
       </p:sp>
@@ -4009,10 +3961,9 @@
           <a:lstStyle/>
           <a:p>
             <a:r>
-              <a:rPr lang="en-US" dirty="0" smtClean="0"/>
+              <a:rPr lang="en-US" dirty="0"/>
               <a:t>Used for Colorectal Cancer which is an exclusion for Colorectal Cancer Screening	</a:t>
             </a:r>
-            <a:endParaRPr lang="en-US" dirty="0"/>
           </a:p>
         </p:txBody>
       </p:sp>
@@ -4058,18 +4009,13 @@
           <a:p>
             <a:pPr algn="ctr"/>
             <a:r>
-              <a:rPr lang="en-US" sz="1400" dirty="0" smtClean="0">
+              <a:rPr lang="en-US" sz="1400" dirty="0">
                 <a:solidFill>
                   <a:schemeClr val="bg1"/>
                 </a:solidFill>
               </a:rPr>
               <a:t>Practitioner</a:t>
             </a:r>
-            <a:endParaRPr lang="en-US" sz="1400" dirty="0">
-              <a:solidFill>
-                <a:schemeClr val="bg1"/>
-              </a:solidFill>
-            </a:endParaRPr>
           </a:p>
         </p:txBody>
       </p:sp>
@@ -4115,18 +4061,13 @@
           <a:p>
             <a:pPr algn="ctr"/>
             <a:r>
-              <a:rPr lang="en-US" sz="1400" dirty="0" smtClean="0">
+              <a:rPr lang="en-US" sz="1400" dirty="0">
                 <a:solidFill>
                   <a:schemeClr val="bg1"/>
                 </a:solidFill>
               </a:rPr>
               <a:t>Encounter</a:t>
             </a:r>
-            <a:endParaRPr lang="en-US" sz="1400" dirty="0">
-              <a:solidFill>
-                <a:schemeClr val="bg1"/>
-              </a:solidFill>
-            </a:endParaRPr>
           </a:p>
         </p:txBody>
       </p:sp>
@@ -4236,10 +4177,9 @@
           <a:p>
             <a:pPr algn="ctr"/>
             <a:r>
-              <a:rPr lang="en-US" sz="1100" b="1" dirty="0" smtClean="0"/>
+              <a:rPr lang="en-US" sz="1100" b="1" dirty="0"/>
               <a:t>asserter</a:t>
             </a:r>
-            <a:endParaRPr lang="en-US" sz="1100" b="1" dirty="0"/>
           </a:p>
         </p:txBody>
       </p:sp>
@@ -4269,10 +4209,9 @@
           <a:p>
             <a:pPr algn="ctr"/>
             <a:r>
-              <a:rPr lang="en-US" sz="1100" b="1" dirty="0" smtClean="0"/>
+              <a:rPr lang="en-US" sz="1100" b="1" dirty="0"/>
               <a:t>context</a:t>
             </a:r>
-            <a:endParaRPr lang="en-US" sz="1100" b="1" dirty="0"/>
           </a:p>
         </p:txBody>
       </p:sp>
@@ -4318,18 +4257,13 @@
           <a:p>
             <a:pPr algn="ctr"/>
             <a:r>
-              <a:rPr lang="en-US" sz="1400" dirty="0" smtClean="0">
+              <a:rPr lang="en-US" sz="1400" dirty="0">
                 <a:solidFill>
                   <a:schemeClr val="bg1"/>
                 </a:solidFill>
               </a:rPr>
               <a:t>Location</a:t>
             </a:r>
-            <a:endParaRPr lang="en-US" sz="1400" dirty="0">
-              <a:solidFill>
-                <a:schemeClr val="bg1"/>
-              </a:solidFill>
-            </a:endParaRPr>
           </a:p>
         </p:txBody>
       </p:sp>
@@ -4359,17 +4293,16 @@
           <a:p>
             <a:pPr algn="ctr"/>
             <a:r>
-              <a:rPr lang="en-US" sz="1100" b="1" dirty="0" smtClean="0"/>
+              <a:rPr lang="en-US" sz="1100" b="1" dirty="0"/>
               <a:t>location&gt;</a:t>
             </a:r>
           </a:p>
           <a:p>
             <a:pPr algn="ctr"/>
             <a:r>
-              <a:rPr lang="en-US" sz="1100" b="1" dirty="0" smtClean="0"/>
+              <a:rPr lang="en-US" sz="1100" b="1" dirty="0"/>
               <a:t>location</a:t>
             </a:r>
-            <a:endParaRPr lang="en-US" sz="1100" b="1" dirty="0"/>
           </a:p>
         </p:txBody>
       </p:sp>
@@ -4452,18 +4385,13 @@
           <a:p>
             <a:pPr algn="ctr"/>
             <a:r>
-              <a:rPr lang="en-US" sz="1400" dirty="0" smtClean="0">
+              <a:rPr lang="en-US" sz="1400" dirty="0">
                 <a:solidFill>
                   <a:schemeClr val="bg1"/>
                 </a:solidFill>
               </a:rPr>
               <a:t>Coverage</a:t>
             </a:r>
-            <a:endParaRPr lang="en-US" sz="1400" dirty="0">
-              <a:solidFill>
-                <a:schemeClr val="bg1"/>
-              </a:solidFill>
-            </a:endParaRPr>
           </a:p>
         </p:txBody>
       </p:sp>
@@ -4533,10 +4461,9 @@
           <a:p>
             <a:pPr algn="ctr"/>
             <a:r>
-              <a:rPr lang="en-US" sz="1100" b="1" dirty="0" smtClean="0"/>
+              <a:rPr lang="en-US" sz="1100" b="1" dirty="0"/>
               <a:t>beneficiary</a:t>
             </a:r>
-            <a:endParaRPr lang="en-US" sz="1100" b="1" dirty="0"/>
           </a:p>
         </p:txBody>
       </p:sp>
@@ -4586,10 +4513,9 @@
           <a:lstStyle/>
           <a:p>
             <a:r>
-              <a:rPr lang="en-US" dirty="0" smtClean="0"/>
+              <a:rPr lang="en-US" dirty="0"/>
               <a:t>COL Screening Measure</a:t>
             </a:r>
-            <a:endParaRPr lang="en-US" dirty="0"/>
           </a:p>
         </p:txBody>
       </p:sp>
@@ -4614,7 +4540,7 @@
               <a:buNone/>
             </a:pPr>
             <a:r>
-              <a:rPr lang="en-US" dirty="0" smtClean="0"/>
+              <a:rPr lang="en-US" dirty="0"/>
               <a:t>In a screening measure, you report both what is done that meets the screening requirement as well as information that would exclude the patient from being required to meet the measure.</a:t>
             </a:r>
           </a:p>
@@ -4629,10 +4555,9 @@
               <a:buNone/>
             </a:pPr>
             <a:r>
-              <a:rPr lang="en-US" dirty="0" smtClean="0"/>
+              <a:rPr lang="en-US" dirty="0"/>
               <a:t>Below are listed the resource diagrams that meet each situation in the COL screening measure.</a:t>
             </a:r>
-            <a:endParaRPr lang="en-US" dirty="0"/>
           </a:p>
         </p:txBody>
       </p:sp>
@@ -4685,17 +4610,16 @@
           <a:p>
             <a:pPr algn="l"/>
             <a:r>
-              <a:rPr lang="en-US" dirty="0" smtClean="0"/>
+              <a:rPr lang="en-US" dirty="0"/>
               <a:t>Option 1</a:t>
             </a:r>
             <a:br>
-              <a:rPr lang="en-US" dirty="0" smtClean="0"/>
+              <a:rPr lang="en-US" dirty="0"/>
             </a:br>
             <a:r>
-              <a:rPr lang="en-US" dirty="0" smtClean="0"/>
+              <a:rPr lang="en-US" dirty="0"/>
               <a:t>Measure Report Using Observation</a:t>
             </a:r>
-            <a:endParaRPr lang="en-US" dirty="0"/>
           </a:p>
         </p:txBody>
       </p:sp>
@@ -4718,18 +4642,17 @@
               <a:buNone/>
             </a:pPr>
             <a:r>
-              <a:rPr lang="en-US" dirty="0" smtClean="0"/>
+              <a:rPr lang="en-US" dirty="0"/>
               <a:t>When certain laboratory results are done in a specified time period, the patient has been screened for colorectal cancer.  The </a:t>
             </a:r>
             <a:r>
-              <a:rPr lang="en-US" dirty="0" err="1" smtClean="0"/>
+              <a:rPr lang="en-US" dirty="0" err="1"/>
               <a:t>valueset</a:t>
             </a:r>
             <a:r>
-              <a:rPr lang="en-US" dirty="0" smtClean="0"/>
+              <a:rPr lang="en-US" dirty="0"/>
               <a:t> of codes in the measure will inform you as to which laboratory results qualify for meeting this measure.  Below is the data structure for what would be included with a DEQM Individual Measure Report when the patient has had a laboratory test to meet the screen measure.</a:t>
             </a:r>
-            <a:endParaRPr lang="en-US" dirty="0"/>
           </a:p>
         </p:txBody>
       </p:sp>
@@ -4782,17 +4705,16 @@
           <a:p>
             <a:pPr algn="l"/>
             <a:r>
-              <a:rPr lang="en-US" dirty="0" smtClean="0"/>
+              <a:rPr lang="en-US" dirty="0"/>
               <a:t>Eric – this legend for </a:t>
             </a:r>
             <a:br>
-              <a:rPr lang="en-US" dirty="0" smtClean="0"/>
+              <a:rPr lang="en-US" dirty="0"/>
             </a:br>
             <a:r>
-              <a:rPr lang="en-US" dirty="0" smtClean="0"/>
+              <a:rPr lang="en-US" dirty="0"/>
               <a:t>all the diagrams that follow</a:t>
             </a:r>
-            <a:endParaRPr lang="en-US" dirty="0"/>
           </a:p>
         </p:txBody>
       </p:sp>
@@ -4815,10 +4737,9 @@
               <a:buNone/>
             </a:pPr>
             <a:r>
-              <a:rPr lang="en-US" dirty="0" smtClean="0"/>
+              <a:rPr lang="en-US" dirty="0"/>
               <a:t>  </a:t>
             </a:r>
-            <a:endParaRPr lang="en-US" dirty="0"/>
           </a:p>
         </p:txBody>
       </p:sp>
@@ -4850,20 +4771,15 @@
           <a:lstStyle/>
           <a:p>
             <a:r>
-              <a:rPr lang="en-US" dirty="0" smtClean="0"/>
+              <a:rPr lang="en-US" dirty="0"/>
               <a:t>                Required Resource</a:t>
             </a:r>
           </a:p>
           <a:p>
             <a:r>
               <a:rPr lang="en-US" dirty="0"/>
-              <a:t> </a:t>
-            </a:r>
-            <a:r>
-              <a:rPr lang="en-US" dirty="0" smtClean="0"/>
-              <a:t>               Optional Resource</a:t>
-            </a:r>
-            <a:endParaRPr lang="en-US" dirty="0"/>
+              <a:t>                Optional Resource</a:t>
+            </a:r>
           </a:p>
         </p:txBody>
       </p:sp>
@@ -4989,10 +4905,9 @@
           <a:p>
             <a:pPr algn="l"/>
             <a:r>
-              <a:rPr lang="en-US" dirty="0" smtClean="0"/>
+              <a:rPr lang="en-US" dirty="0"/>
               <a:t>MeasureReport using Observation</a:t>
             </a:r>
-            <a:endParaRPr lang="en-US" dirty="0"/>
           </a:p>
         </p:txBody>
       </p:sp>
@@ -5015,10 +4930,9 @@
               <a:buNone/>
             </a:pPr>
             <a:r>
-              <a:rPr lang="en-US" dirty="0" smtClean="0"/>
+              <a:rPr lang="en-US" dirty="0"/>
               <a:t>  </a:t>
             </a:r>
-            <a:endParaRPr lang="en-US" dirty="0"/>
           </a:p>
         </p:txBody>
       </p:sp>
@@ -5064,18 +4978,13 @@
           <a:p>
             <a:pPr algn="ctr"/>
             <a:r>
-              <a:rPr lang="en-US" sz="1400" dirty="0" smtClean="0">
+              <a:rPr lang="en-US" sz="1400" dirty="0">
                 <a:solidFill>
                   <a:schemeClr val="bg1"/>
                 </a:solidFill>
               </a:rPr>
               <a:t>Measure</a:t>
             </a:r>
-            <a:endParaRPr lang="en-US" sz="1400" dirty="0">
-              <a:solidFill>
-                <a:schemeClr val="bg1"/>
-              </a:solidFill>
-            </a:endParaRPr>
           </a:p>
         </p:txBody>
       </p:sp>
@@ -5121,18 +5030,13 @@
           <a:p>
             <a:pPr algn="ctr"/>
             <a:r>
-              <a:rPr lang="en-US" sz="1400" dirty="0" smtClean="0">
+              <a:rPr lang="en-US" sz="1400" dirty="0">
                 <a:solidFill>
                   <a:schemeClr val="bg1"/>
                 </a:solidFill>
               </a:rPr>
               <a:t>MeasureReport</a:t>
             </a:r>
-            <a:endParaRPr lang="en-US" sz="1400" dirty="0">
-              <a:solidFill>
-                <a:schemeClr val="bg1"/>
-              </a:solidFill>
-            </a:endParaRPr>
           </a:p>
         </p:txBody>
       </p:sp>
@@ -5178,18 +5082,13 @@
           <a:p>
             <a:pPr algn="ctr"/>
             <a:r>
-              <a:rPr lang="en-US" sz="1400" dirty="0" smtClean="0">
+              <a:rPr lang="en-US" sz="1400" dirty="0">
                 <a:solidFill>
                   <a:schemeClr val="bg1"/>
                 </a:solidFill>
               </a:rPr>
               <a:t>Observation</a:t>
             </a:r>
-            <a:endParaRPr lang="en-US" sz="1400" dirty="0">
-              <a:solidFill>
-                <a:schemeClr val="bg1"/>
-              </a:solidFill>
-            </a:endParaRPr>
           </a:p>
         </p:txBody>
       </p:sp>
@@ -5235,18 +5134,13 @@
           <a:p>
             <a:pPr algn="ctr"/>
             <a:r>
-              <a:rPr lang="en-US" sz="1400" dirty="0" smtClean="0">
+              <a:rPr lang="en-US" sz="1400" dirty="0">
                 <a:solidFill>
                   <a:schemeClr val="bg1"/>
                 </a:solidFill>
               </a:rPr>
               <a:t>Organization</a:t>
             </a:r>
-            <a:endParaRPr lang="en-US" sz="1400" dirty="0">
-              <a:solidFill>
-                <a:schemeClr val="bg1"/>
-              </a:solidFill>
-            </a:endParaRPr>
           </a:p>
         </p:txBody>
       </p:sp>
@@ -5292,18 +5186,13 @@
           <a:p>
             <a:pPr algn="ctr"/>
             <a:r>
-              <a:rPr lang="en-US" sz="1400" dirty="0" smtClean="0">
+              <a:rPr lang="en-US" sz="1400" dirty="0">
                 <a:solidFill>
                   <a:schemeClr val="bg1"/>
                 </a:solidFill>
               </a:rPr>
               <a:t>Patient</a:t>
             </a:r>
-            <a:endParaRPr lang="en-US" sz="1400" dirty="0">
-              <a:solidFill>
-                <a:schemeClr val="bg1"/>
-              </a:solidFill>
-            </a:endParaRPr>
           </a:p>
         </p:txBody>
       </p:sp>
@@ -5409,13 +5298,8 @@
             <a:pPr algn="ctr"/>
             <a:r>
               <a:rPr lang="en-US" sz="1100" b="1" dirty="0"/>
-              <a:t>m</a:t>
-            </a:r>
-            <a:r>
-              <a:rPr lang="en-US" sz="1100" b="1" dirty="0" smtClean="0"/>
-              <a:t>easure</a:t>
-            </a:r>
-            <a:endParaRPr lang="en-US" sz="1100" b="1" dirty="0"/>
+              <a:t>measure</a:t>
+            </a:r>
           </a:p>
         </p:txBody>
       </p:sp>
@@ -5523,10 +5407,9 @@
           <a:p>
             <a:pPr algn="ctr"/>
             <a:r>
-              <a:rPr lang="en-US" sz="1100" b="1" dirty="0" smtClean="0"/>
+              <a:rPr lang="en-US" sz="1100" b="1" dirty="0"/>
               <a:t>supportingOrganization</a:t>
             </a:r>
-            <a:endParaRPr lang="en-US" sz="1100" b="1" dirty="0"/>
           </a:p>
         </p:txBody>
       </p:sp>
@@ -5556,10 +5439,9 @@
           <a:p>
             <a:pPr algn="ctr"/>
             <a:r>
-              <a:rPr lang="en-US" sz="1100" b="1" dirty="0" smtClean="0"/>
+              <a:rPr lang="en-US" sz="1100" b="1" dirty="0"/>
               <a:t>evaluatedResources</a:t>
             </a:r>
-            <a:endParaRPr lang="en-US" sz="1100" b="1" dirty="0"/>
           </a:p>
         </p:txBody>
       </p:sp>
@@ -5590,13 +5472,8 @@
             <a:pPr algn="ctr"/>
             <a:r>
               <a:rPr lang="en-US" sz="1100" b="1" dirty="0"/>
-              <a:t>p</a:t>
-            </a:r>
-            <a:r>
-              <a:rPr lang="en-US" sz="1100" b="1" dirty="0" smtClean="0"/>
-              <a:t>atient</a:t>
-            </a:r>
-            <a:endParaRPr lang="en-US" sz="1100" b="1" dirty="0"/>
+              <a:t>patient</a:t>
+            </a:r>
           </a:p>
         </p:txBody>
       </p:sp>
@@ -5665,40 +5542,9 @@
           <a:p>
             <a:pPr algn="ctr"/>
             <a:r>
-              <a:rPr lang="en-US" sz="1100" b="1" dirty="0" smtClean="0"/>
+              <a:rPr lang="en-US" sz="1100" b="1" dirty="0"/>
               <a:t>subject</a:t>
             </a:r>
-            <a:endParaRPr lang="en-US" sz="1100" b="1" dirty="0"/>
-          </a:p>
-        </p:txBody>
-      </p:sp>
-      <p:sp>
-        <p:nvSpPr>
-          <p:cNvPr id="41" name="TextBox 40"/>
-          <p:cNvSpPr txBox="1"/>
-          <p:nvPr/>
-        </p:nvSpPr>
-        <p:spPr>
-          <a:xfrm>
-            <a:off x="457200" y="6096000"/>
-            <a:ext cx="3771900" cy="646331"/>
-          </a:xfrm>
-          <a:prstGeom prst="rect">
-            <a:avLst/>
-          </a:prstGeom>
-          <a:noFill/>
-        </p:spPr>
-        <p:txBody>
-          <a:bodyPr wrap="square" rtlCol="0">
-            <a:spAutoFit/>
-          </a:bodyPr>
-          <a:lstStyle/>
-          <a:p>
-            <a:r>
-              <a:rPr lang="en-US" dirty="0" smtClean="0"/>
-              <a:t>Used for Fecal Occult Blood (FOBT) and FIT-DNA</a:t>
-            </a:r>
-            <a:endParaRPr lang="en-US" dirty="0"/>
           </a:p>
         </p:txBody>
       </p:sp>
@@ -5744,18 +5590,13 @@
           <a:p>
             <a:pPr algn="ctr"/>
             <a:r>
-              <a:rPr lang="en-US" sz="1400" dirty="0" smtClean="0">
+              <a:rPr lang="en-US" sz="1400" dirty="0">
                 <a:solidFill>
                   <a:schemeClr val="bg1"/>
                 </a:solidFill>
               </a:rPr>
               <a:t>Practitioner</a:t>
             </a:r>
-            <a:endParaRPr lang="en-US" sz="1400" dirty="0">
-              <a:solidFill>
-                <a:schemeClr val="bg1"/>
-              </a:solidFill>
-            </a:endParaRPr>
           </a:p>
         </p:txBody>
       </p:sp>
@@ -5801,18 +5642,13 @@
           <a:p>
             <a:pPr algn="ctr"/>
             <a:r>
-              <a:rPr lang="en-US" sz="1400" dirty="0" smtClean="0">
+              <a:rPr lang="en-US" sz="1400" dirty="0">
                 <a:solidFill>
                   <a:schemeClr val="bg1"/>
                 </a:solidFill>
               </a:rPr>
               <a:t>Encounter</a:t>
             </a:r>
-            <a:endParaRPr lang="en-US" sz="1400" dirty="0">
-              <a:solidFill>
-                <a:schemeClr val="bg1"/>
-              </a:solidFill>
-            </a:endParaRPr>
           </a:p>
         </p:txBody>
       </p:sp>
@@ -5922,10 +5758,9 @@
           <a:p>
             <a:pPr algn="ctr"/>
             <a:r>
-              <a:rPr lang="en-US" sz="1100" b="1" dirty="0" smtClean="0"/>
+              <a:rPr lang="en-US" sz="1100" b="1" dirty="0"/>
               <a:t>performer</a:t>
             </a:r>
-            <a:endParaRPr lang="en-US" sz="1100" b="1" dirty="0"/>
           </a:p>
         </p:txBody>
       </p:sp>
@@ -5955,10 +5790,9 @@
           <a:p>
             <a:pPr algn="ctr"/>
             <a:r>
-              <a:rPr lang="en-US" sz="1100" b="1" dirty="0" smtClean="0"/>
+              <a:rPr lang="en-US" sz="1100" b="1" dirty="0"/>
               <a:t>context</a:t>
             </a:r>
-            <a:endParaRPr lang="en-US" sz="1100" b="1" dirty="0"/>
           </a:p>
         </p:txBody>
       </p:sp>
@@ -6004,18 +5838,13 @@
           <a:p>
             <a:pPr algn="ctr"/>
             <a:r>
-              <a:rPr lang="en-US" sz="1400" dirty="0" smtClean="0">
+              <a:rPr lang="en-US" sz="1400" dirty="0">
                 <a:solidFill>
                   <a:schemeClr val="bg1"/>
                 </a:solidFill>
               </a:rPr>
               <a:t>Location</a:t>
             </a:r>
-            <a:endParaRPr lang="en-US" sz="1400" dirty="0">
-              <a:solidFill>
-                <a:schemeClr val="bg1"/>
-              </a:solidFill>
-            </a:endParaRPr>
           </a:p>
         </p:txBody>
       </p:sp>
@@ -6045,17 +5874,16 @@
           <a:p>
             <a:pPr algn="ctr"/>
             <a:r>
-              <a:rPr lang="en-US" sz="1100" b="1" dirty="0" smtClean="0"/>
+              <a:rPr lang="en-US" sz="1100" b="1" dirty="0"/>
               <a:t>location&gt;</a:t>
             </a:r>
           </a:p>
           <a:p>
             <a:pPr algn="ctr"/>
             <a:r>
-              <a:rPr lang="en-US" sz="1100" b="1" dirty="0" smtClean="0"/>
+              <a:rPr lang="en-US" sz="1100" b="1" dirty="0"/>
               <a:t>location</a:t>
             </a:r>
-            <a:endParaRPr lang="en-US" sz="1100" b="1" dirty="0"/>
           </a:p>
         </p:txBody>
       </p:sp>
@@ -6138,18 +5966,13 @@
           <a:p>
             <a:pPr algn="ctr"/>
             <a:r>
-              <a:rPr lang="en-US" sz="1400" dirty="0" smtClean="0">
+              <a:rPr lang="en-US" sz="1400" dirty="0">
                 <a:solidFill>
                   <a:schemeClr val="bg1"/>
                 </a:solidFill>
               </a:rPr>
               <a:t>Coverage</a:t>
             </a:r>
-            <a:endParaRPr lang="en-US" sz="1400" dirty="0">
-              <a:solidFill>
-                <a:schemeClr val="bg1"/>
-              </a:solidFill>
-            </a:endParaRPr>
           </a:p>
         </p:txBody>
       </p:sp>
@@ -6219,10 +6042,9 @@
           <a:p>
             <a:pPr algn="ctr"/>
             <a:r>
-              <a:rPr lang="en-US" sz="1100" b="1" dirty="0" smtClean="0"/>
+              <a:rPr lang="en-US" sz="1100" b="1" dirty="0"/>
               <a:t>beneficiary</a:t>
             </a:r>
-            <a:endParaRPr lang="en-US" sz="1100" b="1" dirty="0"/>
           </a:p>
         </p:txBody>
       </p:sp>
@@ -6268,18 +6090,13 @@
           <a:p>
             <a:pPr algn="ctr"/>
             <a:r>
-              <a:rPr lang="en-US" sz="1400" dirty="0" smtClean="0">
+              <a:rPr lang="en-US" sz="1400" dirty="0">
                 <a:solidFill>
                   <a:schemeClr val="bg1"/>
                 </a:solidFill>
               </a:rPr>
               <a:t>Organization</a:t>
             </a:r>
-            <a:endParaRPr lang="en-US" sz="1400" dirty="0">
-              <a:solidFill>
-                <a:schemeClr val="bg1"/>
-              </a:solidFill>
-            </a:endParaRPr>
           </a:p>
         </p:txBody>
       </p:sp>
@@ -6311,20 +6128,15 @@
           <a:lstStyle/>
           <a:p>
             <a:r>
-              <a:rPr lang="en-US" dirty="0" smtClean="0"/>
+              <a:rPr lang="en-US" dirty="0"/>
               <a:t>                Required Resource</a:t>
             </a:r>
           </a:p>
           <a:p>
             <a:r>
               <a:rPr lang="en-US" dirty="0"/>
-              <a:t> </a:t>
-            </a:r>
-            <a:r>
-              <a:rPr lang="en-US" dirty="0" smtClean="0"/>
-              <a:t>               Optional Resource</a:t>
-            </a:r>
-            <a:endParaRPr lang="en-US" dirty="0"/>
+              <a:t>                Optional Resource</a:t>
+            </a:r>
           </a:p>
         </p:txBody>
       </p:sp>
@@ -6450,18 +6262,18 @@
           <a:p>
             <a:pPr algn="l"/>
             <a:r>
-              <a:rPr lang="en-US" sz="3600" b="1" dirty="0" smtClean="0"/>
+              <a:rPr lang="en-US" sz="3600" b="1" dirty="0"/>
               <a:t>Option 2</a:t>
             </a:r>
             <a:br>
-              <a:rPr lang="en-US" sz="3600" b="1" dirty="0" smtClean="0"/>
+              <a:rPr lang="en-US" sz="3600" b="1" dirty="0"/>
             </a:br>
             <a:r>
-              <a:rPr lang="en-US" sz="3600" b="1" dirty="0" smtClean="0"/>
+              <a:rPr lang="en-US" sz="3600" b="1" dirty="0"/>
               <a:t>MeasureReport using </a:t>
             </a:r>
             <a:r>
-              <a:rPr lang="en-US" sz="3600" b="1" dirty="0" err="1" smtClean="0"/>
+              <a:rPr lang="en-US" sz="3600" b="1" dirty="0" err="1"/>
               <a:t>DiagnosticReport</a:t>
             </a:r>
             <a:endParaRPr lang="en-US" sz="3600" b="1" dirty="0"/>
@@ -6489,40 +6301,39 @@
               <a:buNone/>
             </a:pPr>
             <a:r>
-              <a:rPr lang="en-US" dirty="0" smtClean="0"/>
+              <a:rPr lang="en-US" dirty="0"/>
               <a:t>Another way a member can meet a screening measure is when certain procedures are performed and a report generated.  In FHIR, the report is documented in a </a:t>
             </a:r>
             <a:r>
-              <a:rPr lang="en-US" dirty="0" err="1" smtClean="0"/>
+              <a:rPr lang="en-US" dirty="0" err="1"/>
               <a:t>DiagnosticReport</a:t>
             </a:r>
             <a:r>
-              <a:rPr lang="en-US" dirty="0" smtClean="0"/>
+              <a:rPr lang="en-US" dirty="0"/>
               <a:t>.  The measure indicates what </a:t>
             </a:r>
             <a:r>
-              <a:rPr lang="en-US" dirty="0" err="1" smtClean="0"/>
+              <a:rPr lang="en-US" dirty="0" err="1"/>
               <a:t>ValueSets</a:t>
             </a:r>
             <a:r>
-              <a:rPr lang="en-US" dirty="0" smtClean="0"/>
+              <a:rPr lang="en-US" dirty="0"/>
               <a:t>/Codes can be used to report this </a:t>
             </a:r>
             <a:r>
-              <a:rPr lang="en-US" dirty="0" err="1" smtClean="0"/>
+              <a:rPr lang="en-US" dirty="0" err="1"/>
               <a:t>meaure</a:t>
             </a:r>
-            <a:endParaRPr lang="en-US" dirty="0" smtClean="0"/>
+            <a:endParaRPr lang="en-US" dirty="0"/>
           </a:p>
           <a:p>
             <a:pPr marL="0" indent="0">
               <a:buNone/>
             </a:pPr>
             <a:r>
-              <a:rPr lang="en-US" dirty="0" smtClean="0"/>
+              <a:rPr lang="en-US" dirty="0"/>
               <a:t>The following diagram shows how that would be represented in a DEQM Individual MeasureReport with associated resources</a:t>
             </a:r>
-            <a:endParaRPr lang="en-US" dirty="0"/>
           </a:p>
         </p:txBody>
       </p:sp>
@@ -6575,10 +6386,9 @@
           <a:p>
             <a:pPr algn="l"/>
             <a:r>
-              <a:rPr lang="en-US" dirty="0" smtClean="0"/>
+              <a:rPr lang="en-US" dirty="0"/>
               <a:t>MeasureReport using Diagnostic Report</a:t>
             </a:r>
-            <a:endParaRPr lang="en-US" dirty="0"/>
           </a:p>
         </p:txBody>
       </p:sp>
@@ -6601,10 +6411,9 @@
               <a:buNone/>
             </a:pPr>
             <a:r>
-              <a:rPr lang="en-US" dirty="0" smtClean="0"/>
+              <a:rPr lang="en-US" dirty="0"/>
               <a:t>  </a:t>
             </a:r>
-            <a:endParaRPr lang="en-US" dirty="0"/>
           </a:p>
         </p:txBody>
       </p:sp>
@@ -6650,18 +6459,13 @@
           <a:p>
             <a:pPr algn="ctr"/>
             <a:r>
-              <a:rPr lang="en-US" sz="1400" dirty="0" smtClean="0">
+              <a:rPr lang="en-US" sz="1400" dirty="0">
                 <a:solidFill>
                   <a:schemeClr val="bg1"/>
                 </a:solidFill>
               </a:rPr>
               <a:t>Measure</a:t>
             </a:r>
-            <a:endParaRPr lang="en-US" sz="1400" dirty="0">
-              <a:solidFill>
-                <a:schemeClr val="bg1"/>
-              </a:solidFill>
-            </a:endParaRPr>
           </a:p>
         </p:txBody>
       </p:sp>
@@ -6707,18 +6511,13 @@
           <a:p>
             <a:pPr algn="ctr"/>
             <a:r>
-              <a:rPr lang="en-US" sz="1400" dirty="0" smtClean="0">
+              <a:rPr lang="en-US" sz="1400" dirty="0">
                 <a:solidFill>
                   <a:schemeClr val="bg1"/>
                 </a:solidFill>
               </a:rPr>
               <a:t>MeasureReport</a:t>
             </a:r>
-            <a:endParaRPr lang="en-US" sz="1400" dirty="0">
-              <a:solidFill>
-                <a:schemeClr val="bg1"/>
-              </a:solidFill>
-            </a:endParaRPr>
           </a:p>
         </p:txBody>
       </p:sp>
@@ -6764,7 +6563,7 @@
           <a:p>
             <a:pPr algn="ctr"/>
             <a:r>
-              <a:rPr lang="en-US" sz="1400" dirty="0" err="1" smtClean="0">
+              <a:rPr lang="en-US" sz="1400" dirty="0" err="1">
                 <a:solidFill>
                   <a:schemeClr val="bg1"/>
                 </a:solidFill>
@@ -6821,18 +6620,13 @@
           <a:p>
             <a:pPr algn="ctr"/>
             <a:r>
-              <a:rPr lang="en-US" sz="1400" dirty="0" smtClean="0">
+              <a:rPr lang="en-US" sz="1400" dirty="0">
                 <a:solidFill>
                   <a:schemeClr val="bg1"/>
                 </a:solidFill>
               </a:rPr>
               <a:t>Organization</a:t>
             </a:r>
-            <a:endParaRPr lang="en-US" sz="1400" dirty="0">
-              <a:solidFill>
-                <a:schemeClr val="bg1"/>
-              </a:solidFill>
-            </a:endParaRPr>
           </a:p>
         </p:txBody>
       </p:sp>
@@ -6878,18 +6672,13 @@
           <a:p>
             <a:pPr algn="ctr"/>
             <a:r>
-              <a:rPr lang="en-US" sz="1400" dirty="0" smtClean="0">
+              <a:rPr lang="en-US" sz="1400" dirty="0">
                 <a:solidFill>
                   <a:schemeClr val="bg1"/>
                 </a:solidFill>
               </a:rPr>
               <a:t>Patient</a:t>
             </a:r>
-            <a:endParaRPr lang="en-US" sz="1400" dirty="0">
-              <a:solidFill>
-                <a:schemeClr val="bg1"/>
-              </a:solidFill>
-            </a:endParaRPr>
           </a:p>
         </p:txBody>
       </p:sp>
@@ -6995,13 +6784,8 @@
             <a:pPr algn="ctr"/>
             <a:r>
               <a:rPr lang="en-US" sz="1100" b="1" dirty="0"/>
-              <a:t>m</a:t>
-            </a:r>
-            <a:r>
-              <a:rPr lang="en-US" sz="1100" b="1" dirty="0" smtClean="0"/>
-              <a:t>easure</a:t>
-            </a:r>
-            <a:endParaRPr lang="en-US" sz="1100" b="1" dirty="0"/>
+              <a:t>measure</a:t>
+            </a:r>
           </a:p>
         </p:txBody>
       </p:sp>
@@ -7109,10 +6893,9 @@
           <a:p>
             <a:pPr algn="ctr"/>
             <a:r>
-              <a:rPr lang="en-US" sz="1100" b="1" dirty="0" smtClean="0"/>
+              <a:rPr lang="en-US" sz="1100" b="1" dirty="0"/>
               <a:t>supportingOrganization</a:t>
             </a:r>
-            <a:endParaRPr lang="en-US" sz="1100" b="1" dirty="0"/>
           </a:p>
         </p:txBody>
       </p:sp>
@@ -7142,10 +6925,9 @@
           <a:p>
             <a:pPr algn="ctr"/>
             <a:r>
-              <a:rPr lang="en-US" sz="1100" b="1" dirty="0" smtClean="0"/>
+              <a:rPr lang="en-US" sz="1100" b="1" dirty="0"/>
               <a:t>evaluatedResources</a:t>
             </a:r>
-            <a:endParaRPr lang="en-US" sz="1100" b="1" dirty="0"/>
           </a:p>
         </p:txBody>
       </p:sp>
@@ -7176,13 +6958,8 @@
             <a:pPr algn="ctr"/>
             <a:r>
               <a:rPr lang="en-US" sz="1100" b="1" dirty="0"/>
-              <a:t>p</a:t>
-            </a:r>
-            <a:r>
-              <a:rPr lang="en-US" sz="1100" b="1" dirty="0" smtClean="0"/>
-              <a:t>atient</a:t>
-            </a:r>
-            <a:endParaRPr lang="en-US" sz="1100" b="1" dirty="0"/>
+              <a:t>patient</a:t>
+            </a:r>
           </a:p>
         </p:txBody>
       </p:sp>
@@ -7251,10 +7028,9 @@
           <a:p>
             <a:pPr algn="ctr"/>
             <a:r>
-              <a:rPr lang="en-US" sz="1100" b="1" dirty="0" smtClean="0"/>
+              <a:rPr lang="en-US" sz="1100" b="1" dirty="0"/>
               <a:t>subject</a:t>
             </a:r>
-            <a:endParaRPr lang="en-US" sz="1100" b="1" dirty="0"/>
           </a:p>
         </p:txBody>
       </p:sp>
@@ -7281,10 +7057,9 @@
           <a:lstStyle/>
           <a:p>
             <a:r>
-              <a:rPr lang="en-US" dirty="0" smtClean="0"/>
+              <a:rPr lang="en-US" dirty="0"/>
               <a:t>Used for Flexible Sigmoidoscopy and Colonoscopy</a:t>
             </a:r>
-            <a:endParaRPr lang="en-US" dirty="0"/>
           </a:p>
         </p:txBody>
       </p:sp>
@@ -7330,18 +7105,13 @@
           <a:p>
             <a:pPr algn="ctr"/>
             <a:r>
-              <a:rPr lang="en-US" sz="1400" dirty="0" smtClean="0">
+              <a:rPr lang="en-US" sz="1400" dirty="0">
                 <a:solidFill>
                   <a:schemeClr val="bg1"/>
                 </a:solidFill>
               </a:rPr>
               <a:t>Practitioner</a:t>
             </a:r>
-            <a:endParaRPr lang="en-US" sz="1400" dirty="0">
-              <a:solidFill>
-                <a:schemeClr val="bg1"/>
-              </a:solidFill>
-            </a:endParaRPr>
           </a:p>
         </p:txBody>
       </p:sp>
@@ -7387,18 +7157,13 @@
           <a:p>
             <a:pPr algn="ctr"/>
             <a:r>
-              <a:rPr lang="en-US" sz="1400" dirty="0" smtClean="0">
+              <a:rPr lang="en-US" sz="1400" dirty="0">
                 <a:solidFill>
                   <a:schemeClr val="bg1"/>
                 </a:solidFill>
               </a:rPr>
               <a:t>Encounter</a:t>
             </a:r>
-            <a:endParaRPr lang="en-US" sz="1400" dirty="0">
-              <a:solidFill>
-                <a:schemeClr val="bg1"/>
-              </a:solidFill>
-            </a:endParaRPr>
           </a:p>
         </p:txBody>
       </p:sp>
@@ -7509,13 +7274,8 @@
             <a:pPr algn="ctr"/>
             <a:r>
               <a:rPr lang="en-US" sz="1100" b="1" dirty="0"/>
-              <a:t>p</a:t>
-            </a:r>
-            <a:r>
-              <a:rPr lang="en-US" sz="1100" b="1" dirty="0" smtClean="0"/>
-              <a:t>erformer&gt;actor</a:t>
-            </a:r>
-            <a:endParaRPr lang="en-US" sz="1100" b="1" dirty="0"/>
+              <a:t>performer&gt;actor</a:t>
+            </a:r>
           </a:p>
         </p:txBody>
       </p:sp>
@@ -7545,7 +7305,7 @@
           <a:p>
             <a:pPr algn="ctr"/>
             <a:r>
-              <a:rPr lang="en-US" sz="1100" b="1" dirty="0" err="1" smtClean="0"/>
+              <a:rPr lang="en-US" sz="1100" b="1" dirty="0" err="1"/>
               <a:t>diagnosticReport-locationPerformed</a:t>
             </a:r>
             <a:endParaRPr lang="en-US" sz="1100" b="1" dirty="0"/>
@@ -7594,18 +7354,13 @@
           <a:p>
             <a:pPr algn="ctr"/>
             <a:r>
-              <a:rPr lang="en-US" sz="1400" dirty="0" smtClean="0">
+              <a:rPr lang="en-US" sz="1400" dirty="0">
                 <a:solidFill>
                   <a:schemeClr val="bg1"/>
                 </a:solidFill>
               </a:rPr>
               <a:t>Coverage</a:t>
             </a:r>
-            <a:endParaRPr lang="en-US" sz="1400" dirty="0">
-              <a:solidFill>
-                <a:schemeClr val="bg1"/>
-              </a:solidFill>
-            </a:endParaRPr>
           </a:p>
         </p:txBody>
       </p:sp>
@@ -7675,10 +7430,9 @@
           <a:p>
             <a:pPr algn="ctr"/>
             <a:r>
-              <a:rPr lang="en-US" sz="1100" b="1" dirty="0" smtClean="0"/>
+              <a:rPr lang="en-US" sz="1100" b="1" dirty="0"/>
               <a:t>beneficiary</a:t>
             </a:r>
-            <a:endParaRPr lang="en-US" sz="1100" b="1" dirty="0"/>
           </a:p>
         </p:txBody>
       </p:sp>
@@ -7724,18 +7478,13 @@
           <a:p>
             <a:pPr algn="ctr"/>
             <a:r>
-              <a:rPr lang="en-US" sz="1400" dirty="0" smtClean="0">
+              <a:rPr lang="en-US" sz="1400" dirty="0">
                 <a:solidFill>
                   <a:schemeClr val="bg1"/>
                 </a:solidFill>
               </a:rPr>
               <a:t>Observation</a:t>
             </a:r>
-            <a:endParaRPr lang="en-US" sz="1400" dirty="0">
-              <a:solidFill>
-                <a:schemeClr val="bg1"/>
-              </a:solidFill>
-            </a:endParaRPr>
           </a:p>
         </p:txBody>
       </p:sp>
@@ -7805,10 +7554,9 @@
           <a:p>
             <a:pPr algn="ctr"/>
             <a:r>
-              <a:rPr lang="en-US" sz="1100" b="1" dirty="0" smtClean="0"/>
+              <a:rPr lang="en-US" sz="1100" b="1" dirty="0"/>
               <a:t>report</a:t>
             </a:r>
-            <a:endParaRPr lang="en-US" sz="1100" b="1" dirty="0"/>
           </a:p>
         </p:txBody>
       </p:sp>
@@ -7861,17 +7609,16 @@
           <a:p>
             <a:pPr algn="l"/>
             <a:r>
-              <a:rPr lang="en-US" dirty="0" smtClean="0"/>
+              <a:rPr lang="en-US" dirty="0"/>
               <a:t>Option 3</a:t>
             </a:r>
             <a:br>
-              <a:rPr lang="en-US" dirty="0" smtClean="0"/>
+              <a:rPr lang="en-US" dirty="0"/>
             </a:br>
             <a:r>
-              <a:rPr lang="en-US" dirty="0" smtClean="0"/>
+              <a:rPr lang="en-US" dirty="0"/>
               <a:t>MeasureReport using Procedure</a:t>
             </a:r>
-            <a:endParaRPr lang="en-US" dirty="0"/>
           </a:p>
         </p:txBody>
       </p:sp>
@@ -7896,25 +7643,24 @@
               <a:buNone/>
             </a:pPr>
             <a:r>
-              <a:rPr lang="en-US" dirty="0" smtClean="0"/>
+              <a:rPr lang="en-US" dirty="0"/>
               <a:t>There are often times exclusions in a screening measure.  An exclusion is something that removes the requirement for a screening measure.</a:t>
             </a:r>
-            <a:endParaRPr lang="en-US" dirty="0"/>
           </a:p>
           <a:p>
             <a:pPr marL="0" indent="0">
               <a:buNone/>
             </a:pPr>
             <a:r>
-              <a:rPr lang="en-US" dirty="0" smtClean="0"/>
+              <a:rPr lang="en-US" dirty="0"/>
               <a:t>In Option 3, we show an example of where a certain procedure removes the requirement for Colorectal Cancer Screening.  As with the other options, the measure defines the </a:t>
             </a:r>
             <a:r>
-              <a:rPr lang="en-US" dirty="0" err="1" smtClean="0"/>
+              <a:rPr lang="en-US" dirty="0" err="1"/>
               <a:t>valueset</a:t>
             </a:r>
             <a:r>
-              <a:rPr lang="en-US" dirty="0" smtClean="0"/>
+              <a:rPr lang="en-US" dirty="0"/>
               <a:t>/codes that constitute a qualifying procedure</a:t>
             </a:r>
           </a:p>
@@ -7923,10 +7669,9 @@
               <a:buNone/>
             </a:pPr>
             <a:r>
-              <a:rPr lang="en-US" dirty="0" smtClean="0"/>
+              <a:rPr lang="en-US" dirty="0"/>
               <a:t>The following diagram shows how you would use a DEQM Individual MeasureReport and associated resources to report a procedure</a:t>
             </a:r>
-            <a:endParaRPr lang="en-US" dirty="0"/>
           </a:p>
         </p:txBody>
       </p:sp>
@@ -7979,10 +7724,9 @@
           <a:p>
             <a:pPr algn="l"/>
             <a:r>
-              <a:rPr lang="en-US" dirty="0" smtClean="0"/>
+              <a:rPr lang="en-US" dirty="0"/>
               <a:t>MeasureReport using Procedure</a:t>
             </a:r>
-            <a:endParaRPr lang="en-US" dirty="0"/>
           </a:p>
         </p:txBody>
       </p:sp>
@@ -8005,10 +7749,9 @@
               <a:buNone/>
             </a:pPr>
             <a:r>
-              <a:rPr lang="en-US" dirty="0" smtClean="0"/>
+              <a:rPr lang="en-US" dirty="0"/>
               <a:t>  </a:t>
             </a:r>
-            <a:endParaRPr lang="en-US" dirty="0"/>
           </a:p>
         </p:txBody>
       </p:sp>
@@ -8054,18 +7797,13 @@
           <a:p>
             <a:pPr algn="ctr"/>
             <a:r>
-              <a:rPr lang="en-US" sz="1400" dirty="0" smtClean="0">
+              <a:rPr lang="en-US" sz="1400" dirty="0">
                 <a:solidFill>
                   <a:schemeClr val="bg1"/>
                 </a:solidFill>
               </a:rPr>
               <a:t>Measure</a:t>
             </a:r>
-            <a:endParaRPr lang="en-US" sz="1400" dirty="0">
-              <a:solidFill>
-                <a:schemeClr val="bg1"/>
-              </a:solidFill>
-            </a:endParaRPr>
           </a:p>
         </p:txBody>
       </p:sp>
@@ -8111,18 +7849,13 @@
           <a:p>
             <a:pPr algn="ctr"/>
             <a:r>
-              <a:rPr lang="en-US" sz="1400" dirty="0" smtClean="0">
+              <a:rPr lang="en-US" sz="1400" dirty="0">
                 <a:solidFill>
                   <a:schemeClr val="bg1"/>
                 </a:solidFill>
               </a:rPr>
               <a:t>MeasureReport</a:t>
             </a:r>
-            <a:endParaRPr lang="en-US" sz="1400" dirty="0">
-              <a:solidFill>
-                <a:schemeClr val="bg1"/>
-              </a:solidFill>
-            </a:endParaRPr>
           </a:p>
         </p:txBody>
       </p:sp>
@@ -8168,18 +7901,13 @@
           <a:p>
             <a:pPr algn="ctr"/>
             <a:r>
-              <a:rPr lang="en-US" sz="1400" dirty="0" smtClean="0">
+              <a:rPr lang="en-US" sz="1400" dirty="0">
                 <a:solidFill>
                   <a:schemeClr val="bg1"/>
                 </a:solidFill>
               </a:rPr>
               <a:t>Procedure</a:t>
             </a:r>
-            <a:endParaRPr lang="en-US" sz="1400" dirty="0">
-              <a:solidFill>
-                <a:schemeClr val="bg1"/>
-              </a:solidFill>
-            </a:endParaRPr>
           </a:p>
         </p:txBody>
       </p:sp>
@@ -8225,18 +7953,13 @@
           <a:p>
             <a:pPr algn="ctr"/>
             <a:r>
-              <a:rPr lang="en-US" sz="1400" dirty="0" smtClean="0">
+              <a:rPr lang="en-US" sz="1400" dirty="0">
                 <a:solidFill>
                   <a:schemeClr val="bg1"/>
                 </a:solidFill>
               </a:rPr>
               <a:t>Organization</a:t>
             </a:r>
-            <a:endParaRPr lang="en-US" sz="1400" dirty="0">
-              <a:solidFill>
-                <a:schemeClr val="bg1"/>
-              </a:solidFill>
-            </a:endParaRPr>
           </a:p>
         </p:txBody>
       </p:sp>
@@ -8282,18 +8005,13 @@
           <a:p>
             <a:pPr algn="ctr"/>
             <a:r>
-              <a:rPr lang="en-US" sz="1400" dirty="0" smtClean="0">
+              <a:rPr lang="en-US" sz="1400" dirty="0">
                 <a:solidFill>
                   <a:schemeClr val="bg1"/>
                 </a:solidFill>
               </a:rPr>
               <a:t>Patient</a:t>
             </a:r>
-            <a:endParaRPr lang="en-US" sz="1400" dirty="0">
-              <a:solidFill>
-                <a:schemeClr val="bg1"/>
-              </a:solidFill>
-            </a:endParaRPr>
           </a:p>
         </p:txBody>
       </p:sp>
@@ -8399,13 +8117,8 @@
             <a:pPr algn="ctr"/>
             <a:r>
               <a:rPr lang="en-US" sz="1100" b="1" dirty="0"/>
-              <a:t>m</a:t>
-            </a:r>
-            <a:r>
-              <a:rPr lang="en-US" sz="1100" b="1" dirty="0" smtClean="0"/>
-              <a:t>easure</a:t>
-            </a:r>
-            <a:endParaRPr lang="en-US" sz="1100" b="1" dirty="0"/>
+              <a:t>measure</a:t>
+            </a:r>
           </a:p>
         </p:txBody>
       </p:sp>
@@ -8513,10 +8226,9 @@
           <a:p>
             <a:pPr algn="ctr"/>
             <a:r>
-              <a:rPr lang="en-US" sz="1100" b="1" dirty="0" smtClean="0"/>
+              <a:rPr lang="en-US" sz="1100" b="1" dirty="0"/>
               <a:t>supportingOrganization</a:t>
             </a:r>
-            <a:endParaRPr lang="en-US" sz="1100" b="1" dirty="0"/>
           </a:p>
         </p:txBody>
       </p:sp>
@@ -8546,10 +8258,9 @@
           <a:p>
             <a:pPr algn="ctr"/>
             <a:r>
-              <a:rPr lang="en-US" sz="1100" b="1" dirty="0" smtClean="0"/>
+              <a:rPr lang="en-US" sz="1100" b="1" dirty="0"/>
               <a:t>evaluatedResources</a:t>
             </a:r>
-            <a:endParaRPr lang="en-US" sz="1100" b="1" dirty="0"/>
           </a:p>
         </p:txBody>
       </p:sp>
@@ -8580,13 +8291,8 @@
             <a:pPr algn="ctr"/>
             <a:r>
               <a:rPr lang="en-US" sz="1100" b="1" dirty="0"/>
-              <a:t>p</a:t>
-            </a:r>
-            <a:r>
-              <a:rPr lang="en-US" sz="1100" b="1" dirty="0" smtClean="0"/>
-              <a:t>atient</a:t>
-            </a:r>
-            <a:endParaRPr lang="en-US" sz="1100" b="1" dirty="0"/>
+              <a:t>patient</a:t>
+            </a:r>
           </a:p>
         </p:txBody>
       </p:sp>
@@ -8655,10 +8361,9 @@
           <a:p>
             <a:pPr algn="ctr"/>
             <a:r>
-              <a:rPr lang="en-US" sz="1100" b="1" dirty="0" smtClean="0"/>
+              <a:rPr lang="en-US" sz="1100" b="1" dirty="0"/>
               <a:t>subject</a:t>
             </a:r>
-            <a:endParaRPr lang="en-US" sz="1100" b="1" dirty="0"/>
           </a:p>
         </p:txBody>
       </p:sp>
@@ -8685,10 +8390,9 @@
           <a:lstStyle/>
           <a:p>
             <a:r>
-              <a:rPr lang="en-US" dirty="0" smtClean="0"/>
+              <a:rPr lang="en-US" dirty="0"/>
               <a:t>Used for Total Colectomy which is an exclusion for the Colorectal Cancer Screening</a:t>
             </a:r>
-            <a:endParaRPr lang="en-US" dirty="0"/>
           </a:p>
         </p:txBody>
       </p:sp>
@@ -8734,18 +8438,13 @@
           <a:p>
             <a:pPr algn="ctr"/>
             <a:r>
-              <a:rPr lang="en-US" sz="1400" dirty="0" smtClean="0">
+              <a:rPr lang="en-US" sz="1400" dirty="0">
                 <a:solidFill>
                   <a:schemeClr val="bg1"/>
                 </a:solidFill>
               </a:rPr>
               <a:t>Practitioner</a:t>
             </a:r>
-            <a:endParaRPr lang="en-US" sz="1400" dirty="0">
-              <a:solidFill>
-                <a:schemeClr val="bg1"/>
-              </a:solidFill>
-            </a:endParaRPr>
           </a:p>
         </p:txBody>
       </p:sp>
@@ -8791,18 +8490,13 @@
           <a:p>
             <a:pPr algn="ctr"/>
             <a:r>
-              <a:rPr lang="en-US" sz="1400" dirty="0" smtClean="0">
+              <a:rPr lang="en-US" sz="1400" dirty="0">
                 <a:solidFill>
                   <a:schemeClr val="bg1"/>
                 </a:solidFill>
               </a:rPr>
               <a:t>Encounter</a:t>
             </a:r>
-            <a:endParaRPr lang="en-US" sz="1400" dirty="0">
-              <a:solidFill>
-                <a:schemeClr val="bg1"/>
-              </a:solidFill>
-            </a:endParaRPr>
           </a:p>
         </p:txBody>
       </p:sp>
@@ -8912,10 +8606,9 @@
           <a:p>
             <a:pPr algn="ctr"/>
             <a:r>
-              <a:rPr lang="en-US" sz="1100" b="1" dirty="0" smtClean="0"/>
+              <a:rPr lang="en-US" sz="1100" b="1" dirty="0"/>
               <a:t>performer&gt;actor</a:t>
             </a:r>
-            <a:endParaRPr lang="en-US" sz="1100" b="1" dirty="0"/>
           </a:p>
         </p:txBody>
       </p:sp>
@@ -8945,10 +8638,9 @@
           <a:p>
             <a:pPr algn="ctr"/>
             <a:r>
-              <a:rPr lang="en-US" sz="1100" b="1" dirty="0" smtClean="0"/>
+              <a:rPr lang="en-US" sz="1100" b="1" dirty="0"/>
               <a:t>context</a:t>
             </a:r>
-            <a:endParaRPr lang="en-US" sz="1100" b="1" dirty="0"/>
           </a:p>
         </p:txBody>
       </p:sp>
@@ -8994,18 +8686,13 @@
           <a:p>
             <a:pPr algn="ctr"/>
             <a:r>
-              <a:rPr lang="en-US" sz="1400" dirty="0" smtClean="0">
+              <a:rPr lang="en-US" sz="1400" dirty="0">
                 <a:solidFill>
                   <a:schemeClr val="bg1"/>
                 </a:solidFill>
               </a:rPr>
               <a:t>Location</a:t>
             </a:r>
-            <a:endParaRPr lang="en-US" sz="1400" dirty="0">
-              <a:solidFill>
-                <a:schemeClr val="bg1"/>
-              </a:solidFill>
-            </a:endParaRPr>
           </a:p>
         </p:txBody>
       </p:sp>
@@ -9091,18 +8778,13 @@
           <a:p>
             <a:pPr algn="ctr"/>
             <a:r>
-              <a:rPr lang="en-US" sz="1400" dirty="0" smtClean="0">
+              <a:rPr lang="en-US" sz="1400" dirty="0">
                 <a:solidFill>
                   <a:schemeClr val="bg1"/>
                 </a:solidFill>
               </a:rPr>
               <a:t>Coverage</a:t>
             </a:r>
-            <a:endParaRPr lang="en-US" sz="1400" dirty="0">
-              <a:solidFill>
-                <a:schemeClr val="bg1"/>
-              </a:solidFill>
-            </a:endParaRPr>
           </a:p>
         </p:txBody>
       </p:sp>
@@ -9172,10 +8854,9 @@
           <a:p>
             <a:pPr algn="ctr"/>
             <a:r>
-              <a:rPr lang="en-US" sz="1100" b="1" dirty="0" smtClean="0"/>
+              <a:rPr lang="en-US" sz="1100" b="1" dirty="0"/>
               <a:t>beneficiary</a:t>
             </a:r>
-            <a:endParaRPr lang="en-US" sz="1100" b="1" dirty="0"/>
           </a:p>
         </p:txBody>
       </p:sp>
@@ -9205,7 +8886,7 @@
           <a:p>
             <a:pPr algn="ctr"/>
             <a:r>
-              <a:rPr lang="en-US" sz="1100" b="1" dirty="0" smtClean="0"/>
+              <a:rPr lang="en-US" sz="1100" b="1" dirty="0"/>
               <a:t>location</a:t>
             </a:r>
           </a:p>

--- a/source/pages/assets/images/source/DEQM Resource Diagram - COL.pptx
+++ b/source/pages/assets/images/source/DEQM Resource Diagram - COL.pptx
@@ -7030,35 +7030,6 @@
             <a:r>
               <a:rPr lang="en-US" sz="1100" b="1" dirty="0"/>
               <a:t>subject</a:t>
-            </a:r>
-          </a:p>
-        </p:txBody>
-      </p:sp>
-      <p:sp>
-        <p:nvSpPr>
-          <p:cNvPr id="41" name="TextBox 40"/>
-          <p:cNvSpPr txBox="1"/>
-          <p:nvPr/>
-        </p:nvSpPr>
-        <p:spPr>
-          <a:xfrm>
-            <a:off x="457200" y="6293636"/>
-            <a:ext cx="4953000" cy="369332"/>
-          </a:xfrm>
-          <a:prstGeom prst="rect">
-            <a:avLst/>
-          </a:prstGeom>
-          <a:noFill/>
-        </p:spPr>
-        <p:txBody>
-          <a:bodyPr wrap="square" rtlCol="0">
-            <a:spAutoFit/>
-          </a:bodyPr>
-          <a:lstStyle/>
-          <a:p>
-            <a:r>
-              <a:rPr lang="en-US" dirty="0"/>
-              <a:t>Used for Flexible Sigmoidoscopy and Colonoscopy</a:t>
             </a:r>
           </a:p>
         </p:txBody>

--- a/source/pages/assets/images/source/DEQM Resource Diagram - COL.pptx
+++ b/source/pages/assets/images/source/DEQM Resource Diagram - COL.pptx
@@ -8334,35 +8334,6 @@
             <a:r>
               <a:rPr lang="en-US" sz="1100" b="1" dirty="0"/>
               <a:t>subject</a:t>
-            </a:r>
-          </a:p>
-        </p:txBody>
-      </p:sp>
-      <p:sp>
-        <p:nvSpPr>
-          <p:cNvPr id="41" name="TextBox 40"/>
-          <p:cNvSpPr txBox="1"/>
-          <p:nvPr/>
-        </p:nvSpPr>
-        <p:spPr>
-          <a:xfrm>
-            <a:off x="457199" y="6293636"/>
-            <a:ext cx="8305801" cy="369332"/>
-          </a:xfrm>
-          <a:prstGeom prst="rect">
-            <a:avLst/>
-          </a:prstGeom>
-          <a:noFill/>
-        </p:spPr>
-        <p:txBody>
-          <a:bodyPr wrap="square" rtlCol="0">
-            <a:spAutoFit/>
-          </a:bodyPr>
-          <a:lstStyle/>
-          <a:p>
-            <a:r>
-              <a:rPr lang="en-US" dirty="0"/>
-              <a:t>Used for Total Colectomy which is an exclusion for the Colorectal Cancer Screening</a:t>
             </a:r>
           </a:p>
         </p:txBody>

--- a/source/pages/assets/images/source/DEQM Resource Diagram - COL.pptx
+++ b/source/pages/assets/images/source/DEQM Resource Diagram - COL.pptx
@@ -3934,35 +3934,6 @@
             <a:r>
               <a:rPr lang="en-US" sz="1100" b="1" dirty="0"/>
               <a:t>subject</a:t>
-            </a:r>
-          </a:p>
-        </p:txBody>
-      </p:sp>
-      <p:sp>
-        <p:nvSpPr>
-          <p:cNvPr id="41" name="TextBox 40"/>
-          <p:cNvSpPr txBox="1"/>
-          <p:nvPr/>
-        </p:nvSpPr>
-        <p:spPr>
-          <a:xfrm>
-            <a:off x="457200" y="6293636"/>
-            <a:ext cx="7772400" cy="646331"/>
-          </a:xfrm>
-          <a:prstGeom prst="rect">
-            <a:avLst/>
-          </a:prstGeom>
-          <a:noFill/>
-        </p:spPr>
-        <p:txBody>
-          <a:bodyPr wrap="square" rtlCol="0">
-            <a:spAutoFit/>
-          </a:bodyPr>
-          <a:lstStyle/>
-          <a:p>
-            <a:r>
-              <a:rPr lang="en-US" dirty="0"/>
-              <a:t>Used for Colorectal Cancer which is an exclusion for Colorectal Cancer Screening	</a:t>
             </a:r>
           </a:p>
         </p:txBody>
